--- a/EV_Project_Presentation.pptx
+++ b/EV_Project_Presentation.pptx
@@ -2,20 +2,20 @@
 <file path=ppt/presentation.xml><?xml version="1.0" encoding="utf-8"?>
 <p:presentation xmlns:a="http://schemas.openxmlformats.org/drawingml/2006/main" xmlns:r="http://schemas.openxmlformats.org/officeDocument/2006/relationships" xmlns:p="http://schemas.openxmlformats.org/presentationml/2006/main" saveSubsetFonts="1" autoCompressPictures="0">
   <p:sldMasterIdLst>
-    <p:sldMasterId id="2147483648" r:id="rId1"/>
+    <p:sldMasterId id="2147483726" r:id="rId1"/>
   </p:sldMasterIdLst>
   <p:sldIdLst>
-    <p:sldId id="256" r:id="rId7"/>
-    <p:sldId id="257" r:id="rId8"/>
-    <p:sldId id="258" r:id="rId9"/>
-    <p:sldId id="259" r:id="rId10"/>
-    <p:sldId id="260" r:id="rId11"/>
-    <p:sldId id="261" r:id="rId12"/>
-    <p:sldId id="262" r:id="rId13"/>
-    <p:sldId id="263" r:id="rId14"/>
-    <p:sldId id="264" r:id="rId15"/>
-    <p:sldId id="265" r:id="rId16"/>
-    <p:sldId id="266" r:id="rId17"/>
+    <p:sldId id="256" r:id="rId2"/>
+    <p:sldId id="257" r:id="rId3"/>
+    <p:sldId id="258" r:id="rId4"/>
+    <p:sldId id="259" r:id="rId5"/>
+    <p:sldId id="260" r:id="rId6"/>
+    <p:sldId id="261" r:id="rId7"/>
+    <p:sldId id="262" r:id="rId8"/>
+    <p:sldId id="263" r:id="rId9"/>
+    <p:sldId id="264" r:id="rId10"/>
+    <p:sldId id="265" r:id="rId11"/>
+    <p:sldId id="266" r:id="rId12"/>
   </p:sldIdLst>
   <p:sldSz cx="9144000" cy="6858000" type="screen4x3"/>
   <p:notesSz cx="6858000" cy="9144000"/>
@@ -114,11 +114,27 @@
       </a:defRPr>
     </a:lvl9pPr>
   </p:defaultTextStyle>
+  <p:extLst>
+    <p:ext uri="{EFAFB233-063F-42B5-8137-9DF3F51BA10A}">
+      <p15:sldGuideLst xmlns:p15="http://schemas.microsoft.com/office/powerpoint/2012/main">
+        <p15:guide id="1" orient="horz" pos="2160">
+          <p15:clr>
+            <a:srgbClr val="A4A3A4"/>
+          </p15:clr>
+        </p15:guide>
+        <p15:guide id="2" pos="2880">
+          <p15:clr>
+            <a:srgbClr val="A4A3A4"/>
+          </p15:clr>
+        </p15:guide>
+      </p15:sldGuideLst>
+    </p:ext>
+  </p:extLst>
 </p:presentation>
 </file>
 
 <file path=ppt/slideLayouts/slideLayout1.xml><?xml version="1.0" encoding="utf-8"?>
-<p:sldLayout xmlns:a="http://schemas.openxmlformats.org/drawingml/2006/main" xmlns:r="http://schemas.openxmlformats.org/officeDocument/2006/relationships" xmlns:p="http://schemas.openxmlformats.org/presentationml/2006/main" type="title" preserve="1">
+<p:sldLayout xmlns:a="http://schemas.openxmlformats.org/drawingml/2006/main" xmlns:r="http://schemas.openxmlformats.org/officeDocument/2006/relationships" xmlns:p="http://schemas.openxmlformats.org/presentationml/2006/main" showMasterSp="0" type="title" preserve="1">
   <p:cSld name="Title Slide">
     <p:spTree>
       <p:nvGrpSpPr>
@@ -134,6 +150,328 @@
           <a:chExt cx="0" cy="0"/>
         </a:xfrm>
       </p:grpSpPr>
+      <p:grpSp>
+        <p:nvGrpSpPr>
+          <p:cNvPr id="25" name="Group 24"/>
+          <p:cNvGrpSpPr/>
+          <p:nvPr/>
+        </p:nvGrpSpPr>
+        <p:grpSpPr>
+          <a:xfrm>
+            <a:off x="203200" y="0"/>
+            <a:ext cx="3778250" cy="6858001"/>
+            <a:chOff x="203200" y="0"/>
+            <a:chExt cx="3778250" cy="6858001"/>
+          </a:xfrm>
+        </p:grpSpPr>
+        <p:sp>
+          <p:nvSpPr>
+            <p:cNvPr id="14" name="Freeform 6"/>
+            <p:cNvSpPr/>
+            <p:nvPr/>
+          </p:nvSpPr>
+          <p:spPr bwMode="auto">
+            <a:xfrm>
+              <a:off x="641350" y="0"/>
+              <a:ext cx="1365250" cy="3971925"/>
+            </a:xfrm>
+            <a:custGeom>
+              <a:avLst/>
+              <a:gdLst/>
+              <a:ahLst/>
+              <a:cxnLst/>
+              <a:rect l="0" t="0" r="r" b="b"/>
+              <a:pathLst>
+                <a:path w="860" h="2502">
+                  <a:moveTo>
+                    <a:pt x="0" y="2445"/>
+                  </a:moveTo>
+                  <a:lnTo>
+                    <a:pt x="228" y="2502"/>
+                  </a:lnTo>
+                  <a:lnTo>
+                    <a:pt x="860" y="0"/>
+                  </a:lnTo>
+                  <a:lnTo>
+                    <a:pt x="620" y="0"/>
+                  </a:lnTo>
+                  <a:lnTo>
+                    <a:pt x="0" y="2445"/>
+                  </a:lnTo>
+                  <a:close/>
+                </a:path>
+              </a:pathLst>
+            </a:custGeom>
+            <a:solidFill>
+              <a:schemeClr val="accent1"/>
+            </a:solidFill>
+            <a:ln>
+              <a:noFill/>
+            </a:ln>
+          </p:spPr>
+        </p:sp>
+        <p:sp>
+          <p:nvSpPr>
+            <p:cNvPr id="15" name="Freeform 7"/>
+            <p:cNvSpPr/>
+            <p:nvPr/>
+          </p:nvSpPr>
+          <p:spPr bwMode="auto">
+            <a:xfrm>
+              <a:off x="203200" y="0"/>
+              <a:ext cx="1336675" cy="3862388"/>
+            </a:xfrm>
+            <a:custGeom>
+              <a:avLst/>
+              <a:gdLst/>
+              <a:ahLst/>
+              <a:cxnLst/>
+              <a:rect l="0" t="0" r="r" b="b"/>
+              <a:pathLst>
+                <a:path w="842" h="2433">
+                  <a:moveTo>
+                    <a:pt x="842" y="0"/>
+                  </a:moveTo>
+                  <a:lnTo>
+                    <a:pt x="602" y="0"/>
+                  </a:lnTo>
+                  <a:lnTo>
+                    <a:pt x="0" y="2376"/>
+                  </a:lnTo>
+                  <a:lnTo>
+                    <a:pt x="228" y="2433"/>
+                  </a:lnTo>
+                  <a:lnTo>
+                    <a:pt x="842" y="0"/>
+                  </a:lnTo>
+                  <a:close/>
+                </a:path>
+              </a:pathLst>
+            </a:custGeom>
+            <a:solidFill>
+              <a:schemeClr val="tx1">
+                <a:lumMod val="65000"/>
+                <a:lumOff val="35000"/>
+              </a:schemeClr>
+            </a:solidFill>
+            <a:ln>
+              <a:noFill/>
+            </a:ln>
+          </p:spPr>
+        </p:sp>
+        <p:sp>
+          <p:nvSpPr>
+            <p:cNvPr id="16" name="Freeform 8"/>
+            <p:cNvSpPr/>
+            <p:nvPr/>
+          </p:nvSpPr>
+          <p:spPr bwMode="auto">
+            <a:xfrm>
+              <a:off x="207963" y="3776663"/>
+              <a:ext cx="1936750" cy="3081338"/>
+            </a:xfrm>
+            <a:custGeom>
+              <a:avLst/>
+              <a:gdLst/>
+              <a:ahLst/>
+              <a:cxnLst/>
+              <a:rect l="0" t="0" r="r" b="b"/>
+              <a:pathLst>
+                <a:path w="1220" h="1941">
+                  <a:moveTo>
+                    <a:pt x="0" y="0"/>
+                  </a:moveTo>
+                  <a:lnTo>
+                    <a:pt x="1166" y="1941"/>
+                  </a:lnTo>
+                  <a:lnTo>
+                    <a:pt x="1220" y="1941"/>
+                  </a:lnTo>
+                  <a:lnTo>
+                    <a:pt x="0" y="0"/>
+                  </a:lnTo>
+                  <a:close/>
+                </a:path>
+              </a:pathLst>
+            </a:custGeom>
+            <a:solidFill>
+              <a:schemeClr val="tx1">
+                <a:lumMod val="85000"/>
+                <a:lumOff val="15000"/>
+              </a:schemeClr>
+            </a:solidFill>
+            <a:ln>
+              <a:noFill/>
+            </a:ln>
+          </p:spPr>
+        </p:sp>
+        <p:sp>
+          <p:nvSpPr>
+            <p:cNvPr id="20" name="Freeform 9"/>
+            <p:cNvSpPr/>
+            <p:nvPr/>
+          </p:nvSpPr>
+          <p:spPr bwMode="auto">
+            <a:xfrm>
+              <a:off x="646113" y="3886200"/>
+              <a:ext cx="2373313" cy="2971800"/>
+            </a:xfrm>
+            <a:custGeom>
+              <a:avLst/>
+              <a:gdLst/>
+              <a:ahLst/>
+              <a:cxnLst/>
+              <a:rect l="0" t="0" r="r" b="b"/>
+              <a:pathLst>
+                <a:path w="1495" h="1872">
+                  <a:moveTo>
+                    <a:pt x="1495" y="1872"/>
+                  </a:moveTo>
+                  <a:lnTo>
+                    <a:pt x="0" y="0"/>
+                  </a:lnTo>
+                  <a:lnTo>
+                    <a:pt x="1442" y="1872"/>
+                  </a:lnTo>
+                  <a:lnTo>
+                    <a:pt x="1495" y="1872"/>
+                  </a:lnTo>
+                  <a:close/>
+                </a:path>
+              </a:pathLst>
+            </a:custGeom>
+            <a:solidFill>
+              <a:schemeClr val="accent1">
+                <a:lumMod val="50000"/>
+              </a:schemeClr>
+            </a:solidFill>
+            <a:ln>
+              <a:noFill/>
+            </a:ln>
+          </p:spPr>
+        </p:sp>
+        <p:sp>
+          <p:nvSpPr>
+            <p:cNvPr id="21" name="Freeform 10"/>
+            <p:cNvSpPr/>
+            <p:nvPr/>
+          </p:nvSpPr>
+          <p:spPr bwMode="auto">
+            <a:xfrm>
+              <a:off x="641350" y="3881438"/>
+              <a:ext cx="3340100" cy="2976563"/>
+            </a:xfrm>
+            <a:custGeom>
+              <a:avLst/>
+              <a:gdLst/>
+              <a:ahLst/>
+              <a:cxnLst/>
+              <a:rect l="0" t="0" r="r" b="b"/>
+              <a:pathLst>
+                <a:path w="2104" h="1875">
+                  <a:moveTo>
+                    <a:pt x="0" y="0"/>
+                  </a:moveTo>
+                  <a:lnTo>
+                    <a:pt x="3" y="3"/>
+                  </a:lnTo>
+                  <a:lnTo>
+                    <a:pt x="1498" y="1875"/>
+                  </a:lnTo>
+                  <a:lnTo>
+                    <a:pt x="2104" y="1875"/>
+                  </a:lnTo>
+                  <a:lnTo>
+                    <a:pt x="228" y="57"/>
+                  </a:lnTo>
+                  <a:lnTo>
+                    <a:pt x="0" y="0"/>
+                  </a:lnTo>
+                  <a:close/>
+                </a:path>
+              </a:pathLst>
+            </a:custGeom>
+            <a:solidFill>
+              <a:schemeClr val="accent1">
+                <a:lumMod val="75000"/>
+              </a:schemeClr>
+            </a:solidFill>
+            <a:ln>
+              <a:noFill/>
+            </a:ln>
+          </p:spPr>
+        </p:sp>
+        <p:sp>
+          <p:nvSpPr>
+            <p:cNvPr id="22" name="Freeform 11"/>
+            <p:cNvSpPr/>
+            <p:nvPr/>
+          </p:nvSpPr>
+          <p:spPr bwMode="auto">
+            <a:xfrm>
+              <a:off x="203200" y="3771900"/>
+              <a:ext cx="2660650" cy="3086100"/>
+            </a:xfrm>
+            <a:custGeom>
+              <a:avLst/>
+              <a:gdLst/>
+              <a:ahLst/>
+              <a:cxnLst/>
+              <a:rect l="0" t="0" r="r" b="b"/>
+              <a:pathLst>
+                <a:path w="1676" h="1944">
+                  <a:moveTo>
+                    <a:pt x="1676" y="1944"/>
+                  </a:moveTo>
+                  <a:lnTo>
+                    <a:pt x="264" y="111"/>
+                  </a:lnTo>
+                  <a:lnTo>
+                    <a:pt x="225" y="60"/>
+                  </a:lnTo>
+                  <a:lnTo>
+                    <a:pt x="228" y="60"/>
+                  </a:lnTo>
+                  <a:lnTo>
+                    <a:pt x="264" y="111"/>
+                  </a:lnTo>
+                  <a:lnTo>
+                    <a:pt x="234" y="69"/>
+                  </a:lnTo>
+                  <a:lnTo>
+                    <a:pt x="228" y="57"/>
+                  </a:lnTo>
+                  <a:lnTo>
+                    <a:pt x="222" y="54"/>
+                  </a:lnTo>
+                  <a:lnTo>
+                    <a:pt x="0" y="0"/>
+                  </a:lnTo>
+                  <a:lnTo>
+                    <a:pt x="3" y="3"/>
+                  </a:lnTo>
+                  <a:lnTo>
+                    <a:pt x="1223" y="1944"/>
+                  </a:lnTo>
+                  <a:lnTo>
+                    <a:pt x="1676" y="1944"/>
+                  </a:lnTo>
+                  <a:close/>
+                </a:path>
+              </a:pathLst>
+            </a:custGeom>
+            <a:solidFill>
+              <a:schemeClr val="tx1">
+                <a:lumMod val="75000"/>
+                <a:lumOff val="25000"/>
+              </a:schemeClr>
+            </a:solidFill>
+            <a:ln>
+              <a:noFill/>
+            </a:ln>
+          </p:spPr>
+        </p:sp>
+      </p:grpSp>
       <p:sp>
         <p:nvSpPr>
           <p:cNvPr id="2" name="Title 1"/>
@@ -146,19 +484,27 @@
         </p:nvSpPr>
         <p:spPr>
           <a:xfrm>
-            <a:off x="685800" y="2130425"/>
-            <a:ext cx="7772400" cy="1470025"/>
+            <a:off x="1739673" y="914401"/>
+            <a:ext cx="6947127" cy="3488266"/>
           </a:xfrm>
         </p:spPr>
         <p:txBody>
-          <a:bodyPr/>
-          <a:lstStyle/>
-          <a:p>
-            <a:r>
-              <a:rPr lang="en-US" smtClean="0"/>
+          <a:bodyPr anchor="b">
+            <a:normAutofit/>
+          </a:bodyPr>
+          <a:lstStyle>
+            <a:lvl1pPr algn="r">
+              <a:defRPr sz="5400">
+                <a:effectLst/>
+              </a:defRPr>
+            </a:lvl1pPr>
+          </a:lstStyle>
+          <a:p>
+            <a:r>
+              <a:rPr lang="en-US"/>
               <a:t>Click to edit Master title style</a:t>
             </a:r>
-            <a:endParaRPr lang="en-US"/>
+            <a:endParaRPr lang="en-US" dirty="0"/>
           </a:p>
         </p:txBody>
       </p:sp>
@@ -174,14 +520,24 @@
         </p:nvSpPr>
         <p:spPr>
           <a:xfrm>
-            <a:off x="1371600" y="3886200"/>
-            <a:ext cx="6400800" cy="1752600"/>
+            <a:off x="2924238" y="4402666"/>
+            <a:ext cx="5762563" cy="1364531"/>
           </a:xfrm>
         </p:spPr>
         <p:txBody>
-          <a:bodyPr/>
+          <a:bodyPr anchor="t">
+            <a:normAutofit/>
+          </a:bodyPr>
           <a:lstStyle>
-            <a:lvl1pPr marL="0" indent="0" algn="ctr">
+            <a:lvl1pPr marL="0" indent="0" algn="r">
+              <a:buNone/>
+              <a:defRPr sz="1800">
+                <a:solidFill>
+                  <a:schemeClr val="tx1"/>
+                </a:solidFill>
+              </a:defRPr>
+            </a:lvl1pPr>
+            <a:lvl2pPr marL="457200" indent="0" algn="ctr">
               <a:buNone/>
               <a:defRPr>
                 <a:solidFill>
@@ -190,8 +546,8 @@
                   </a:schemeClr>
                 </a:solidFill>
               </a:defRPr>
-            </a:lvl1pPr>
-            <a:lvl2pPr marL="457200" indent="0" algn="ctr">
+            </a:lvl2pPr>
+            <a:lvl3pPr marL="914400" indent="0" algn="ctr">
               <a:buNone/>
               <a:defRPr>
                 <a:solidFill>
@@ -200,8 +556,8 @@
                   </a:schemeClr>
                 </a:solidFill>
               </a:defRPr>
-            </a:lvl2pPr>
-            <a:lvl3pPr marL="914400" indent="0" algn="ctr">
+            </a:lvl3pPr>
+            <a:lvl4pPr marL="1371600" indent="0" algn="ctr">
               <a:buNone/>
               <a:defRPr>
                 <a:solidFill>
@@ -210,8 +566,8 @@
                   </a:schemeClr>
                 </a:solidFill>
               </a:defRPr>
-            </a:lvl3pPr>
-            <a:lvl4pPr marL="1371600" indent="0" algn="ctr">
+            </a:lvl4pPr>
+            <a:lvl5pPr marL="1828800" indent="0" algn="ctr">
               <a:buNone/>
               <a:defRPr>
                 <a:solidFill>
@@ -220,8 +576,8 @@
                   </a:schemeClr>
                 </a:solidFill>
               </a:defRPr>
-            </a:lvl4pPr>
-            <a:lvl5pPr marL="1828800" indent="0" algn="ctr">
+            </a:lvl5pPr>
+            <a:lvl6pPr marL="2286000" indent="0" algn="ctr">
               <a:buNone/>
               <a:defRPr>
                 <a:solidFill>
@@ -230,8 +586,8 @@
                   </a:schemeClr>
                 </a:solidFill>
               </a:defRPr>
-            </a:lvl5pPr>
-            <a:lvl6pPr marL="2286000" indent="0" algn="ctr">
+            </a:lvl6pPr>
+            <a:lvl7pPr marL="2743200" indent="0" algn="ctr">
               <a:buNone/>
               <a:defRPr>
                 <a:solidFill>
@@ -240,8 +596,8 @@
                   </a:schemeClr>
                 </a:solidFill>
               </a:defRPr>
-            </a:lvl6pPr>
-            <a:lvl7pPr marL="2743200" indent="0" algn="ctr">
+            </a:lvl7pPr>
+            <a:lvl8pPr marL="3200400" indent="0" algn="ctr">
               <a:buNone/>
               <a:defRPr>
                 <a:solidFill>
@@ -250,8 +606,8 @@
                   </a:schemeClr>
                 </a:solidFill>
               </a:defRPr>
-            </a:lvl7pPr>
-            <a:lvl8pPr marL="3200400" indent="0" algn="ctr">
+            </a:lvl8pPr>
+            <a:lvl9pPr marL="3657600" indent="0" algn="ctr">
               <a:buNone/>
               <a:defRPr>
                 <a:solidFill>
@@ -260,24 +616,14 @@
                   </a:schemeClr>
                 </a:solidFill>
               </a:defRPr>
-            </a:lvl8pPr>
-            <a:lvl9pPr marL="3657600" indent="0" algn="ctr">
-              <a:buNone/>
-              <a:defRPr>
-                <a:solidFill>
-                  <a:schemeClr val="tx1">
-                    <a:tint val="75000"/>
-                  </a:schemeClr>
-                </a:solidFill>
-              </a:defRPr>
             </a:lvl9pPr>
           </a:lstStyle>
           <a:p>
             <a:r>
-              <a:rPr lang="en-US" smtClean="0"/>
+              <a:rPr lang="en-US"/>
               <a:t>Click to edit Master subtitle style</a:t>
             </a:r>
-            <a:endParaRPr lang="en-US"/>
+            <a:endParaRPr lang="en-US" dirty="0"/>
           </a:p>
         </p:txBody>
       </p:sp>
@@ -291,14 +637,19 @@
             <p:ph type="dt" sz="half" idx="10"/>
           </p:nvPr>
         </p:nvSpPr>
-        <p:spPr/>
+        <p:spPr>
+          <a:xfrm>
+            <a:off x="7325773" y="6117336"/>
+            <a:ext cx="857473" cy="365125"/>
+          </a:xfrm>
+        </p:spPr>
         <p:txBody>
           <a:bodyPr/>
           <a:lstStyle/>
           <a:p>
             <a:fld id="{5BCAD085-E8A6-8845-BD4E-CB4CCA059FC4}" type="datetimeFigureOut">
               <a:rPr lang="en-US" smtClean="0"/>
-              <a:t>1/27/13</a:t>
+              <a:t>6/13/2025</a:t>
             </a:fld>
             <a:endParaRPr lang="en-US"/>
           </a:p>
@@ -314,7 +665,12 @@
             <p:ph type="ftr" sz="quarter" idx="11"/>
           </p:nvPr>
         </p:nvSpPr>
-        <p:spPr/>
+        <p:spPr>
+          <a:xfrm>
+            <a:off x="3623733" y="6117336"/>
+            <a:ext cx="3609438" cy="365125"/>
+          </a:xfrm>
+        </p:spPr>
         <p:txBody>
           <a:bodyPr/>
           <a:lstStyle/>
@@ -333,7 +689,12 @@
             <p:ph type="sldNum" sz="quarter" idx="12"/>
           </p:nvPr>
         </p:nvSpPr>
-        <p:spPr/>
+        <p:spPr>
+          <a:xfrm>
+            <a:off x="8275320" y="6117336"/>
+            <a:ext cx="411480" cy="365125"/>
+          </a:xfrm>
+        </p:spPr>
         <p:txBody>
           <a:bodyPr/>
           <a:lstStyle/>
@@ -346,10 +707,120 @@
           </a:p>
         </p:txBody>
       </p:sp>
+      <p:sp>
+        <p:nvSpPr>
+          <p:cNvPr id="23" name="Freeform 12"/>
+          <p:cNvSpPr/>
+          <p:nvPr/>
+        </p:nvSpPr>
+        <p:spPr bwMode="auto">
+          <a:xfrm>
+            <a:off x="203200" y="3771900"/>
+            <a:ext cx="361950" cy="90488"/>
+          </a:xfrm>
+          <a:custGeom>
+            <a:avLst/>
+            <a:gdLst/>
+            <a:ahLst/>
+            <a:cxnLst/>
+            <a:rect l="0" t="0" r="r" b="b"/>
+            <a:pathLst>
+              <a:path w="228" h="57">
+                <a:moveTo>
+                  <a:pt x="228" y="57"/>
+                </a:moveTo>
+                <a:lnTo>
+                  <a:pt x="0" y="0"/>
+                </a:lnTo>
+                <a:lnTo>
+                  <a:pt x="222" y="54"/>
+                </a:lnTo>
+                <a:lnTo>
+                  <a:pt x="228" y="57"/>
+                </a:lnTo>
+                <a:close/>
+              </a:path>
+            </a:pathLst>
+          </a:custGeom>
+          <a:solidFill>
+            <a:srgbClr val="29ABE2"/>
+          </a:solidFill>
+          <a:ln>
+            <a:noFill/>
+          </a:ln>
+          <a:extLst>
+            <a:ext uri="{91240B29-F687-4f45-9708-019B960494DF}">
+              <a14:hiddenLine xmlns:a14="http://schemas.microsoft.com/office/drawing/2010/main" xmlns="" w="9525">
+                <a:solidFill>
+                  <a:srgbClr val="000000"/>
+                </a:solidFill>
+                <a:round/>
+                <a:headEnd/>
+                <a:tailEnd/>
+              </a14:hiddenLine>
+            </a:ext>
+          </a:extLst>
+        </p:spPr>
+      </p:sp>
+      <p:sp>
+        <p:nvSpPr>
+          <p:cNvPr id="24" name="Freeform 13"/>
+          <p:cNvSpPr/>
+          <p:nvPr/>
+        </p:nvSpPr>
+        <p:spPr bwMode="auto">
+          <a:xfrm>
+            <a:off x="560388" y="3867150"/>
+            <a:ext cx="61913" cy="80963"/>
+          </a:xfrm>
+          <a:custGeom>
+            <a:avLst/>
+            <a:gdLst/>
+            <a:ahLst/>
+            <a:cxnLst/>
+            <a:rect l="0" t="0" r="r" b="b"/>
+            <a:pathLst>
+              <a:path w="39" h="51">
+                <a:moveTo>
+                  <a:pt x="0" y="0"/>
+                </a:moveTo>
+                <a:lnTo>
+                  <a:pt x="39" y="51"/>
+                </a:lnTo>
+                <a:lnTo>
+                  <a:pt x="3" y="0"/>
+                </a:lnTo>
+                <a:lnTo>
+                  <a:pt x="0" y="0"/>
+                </a:lnTo>
+                <a:close/>
+              </a:path>
+            </a:pathLst>
+          </a:custGeom>
+          <a:solidFill>
+            <a:srgbClr val="29ABE2"/>
+          </a:solidFill>
+          <a:ln>
+            <a:noFill/>
+          </a:ln>
+          <a:extLst>
+            <a:ext uri="{91240B29-F687-4f45-9708-019B960494DF}">
+              <a14:hiddenLine xmlns:a14="http://schemas.microsoft.com/office/drawing/2010/main" xmlns="" w="9525">
+                <a:solidFill>
+                  <a:srgbClr val="000000"/>
+                </a:solidFill>
+                <a:round/>
+                <a:headEnd/>
+                <a:tailEnd/>
+              </a14:hiddenLine>
+            </a:ext>
+          </a:extLst>
+        </p:spPr>
+      </p:sp>
     </p:spTree>
     <p:extLst>
       <p:ext uri="{BB962C8B-B14F-4D97-AF65-F5344CB8AC3E}">
-        <p14:creationId xmlns:p14="http://schemas.microsoft.com/office/powerpoint/2010/main" val="3168075583"/>
+        <p14:creationId xmlns:p14="http://schemas.microsoft.com/office/powerpoint/2010/main" val="3172657937"/>
       </p:ext>
     </p:extLst>
   </p:cSld>
@@ -360,6 +831,2162 @@
 </file>
 
 <file path=ppt/slideLayouts/slideLayout10.xml><?xml version="1.0" encoding="utf-8"?>
+<p:sldLayout xmlns:a="http://schemas.openxmlformats.org/drawingml/2006/main" xmlns:r="http://schemas.openxmlformats.org/officeDocument/2006/relationships" xmlns:p="http://schemas.openxmlformats.org/presentationml/2006/main" preserve="1">
+  <p:cSld name="Panoramic Picture with Caption">
+    <p:spTree>
+      <p:nvGrpSpPr>
+        <p:cNvPr id="1" name=""/>
+        <p:cNvGrpSpPr/>
+        <p:nvPr/>
+      </p:nvGrpSpPr>
+      <p:grpSpPr>
+        <a:xfrm>
+          <a:off x="0" y="0"/>
+          <a:ext cx="0" cy="0"/>
+          <a:chOff x="0" y="0"/>
+          <a:chExt cx="0" cy="0"/>
+        </a:xfrm>
+      </p:grpSpPr>
+      <p:sp>
+        <p:nvSpPr>
+          <p:cNvPr id="2" name="Title 1"/>
+          <p:cNvSpPr>
+            <a:spLocks noGrp="1"/>
+          </p:cNvSpPr>
+          <p:nvPr>
+            <p:ph type="title"/>
+          </p:nvPr>
+        </p:nvSpPr>
+        <p:spPr>
+          <a:xfrm>
+            <a:off x="1113523" y="4732865"/>
+            <a:ext cx="7515991" cy="566738"/>
+          </a:xfrm>
+        </p:spPr>
+        <p:txBody>
+          <a:bodyPr anchor="b">
+            <a:normAutofit/>
+          </a:bodyPr>
+          <a:lstStyle>
+            <a:lvl1pPr algn="ctr">
+              <a:defRPr sz="2400" b="0"/>
+            </a:lvl1pPr>
+          </a:lstStyle>
+          <a:p>
+            <a:r>
+              <a:rPr lang="en-US"/>
+              <a:t>Click to edit Master title style</a:t>
+            </a:r>
+            <a:endParaRPr lang="en-US" dirty="0"/>
+          </a:p>
+        </p:txBody>
+      </p:sp>
+      <p:sp>
+        <p:nvSpPr>
+          <p:cNvPr id="3" name="Picture Placeholder 2"/>
+          <p:cNvSpPr>
+            <a:spLocks noGrp="1" noChangeAspect="1"/>
+          </p:cNvSpPr>
+          <p:nvPr>
+            <p:ph type="pic" idx="1"/>
+          </p:nvPr>
+        </p:nvSpPr>
+        <p:spPr>
+          <a:xfrm>
+            <a:off x="1789975" y="932112"/>
+            <a:ext cx="6171065" cy="3164976"/>
+          </a:xfrm>
+          <a:prstGeom prst="roundRect">
+            <a:avLst>
+              <a:gd name="adj" fmla="val 4380"/>
+            </a:avLst>
+          </a:prstGeom>
+          <a:ln w="38100">
+            <a:gradFill flip="none" rotWithShape="1">
+              <a:gsLst>
+                <a:gs pos="0">
+                  <a:schemeClr val="bg2"/>
+                </a:gs>
+                <a:gs pos="100000">
+                  <a:schemeClr val="bg2">
+                    <a:lumMod val="75000"/>
+                  </a:schemeClr>
+                </a:gs>
+              </a:gsLst>
+              <a:lin ang="5400000" scaled="0"/>
+              <a:tileRect/>
+            </a:gradFill>
+          </a:ln>
+          <a:effectLst>
+            <a:innerShdw blurRad="57150" dist="38100" dir="14460000">
+              <a:srgbClr val="000000">
+                <a:alpha val="70000"/>
+              </a:srgbClr>
+            </a:innerShdw>
+          </a:effectLst>
+        </p:spPr>
+        <p:txBody>
+          <a:bodyPr anchor="t">
+            <a:normAutofit/>
+          </a:bodyPr>
+          <a:lstStyle>
+            <a:lvl1pPr marL="0" indent="0" algn="ctr">
+              <a:buNone/>
+              <a:defRPr sz="1600"/>
+            </a:lvl1pPr>
+            <a:lvl2pPr marL="457200" indent="0">
+              <a:buNone/>
+              <a:defRPr sz="1600"/>
+            </a:lvl2pPr>
+            <a:lvl3pPr marL="914400" indent="0">
+              <a:buNone/>
+              <a:defRPr sz="1600"/>
+            </a:lvl3pPr>
+            <a:lvl4pPr marL="1371600" indent="0">
+              <a:buNone/>
+              <a:defRPr sz="1600"/>
+            </a:lvl4pPr>
+            <a:lvl5pPr marL="1828800" indent="0">
+              <a:buNone/>
+              <a:defRPr sz="1600"/>
+            </a:lvl5pPr>
+            <a:lvl6pPr marL="2286000" indent="0">
+              <a:buNone/>
+              <a:defRPr sz="1600"/>
+            </a:lvl6pPr>
+            <a:lvl7pPr marL="2743200" indent="0">
+              <a:buNone/>
+              <a:defRPr sz="1600"/>
+            </a:lvl7pPr>
+            <a:lvl8pPr marL="3200400" indent="0">
+              <a:buNone/>
+              <a:defRPr sz="1600"/>
+            </a:lvl8pPr>
+            <a:lvl9pPr marL="3657600" indent="0">
+              <a:buNone/>
+              <a:defRPr sz="1600"/>
+            </a:lvl9pPr>
+          </a:lstStyle>
+          <a:p>
+            <a:r>
+              <a:rPr lang="en-US"/>
+              <a:t>Click icon to add picture</a:t>
+            </a:r>
+            <a:endParaRPr lang="en-US" dirty="0"/>
+          </a:p>
+        </p:txBody>
+      </p:sp>
+      <p:sp>
+        <p:nvSpPr>
+          <p:cNvPr id="4" name="Text Placeholder 3"/>
+          <p:cNvSpPr>
+            <a:spLocks noGrp="1"/>
+          </p:cNvSpPr>
+          <p:nvPr>
+            <p:ph type="body" sz="half" idx="2"/>
+          </p:nvPr>
+        </p:nvSpPr>
+        <p:spPr>
+          <a:xfrm>
+            <a:off x="1113523" y="5299603"/>
+            <a:ext cx="7515991" cy="493712"/>
+          </a:xfrm>
+        </p:spPr>
+        <p:txBody>
+          <a:bodyPr>
+            <a:normAutofit/>
+          </a:bodyPr>
+          <a:lstStyle>
+            <a:lvl1pPr marL="0" indent="0" algn="ctr">
+              <a:buNone/>
+              <a:defRPr sz="1400"/>
+            </a:lvl1pPr>
+            <a:lvl2pPr marL="457200" indent="0">
+              <a:buNone/>
+              <a:defRPr sz="1200"/>
+            </a:lvl2pPr>
+            <a:lvl3pPr marL="914400" indent="0">
+              <a:buNone/>
+              <a:defRPr sz="1000"/>
+            </a:lvl3pPr>
+            <a:lvl4pPr marL="1371600" indent="0">
+              <a:buNone/>
+              <a:defRPr sz="900"/>
+            </a:lvl4pPr>
+            <a:lvl5pPr marL="1828800" indent="0">
+              <a:buNone/>
+              <a:defRPr sz="900"/>
+            </a:lvl5pPr>
+            <a:lvl6pPr marL="2286000" indent="0">
+              <a:buNone/>
+              <a:defRPr sz="900"/>
+            </a:lvl6pPr>
+            <a:lvl7pPr marL="2743200" indent="0">
+              <a:buNone/>
+              <a:defRPr sz="900"/>
+            </a:lvl7pPr>
+            <a:lvl8pPr marL="3200400" indent="0">
+              <a:buNone/>
+              <a:defRPr sz="900"/>
+            </a:lvl8pPr>
+            <a:lvl9pPr marL="3657600" indent="0">
+              <a:buNone/>
+              <a:defRPr sz="900"/>
+            </a:lvl9pPr>
+          </a:lstStyle>
+          <a:p>
+            <a:pPr lvl="0"/>
+            <a:r>
+              <a:rPr lang="en-US"/>
+              <a:t>Click to edit Master text styles</a:t>
+            </a:r>
+          </a:p>
+        </p:txBody>
+      </p:sp>
+      <p:sp>
+        <p:nvSpPr>
+          <p:cNvPr id="5" name="Date Placeholder 4"/>
+          <p:cNvSpPr>
+            <a:spLocks noGrp="1"/>
+          </p:cNvSpPr>
+          <p:nvPr>
+            <p:ph type="dt" sz="half" idx="10"/>
+          </p:nvPr>
+        </p:nvSpPr>
+        <p:spPr/>
+        <p:txBody>
+          <a:bodyPr/>
+          <a:lstStyle/>
+          <a:p>
+            <a:fld id="{5BCAD085-E8A6-8845-BD4E-CB4CCA059FC4}" type="datetimeFigureOut">
+              <a:rPr lang="en-US" smtClean="0"/>
+              <a:t>6/13/2025</a:t>
+            </a:fld>
+            <a:endParaRPr lang="en-US"/>
+          </a:p>
+        </p:txBody>
+      </p:sp>
+      <p:sp>
+        <p:nvSpPr>
+          <p:cNvPr id="6" name="Footer Placeholder 5"/>
+          <p:cNvSpPr>
+            <a:spLocks noGrp="1"/>
+          </p:cNvSpPr>
+          <p:nvPr>
+            <p:ph type="ftr" sz="quarter" idx="11"/>
+          </p:nvPr>
+        </p:nvSpPr>
+        <p:spPr/>
+        <p:txBody>
+          <a:bodyPr/>
+          <a:lstStyle/>
+          <a:p>
+            <a:endParaRPr lang="en-US"/>
+          </a:p>
+        </p:txBody>
+      </p:sp>
+      <p:sp>
+        <p:nvSpPr>
+          <p:cNvPr id="7" name="Slide Number Placeholder 6"/>
+          <p:cNvSpPr>
+            <a:spLocks noGrp="1"/>
+          </p:cNvSpPr>
+          <p:nvPr>
+            <p:ph type="sldNum" sz="quarter" idx="12"/>
+          </p:nvPr>
+        </p:nvSpPr>
+        <p:spPr/>
+        <p:txBody>
+          <a:bodyPr/>
+          <a:lstStyle/>
+          <a:p>
+            <a:fld id="{C1FF6DA9-008F-8B48-92A6-B652298478BF}" type="slidenum">
+              <a:rPr lang="en-US" smtClean="0"/>
+              <a:t>‹#›</a:t>
+            </a:fld>
+            <a:endParaRPr lang="en-US"/>
+          </a:p>
+        </p:txBody>
+      </p:sp>
+    </p:spTree>
+    <p:extLst>
+      <p:ext uri="{BB962C8B-B14F-4D97-AF65-F5344CB8AC3E}">
+        <p14:creationId xmlns:p14="http://schemas.microsoft.com/office/powerpoint/2010/main" val="1166456634"/>
+      </p:ext>
+    </p:extLst>
+  </p:cSld>
+  <p:clrMapOvr>
+    <a:masterClrMapping/>
+  </p:clrMapOvr>
+</p:sldLayout>
+</file>
+
+<file path=ppt/slideLayouts/slideLayout11.xml><?xml version="1.0" encoding="utf-8"?>
+<p:sldLayout xmlns:a="http://schemas.openxmlformats.org/drawingml/2006/main" xmlns:r="http://schemas.openxmlformats.org/officeDocument/2006/relationships" xmlns:p="http://schemas.openxmlformats.org/presentationml/2006/main" preserve="1">
+  <p:cSld name="Title and Caption">
+    <p:spTree>
+      <p:nvGrpSpPr>
+        <p:cNvPr id="1" name=""/>
+        <p:cNvGrpSpPr/>
+        <p:nvPr/>
+      </p:nvGrpSpPr>
+      <p:grpSpPr>
+        <a:xfrm>
+          <a:off x="0" y="0"/>
+          <a:ext cx="0" cy="0"/>
+          <a:chOff x="0" y="0"/>
+          <a:chExt cx="0" cy="0"/>
+        </a:xfrm>
+      </p:grpSpPr>
+      <p:sp>
+        <p:nvSpPr>
+          <p:cNvPr id="2" name="Title 1"/>
+          <p:cNvSpPr>
+            <a:spLocks noGrp="1"/>
+          </p:cNvSpPr>
+          <p:nvPr>
+            <p:ph type="title"/>
+          </p:nvPr>
+        </p:nvSpPr>
+        <p:spPr>
+          <a:xfrm>
+            <a:off x="1113524" y="685800"/>
+            <a:ext cx="7515991" cy="3048000"/>
+          </a:xfrm>
+        </p:spPr>
+        <p:txBody>
+          <a:bodyPr anchor="ctr">
+            <a:normAutofit/>
+          </a:bodyPr>
+          <a:lstStyle>
+            <a:lvl1pPr algn="ctr">
+              <a:defRPr sz="3200" b="0" cap="none"/>
+            </a:lvl1pPr>
+          </a:lstStyle>
+          <a:p>
+            <a:r>
+              <a:rPr lang="en-US"/>
+              <a:t>Click to edit Master title style</a:t>
+            </a:r>
+            <a:endParaRPr lang="en-US" dirty="0"/>
+          </a:p>
+        </p:txBody>
+      </p:sp>
+      <p:sp>
+        <p:nvSpPr>
+          <p:cNvPr id="3" name="Text Placeholder 2"/>
+          <p:cNvSpPr>
+            <a:spLocks noGrp="1"/>
+          </p:cNvSpPr>
+          <p:nvPr>
+            <p:ph type="body" idx="1"/>
+          </p:nvPr>
+        </p:nvSpPr>
+        <p:spPr>
+          <a:xfrm>
+            <a:off x="1113524" y="4343400"/>
+            <a:ext cx="7515992" cy="1447800"/>
+          </a:xfrm>
+        </p:spPr>
+        <p:txBody>
+          <a:bodyPr anchor="ctr">
+            <a:normAutofit/>
+          </a:bodyPr>
+          <a:lstStyle>
+            <a:lvl1pPr marL="0" indent="0" algn="ctr">
+              <a:buNone/>
+              <a:defRPr sz="2000">
+                <a:solidFill>
+                  <a:schemeClr val="tx1"/>
+                </a:solidFill>
+              </a:defRPr>
+            </a:lvl1pPr>
+            <a:lvl2pPr marL="457200" indent="0">
+              <a:buNone/>
+              <a:defRPr sz="1800">
+                <a:solidFill>
+                  <a:schemeClr val="tx1">
+                    <a:tint val="75000"/>
+                  </a:schemeClr>
+                </a:solidFill>
+              </a:defRPr>
+            </a:lvl2pPr>
+            <a:lvl3pPr marL="914400" indent="0">
+              <a:buNone/>
+              <a:defRPr sz="1600">
+                <a:solidFill>
+                  <a:schemeClr val="tx1">
+                    <a:tint val="75000"/>
+                  </a:schemeClr>
+                </a:solidFill>
+              </a:defRPr>
+            </a:lvl3pPr>
+            <a:lvl4pPr marL="1371600" indent="0">
+              <a:buNone/>
+              <a:defRPr sz="1400">
+                <a:solidFill>
+                  <a:schemeClr val="tx1">
+                    <a:tint val="75000"/>
+                  </a:schemeClr>
+                </a:solidFill>
+              </a:defRPr>
+            </a:lvl4pPr>
+            <a:lvl5pPr marL="1828800" indent="0">
+              <a:buNone/>
+              <a:defRPr sz="1400">
+                <a:solidFill>
+                  <a:schemeClr val="tx1">
+                    <a:tint val="75000"/>
+                  </a:schemeClr>
+                </a:solidFill>
+              </a:defRPr>
+            </a:lvl5pPr>
+            <a:lvl6pPr marL="2286000" indent="0">
+              <a:buNone/>
+              <a:defRPr sz="1400">
+                <a:solidFill>
+                  <a:schemeClr val="tx1">
+                    <a:tint val="75000"/>
+                  </a:schemeClr>
+                </a:solidFill>
+              </a:defRPr>
+            </a:lvl6pPr>
+            <a:lvl7pPr marL="2743200" indent="0">
+              <a:buNone/>
+              <a:defRPr sz="1400">
+                <a:solidFill>
+                  <a:schemeClr val="tx1">
+                    <a:tint val="75000"/>
+                  </a:schemeClr>
+                </a:solidFill>
+              </a:defRPr>
+            </a:lvl7pPr>
+            <a:lvl8pPr marL="3200400" indent="0">
+              <a:buNone/>
+              <a:defRPr sz="1400">
+                <a:solidFill>
+                  <a:schemeClr val="tx1">
+                    <a:tint val="75000"/>
+                  </a:schemeClr>
+                </a:solidFill>
+              </a:defRPr>
+            </a:lvl8pPr>
+            <a:lvl9pPr marL="3657600" indent="0">
+              <a:buNone/>
+              <a:defRPr sz="1400">
+                <a:solidFill>
+                  <a:schemeClr val="tx1">
+                    <a:tint val="75000"/>
+                  </a:schemeClr>
+                </a:solidFill>
+              </a:defRPr>
+            </a:lvl9pPr>
+          </a:lstStyle>
+          <a:p>
+            <a:pPr lvl="0"/>
+            <a:r>
+              <a:rPr lang="en-US"/>
+              <a:t>Click to edit Master text styles</a:t>
+            </a:r>
+          </a:p>
+        </p:txBody>
+      </p:sp>
+      <p:sp>
+        <p:nvSpPr>
+          <p:cNvPr id="4" name="Date Placeholder 3"/>
+          <p:cNvSpPr>
+            <a:spLocks noGrp="1"/>
+          </p:cNvSpPr>
+          <p:nvPr>
+            <p:ph type="dt" sz="half" idx="10"/>
+          </p:nvPr>
+        </p:nvSpPr>
+        <p:spPr/>
+        <p:txBody>
+          <a:bodyPr/>
+          <a:lstStyle/>
+          <a:p>
+            <a:fld id="{5BCAD085-E8A6-8845-BD4E-CB4CCA059FC4}" type="datetimeFigureOut">
+              <a:rPr lang="en-US" smtClean="0"/>
+              <a:t>6/13/2025</a:t>
+            </a:fld>
+            <a:endParaRPr lang="en-US"/>
+          </a:p>
+        </p:txBody>
+      </p:sp>
+      <p:sp>
+        <p:nvSpPr>
+          <p:cNvPr id="5" name="Footer Placeholder 4"/>
+          <p:cNvSpPr>
+            <a:spLocks noGrp="1"/>
+          </p:cNvSpPr>
+          <p:nvPr>
+            <p:ph type="ftr" sz="quarter" idx="11"/>
+          </p:nvPr>
+        </p:nvSpPr>
+        <p:spPr/>
+        <p:txBody>
+          <a:bodyPr/>
+          <a:lstStyle/>
+          <a:p>
+            <a:endParaRPr lang="en-US"/>
+          </a:p>
+        </p:txBody>
+      </p:sp>
+      <p:sp>
+        <p:nvSpPr>
+          <p:cNvPr id="6" name="Slide Number Placeholder 5"/>
+          <p:cNvSpPr>
+            <a:spLocks noGrp="1"/>
+          </p:cNvSpPr>
+          <p:nvPr>
+            <p:ph type="sldNum" sz="quarter" idx="12"/>
+          </p:nvPr>
+        </p:nvSpPr>
+        <p:spPr/>
+        <p:txBody>
+          <a:bodyPr/>
+          <a:lstStyle/>
+          <a:p>
+            <a:fld id="{C1FF6DA9-008F-8B48-92A6-B652298478BF}" type="slidenum">
+              <a:rPr lang="en-US" smtClean="0"/>
+              <a:t>‹#›</a:t>
+            </a:fld>
+            <a:endParaRPr lang="en-US"/>
+          </a:p>
+        </p:txBody>
+      </p:sp>
+    </p:spTree>
+    <p:extLst>
+      <p:ext uri="{BB962C8B-B14F-4D97-AF65-F5344CB8AC3E}">
+        <p14:creationId xmlns:p14="http://schemas.microsoft.com/office/powerpoint/2010/main" val="939185928"/>
+      </p:ext>
+    </p:extLst>
+  </p:cSld>
+  <p:clrMapOvr>
+    <a:masterClrMapping/>
+  </p:clrMapOvr>
+</p:sldLayout>
+</file>
+
+<file path=ppt/slideLayouts/slideLayout12.xml><?xml version="1.0" encoding="utf-8"?>
+<p:sldLayout xmlns:a="http://schemas.openxmlformats.org/drawingml/2006/main" xmlns:r="http://schemas.openxmlformats.org/officeDocument/2006/relationships" xmlns:p="http://schemas.openxmlformats.org/presentationml/2006/main" preserve="1">
+  <p:cSld name="Quote with Caption">
+    <p:spTree>
+      <p:nvGrpSpPr>
+        <p:cNvPr id="1" name=""/>
+        <p:cNvGrpSpPr/>
+        <p:nvPr/>
+      </p:nvGrpSpPr>
+      <p:grpSpPr>
+        <a:xfrm>
+          <a:off x="0" y="0"/>
+          <a:ext cx="0" cy="0"/>
+          <a:chOff x="0" y="0"/>
+          <a:chExt cx="0" cy="0"/>
+        </a:xfrm>
+      </p:grpSpPr>
+      <p:sp>
+        <p:nvSpPr>
+          <p:cNvPr id="14" name="TextBox 13"/>
+          <p:cNvSpPr txBox="1"/>
+          <p:nvPr/>
+        </p:nvSpPr>
+        <p:spPr>
+          <a:xfrm>
+            <a:off x="969421" y="863023"/>
+            <a:ext cx="457319" cy="584776"/>
+          </a:xfrm>
+          <a:prstGeom prst="rect">
+            <a:avLst/>
+          </a:prstGeom>
+        </p:spPr>
+        <p:txBody>
+          <a:bodyPr vert="horz" lIns="91440" tIns="45720" rIns="91440" bIns="45720" rtlCol="0" anchor="ctr">
+            <a:noAutofit/>
+          </a:bodyPr>
+          <a:lstStyle>
+            <a:lvl1pPr>
+              <a:spcBef>
+                <a:spcPct val="0"/>
+              </a:spcBef>
+              <a:buNone/>
+              <a:defRPr sz="3200" b="0" cap="all">
+                <a:ln w="3175" cmpd="sng">
+                  <a:noFill/>
+                </a:ln>
+                <a:effectLst>
+                  <a:glow rad="38100">
+                    <a:schemeClr val="bg1">
+                      <a:lumMod val="65000"/>
+                      <a:lumOff val="35000"/>
+                      <a:alpha val="40000"/>
+                    </a:schemeClr>
+                  </a:glow>
+                  <a:outerShdw blurRad="28575" dist="38100" dir="14040000" algn="tl" rotWithShape="0">
+                    <a:srgbClr val="000000">
+                      <a:alpha val="25000"/>
+                    </a:srgbClr>
+                  </a:outerShdw>
+                </a:effectLst>
+              </a:defRPr>
+            </a:lvl1pPr>
+            <a:lvl2pPr>
+              <a:defRPr>
+                <a:solidFill>
+                  <a:schemeClr val="tx2"/>
+                </a:solidFill>
+              </a:defRPr>
+            </a:lvl2pPr>
+            <a:lvl3pPr>
+              <a:defRPr>
+                <a:solidFill>
+                  <a:schemeClr val="tx2"/>
+                </a:solidFill>
+              </a:defRPr>
+            </a:lvl3pPr>
+            <a:lvl4pPr>
+              <a:defRPr>
+                <a:solidFill>
+                  <a:schemeClr val="tx2"/>
+                </a:solidFill>
+              </a:defRPr>
+            </a:lvl4pPr>
+            <a:lvl5pPr>
+              <a:defRPr>
+                <a:solidFill>
+                  <a:schemeClr val="tx2"/>
+                </a:solidFill>
+              </a:defRPr>
+            </a:lvl5pPr>
+            <a:lvl6pPr>
+              <a:defRPr>
+                <a:solidFill>
+                  <a:schemeClr val="tx2"/>
+                </a:solidFill>
+              </a:defRPr>
+            </a:lvl6pPr>
+            <a:lvl7pPr>
+              <a:defRPr>
+                <a:solidFill>
+                  <a:schemeClr val="tx2"/>
+                </a:solidFill>
+              </a:defRPr>
+            </a:lvl7pPr>
+            <a:lvl8pPr>
+              <a:defRPr>
+                <a:solidFill>
+                  <a:schemeClr val="tx2"/>
+                </a:solidFill>
+              </a:defRPr>
+            </a:lvl8pPr>
+            <a:lvl9pPr>
+              <a:defRPr>
+                <a:solidFill>
+                  <a:schemeClr val="tx2"/>
+                </a:solidFill>
+              </a:defRPr>
+            </a:lvl9pPr>
+          </a:lstStyle>
+          <a:p>
+            <a:pPr lvl="0"/>
+            <a:r>
+              <a:rPr lang="en-US" sz="8000" dirty="0">
+                <a:solidFill>
+                  <a:schemeClr val="tx1"/>
+                </a:solidFill>
+                <a:effectLst/>
+              </a:rPr>
+              <a:t>“</a:t>
+            </a:r>
+          </a:p>
+        </p:txBody>
+      </p:sp>
+      <p:sp>
+        <p:nvSpPr>
+          <p:cNvPr id="15" name="TextBox 14"/>
+          <p:cNvSpPr txBox="1"/>
+          <p:nvPr/>
+        </p:nvSpPr>
+        <p:spPr>
+          <a:xfrm>
+            <a:off x="8172197" y="2819399"/>
+            <a:ext cx="457319" cy="584776"/>
+          </a:xfrm>
+          <a:prstGeom prst="rect">
+            <a:avLst/>
+          </a:prstGeom>
+        </p:spPr>
+        <p:txBody>
+          <a:bodyPr vert="horz" lIns="91440" tIns="45720" rIns="91440" bIns="45720" rtlCol="0" anchor="ctr">
+            <a:noAutofit/>
+          </a:bodyPr>
+          <a:lstStyle>
+            <a:lvl1pPr>
+              <a:spcBef>
+                <a:spcPct val="0"/>
+              </a:spcBef>
+              <a:buNone/>
+              <a:defRPr sz="3200" b="0" cap="all">
+                <a:ln w="3175" cmpd="sng">
+                  <a:noFill/>
+                </a:ln>
+                <a:effectLst>
+                  <a:glow rad="38100">
+                    <a:schemeClr val="bg1">
+                      <a:lumMod val="65000"/>
+                      <a:lumOff val="35000"/>
+                      <a:alpha val="40000"/>
+                    </a:schemeClr>
+                  </a:glow>
+                  <a:outerShdw blurRad="28575" dist="38100" dir="14040000" algn="tl" rotWithShape="0">
+                    <a:srgbClr val="000000">
+                      <a:alpha val="25000"/>
+                    </a:srgbClr>
+                  </a:outerShdw>
+                </a:effectLst>
+              </a:defRPr>
+            </a:lvl1pPr>
+            <a:lvl2pPr>
+              <a:defRPr>
+                <a:solidFill>
+                  <a:schemeClr val="tx2"/>
+                </a:solidFill>
+              </a:defRPr>
+            </a:lvl2pPr>
+            <a:lvl3pPr>
+              <a:defRPr>
+                <a:solidFill>
+                  <a:schemeClr val="tx2"/>
+                </a:solidFill>
+              </a:defRPr>
+            </a:lvl3pPr>
+            <a:lvl4pPr>
+              <a:defRPr>
+                <a:solidFill>
+                  <a:schemeClr val="tx2"/>
+                </a:solidFill>
+              </a:defRPr>
+            </a:lvl4pPr>
+            <a:lvl5pPr>
+              <a:defRPr>
+                <a:solidFill>
+                  <a:schemeClr val="tx2"/>
+                </a:solidFill>
+              </a:defRPr>
+            </a:lvl5pPr>
+            <a:lvl6pPr>
+              <a:defRPr>
+                <a:solidFill>
+                  <a:schemeClr val="tx2"/>
+                </a:solidFill>
+              </a:defRPr>
+            </a:lvl6pPr>
+            <a:lvl7pPr>
+              <a:defRPr>
+                <a:solidFill>
+                  <a:schemeClr val="tx2"/>
+                </a:solidFill>
+              </a:defRPr>
+            </a:lvl7pPr>
+            <a:lvl8pPr>
+              <a:defRPr>
+                <a:solidFill>
+                  <a:schemeClr val="tx2"/>
+                </a:solidFill>
+              </a:defRPr>
+            </a:lvl8pPr>
+            <a:lvl9pPr>
+              <a:defRPr>
+                <a:solidFill>
+                  <a:schemeClr val="tx2"/>
+                </a:solidFill>
+              </a:defRPr>
+            </a:lvl9pPr>
+          </a:lstStyle>
+          <a:p>
+            <a:pPr lvl="0" algn="r"/>
+            <a:r>
+              <a:rPr lang="en-US" sz="8000" dirty="0">
+                <a:solidFill>
+                  <a:schemeClr val="tx1"/>
+                </a:solidFill>
+                <a:effectLst/>
+              </a:rPr>
+              <a:t>”</a:t>
+            </a:r>
+          </a:p>
+        </p:txBody>
+      </p:sp>
+      <p:sp>
+        <p:nvSpPr>
+          <p:cNvPr id="2" name="Title 1"/>
+          <p:cNvSpPr>
+            <a:spLocks noGrp="1"/>
+          </p:cNvSpPr>
+          <p:nvPr>
+            <p:ph type="title"/>
+          </p:nvPr>
+        </p:nvSpPr>
+        <p:spPr>
+          <a:xfrm>
+            <a:off x="1426741" y="685801"/>
+            <a:ext cx="6974115" cy="2743199"/>
+          </a:xfrm>
+        </p:spPr>
+        <p:txBody>
+          <a:bodyPr anchor="ctr">
+            <a:normAutofit/>
+          </a:bodyPr>
+          <a:lstStyle>
+            <a:lvl1pPr algn="ctr">
+              <a:defRPr sz="3200" b="0" cap="none">
+                <a:solidFill>
+                  <a:schemeClr val="tx1"/>
+                </a:solidFill>
+              </a:defRPr>
+            </a:lvl1pPr>
+          </a:lstStyle>
+          <a:p>
+            <a:r>
+              <a:rPr lang="en-US"/>
+              <a:t>Click to edit Master title style</a:t>
+            </a:r>
+            <a:endParaRPr lang="en-US" dirty="0"/>
+          </a:p>
+        </p:txBody>
+      </p:sp>
+      <p:sp>
+        <p:nvSpPr>
+          <p:cNvPr id="10" name="Text Placeholder 9"/>
+          <p:cNvSpPr>
+            <a:spLocks noGrp="1"/>
+          </p:cNvSpPr>
+          <p:nvPr>
+            <p:ph type="body" sz="quarter" idx="13"/>
+          </p:nvPr>
+        </p:nvSpPr>
+        <p:spPr>
+          <a:xfrm>
+            <a:off x="1598235" y="3428999"/>
+            <a:ext cx="6631128" cy="381000"/>
+          </a:xfrm>
+        </p:spPr>
+        <p:txBody>
+          <a:bodyPr anchor="ctr">
+            <a:normAutofit/>
+          </a:bodyPr>
+          <a:lstStyle>
+            <a:lvl1pPr marL="0" indent="0">
+              <a:buFontTx/>
+              <a:buNone/>
+              <a:defRPr sz="1800"/>
+            </a:lvl1pPr>
+            <a:lvl2pPr marL="457200" indent="0">
+              <a:buFontTx/>
+              <a:buNone/>
+              <a:defRPr/>
+            </a:lvl2pPr>
+            <a:lvl3pPr marL="914400" indent="0">
+              <a:buFontTx/>
+              <a:buNone/>
+              <a:defRPr/>
+            </a:lvl3pPr>
+            <a:lvl4pPr marL="1371600" indent="0">
+              <a:buFontTx/>
+              <a:buNone/>
+              <a:defRPr/>
+            </a:lvl4pPr>
+            <a:lvl5pPr marL="1828800" indent="0">
+              <a:buFontTx/>
+              <a:buNone/>
+              <a:defRPr/>
+            </a:lvl5pPr>
+          </a:lstStyle>
+          <a:p>
+            <a:pPr lvl="0"/>
+            <a:r>
+              <a:rPr lang="en-US"/>
+              <a:t>Click to edit Master text styles</a:t>
+            </a:r>
+          </a:p>
+        </p:txBody>
+      </p:sp>
+      <p:sp>
+        <p:nvSpPr>
+          <p:cNvPr id="3" name="Text Placeholder 2"/>
+          <p:cNvSpPr>
+            <a:spLocks noGrp="1"/>
+          </p:cNvSpPr>
+          <p:nvPr>
+            <p:ph type="body" idx="1"/>
+          </p:nvPr>
+        </p:nvSpPr>
+        <p:spPr>
+          <a:xfrm>
+            <a:off x="1113523" y="4343400"/>
+            <a:ext cx="7515991" cy="1447800"/>
+          </a:xfrm>
+        </p:spPr>
+        <p:txBody>
+          <a:bodyPr anchor="ctr">
+            <a:normAutofit/>
+          </a:bodyPr>
+          <a:lstStyle>
+            <a:lvl1pPr marL="0" indent="0" algn="ctr">
+              <a:buNone/>
+              <a:defRPr sz="2000">
+                <a:solidFill>
+                  <a:schemeClr val="tx1"/>
+                </a:solidFill>
+              </a:defRPr>
+            </a:lvl1pPr>
+            <a:lvl2pPr marL="457200" indent="0">
+              <a:buNone/>
+              <a:defRPr sz="1800">
+                <a:solidFill>
+                  <a:schemeClr val="tx1">
+                    <a:tint val="75000"/>
+                  </a:schemeClr>
+                </a:solidFill>
+              </a:defRPr>
+            </a:lvl2pPr>
+            <a:lvl3pPr marL="914400" indent="0">
+              <a:buNone/>
+              <a:defRPr sz="1600">
+                <a:solidFill>
+                  <a:schemeClr val="tx1">
+                    <a:tint val="75000"/>
+                  </a:schemeClr>
+                </a:solidFill>
+              </a:defRPr>
+            </a:lvl3pPr>
+            <a:lvl4pPr marL="1371600" indent="0">
+              <a:buNone/>
+              <a:defRPr sz="1400">
+                <a:solidFill>
+                  <a:schemeClr val="tx1">
+                    <a:tint val="75000"/>
+                  </a:schemeClr>
+                </a:solidFill>
+              </a:defRPr>
+            </a:lvl4pPr>
+            <a:lvl5pPr marL="1828800" indent="0">
+              <a:buNone/>
+              <a:defRPr sz="1400">
+                <a:solidFill>
+                  <a:schemeClr val="tx1">
+                    <a:tint val="75000"/>
+                  </a:schemeClr>
+                </a:solidFill>
+              </a:defRPr>
+            </a:lvl5pPr>
+            <a:lvl6pPr marL="2286000" indent="0">
+              <a:buNone/>
+              <a:defRPr sz="1400">
+                <a:solidFill>
+                  <a:schemeClr val="tx1">
+                    <a:tint val="75000"/>
+                  </a:schemeClr>
+                </a:solidFill>
+              </a:defRPr>
+            </a:lvl6pPr>
+            <a:lvl7pPr marL="2743200" indent="0">
+              <a:buNone/>
+              <a:defRPr sz="1400">
+                <a:solidFill>
+                  <a:schemeClr val="tx1">
+                    <a:tint val="75000"/>
+                  </a:schemeClr>
+                </a:solidFill>
+              </a:defRPr>
+            </a:lvl7pPr>
+            <a:lvl8pPr marL="3200400" indent="0">
+              <a:buNone/>
+              <a:defRPr sz="1400">
+                <a:solidFill>
+                  <a:schemeClr val="tx1">
+                    <a:tint val="75000"/>
+                  </a:schemeClr>
+                </a:solidFill>
+              </a:defRPr>
+            </a:lvl8pPr>
+            <a:lvl9pPr marL="3657600" indent="0">
+              <a:buNone/>
+              <a:defRPr sz="1400">
+                <a:solidFill>
+                  <a:schemeClr val="tx1">
+                    <a:tint val="75000"/>
+                  </a:schemeClr>
+                </a:solidFill>
+              </a:defRPr>
+            </a:lvl9pPr>
+          </a:lstStyle>
+          <a:p>
+            <a:pPr lvl="0"/>
+            <a:r>
+              <a:rPr lang="en-US"/>
+              <a:t>Click to edit Master text styles</a:t>
+            </a:r>
+          </a:p>
+        </p:txBody>
+      </p:sp>
+      <p:sp>
+        <p:nvSpPr>
+          <p:cNvPr id="4" name="Date Placeholder 3"/>
+          <p:cNvSpPr>
+            <a:spLocks noGrp="1"/>
+          </p:cNvSpPr>
+          <p:nvPr>
+            <p:ph type="dt" sz="half" idx="10"/>
+          </p:nvPr>
+        </p:nvSpPr>
+        <p:spPr/>
+        <p:txBody>
+          <a:bodyPr/>
+          <a:lstStyle/>
+          <a:p>
+            <a:fld id="{5BCAD085-E8A6-8845-BD4E-CB4CCA059FC4}" type="datetimeFigureOut">
+              <a:rPr lang="en-US" smtClean="0"/>
+              <a:t>6/13/2025</a:t>
+            </a:fld>
+            <a:endParaRPr lang="en-US"/>
+          </a:p>
+        </p:txBody>
+      </p:sp>
+      <p:sp>
+        <p:nvSpPr>
+          <p:cNvPr id="5" name="Footer Placeholder 4"/>
+          <p:cNvSpPr>
+            <a:spLocks noGrp="1"/>
+          </p:cNvSpPr>
+          <p:nvPr>
+            <p:ph type="ftr" sz="quarter" idx="11"/>
+          </p:nvPr>
+        </p:nvSpPr>
+        <p:spPr/>
+        <p:txBody>
+          <a:bodyPr/>
+          <a:lstStyle/>
+          <a:p>
+            <a:endParaRPr lang="en-US"/>
+          </a:p>
+        </p:txBody>
+      </p:sp>
+      <p:sp>
+        <p:nvSpPr>
+          <p:cNvPr id="6" name="Slide Number Placeholder 5"/>
+          <p:cNvSpPr>
+            <a:spLocks noGrp="1"/>
+          </p:cNvSpPr>
+          <p:nvPr>
+            <p:ph type="sldNum" sz="quarter" idx="12"/>
+          </p:nvPr>
+        </p:nvSpPr>
+        <p:spPr/>
+        <p:txBody>
+          <a:bodyPr/>
+          <a:lstStyle/>
+          <a:p>
+            <a:fld id="{C1FF6DA9-008F-8B48-92A6-B652298478BF}" type="slidenum">
+              <a:rPr lang="en-US" smtClean="0"/>
+              <a:t>‹#›</a:t>
+            </a:fld>
+            <a:endParaRPr lang="en-US"/>
+          </a:p>
+        </p:txBody>
+      </p:sp>
+    </p:spTree>
+    <p:extLst>
+      <p:ext uri="{BB962C8B-B14F-4D97-AF65-F5344CB8AC3E}">
+        <p14:creationId xmlns:p14="http://schemas.microsoft.com/office/powerpoint/2010/main" val="2715780110"/>
+      </p:ext>
+    </p:extLst>
+  </p:cSld>
+  <p:clrMapOvr>
+    <a:masterClrMapping/>
+  </p:clrMapOvr>
+</p:sldLayout>
+</file>
+
+<file path=ppt/slideLayouts/slideLayout13.xml><?xml version="1.0" encoding="utf-8"?>
+<p:sldLayout xmlns:a="http://schemas.openxmlformats.org/drawingml/2006/main" xmlns:r="http://schemas.openxmlformats.org/officeDocument/2006/relationships" xmlns:p="http://schemas.openxmlformats.org/presentationml/2006/main" preserve="1">
+  <p:cSld name="Name Card">
+    <p:spTree>
+      <p:nvGrpSpPr>
+        <p:cNvPr id="1" name=""/>
+        <p:cNvGrpSpPr/>
+        <p:nvPr/>
+      </p:nvGrpSpPr>
+      <p:grpSpPr>
+        <a:xfrm>
+          <a:off x="0" y="0"/>
+          <a:ext cx="0" cy="0"/>
+          <a:chOff x="0" y="0"/>
+          <a:chExt cx="0" cy="0"/>
+        </a:xfrm>
+      </p:grpSpPr>
+      <p:sp>
+        <p:nvSpPr>
+          <p:cNvPr id="2" name="Title 1"/>
+          <p:cNvSpPr>
+            <a:spLocks noGrp="1"/>
+          </p:cNvSpPr>
+          <p:nvPr>
+            <p:ph type="title"/>
+          </p:nvPr>
+        </p:nvSpPr>
+        <p:spPr>
+          <a:xfrm>
+            <a:off x="1113525" y="3308581"/>
+            <a:ext cx="7515989" cy="1468800"/>
+          </a:xfrm>
+        </p:spPr>
+        <p:txBody>
+          <a:bodyPr anchor="b">
+            <a:normAutofit/>
+          </a:bodyPr>
+          <a:lstStyle>
+            <a:lvl1pPr algn="r">
+              <a:defRPr sz="3200" b="0" cap="none"/>
+            </a:lvl1pPr>
+          </a:lstStyle>
+          <a:p>
+            <a:r>
+              <a:rPr lang="en-US"/>
+              <a:t>Click to edit Master title style</a:t>
+            </a:r>
+            <a:endParaRPr lang="en-US" dirty="0"/>
+          </a:p>
+        </p:txBody>
+      </p:sp>
+      <p:sp>
+        <p:nvSpPr>
+          <p:cNvPr id="3" name="Text Placeholder 2"/>
+          <p:cNvSpPr>
+            <a:spLocks noGrp="1"/>
+          </p:cNvSpPr>
+          <p:nvPr>
+            <p:ph type="body" idx="1"/>
+          </p:nvPr>
+        </p:nvSpPr>
+        <p:spPr>
+          <a:xfrm>
+            <a:off x="1113524" y="4777381"/>
+            <a:ext cx="7515990" cy="860400"/>
+          </a:xfrm>
+        </p:spPr>
+        <p:txBody>
+          <a:bodyPr anchor="t">
+            <a:normAutofit/>
+          </a:bodyPr>
+          <a:lstStyle>
+            <a:lvl1pPr marL="0" indent="0" algn="r">
+              <a:buNone/>
+              <a:defRPr sz="2000">
+                <a:solidFill>
+                  <a:schemeClr val="tx1"/>
+                </a:solidFill>
+              </a:defRPr>
+            </a:lvl1pPr>
+            <a:lvl2pPr marL="457200" indent="0">
+              <a:buNone/>
+              <a:defRPr sz="1800">
+                <a:solidFill>
+                  <a:schemeClr val="tx1">
+                    <a:tint val="75000"/>
+                  </a:schemeClr>
+                </a:solidFill>
+              </a:defRPr>
+            </a:lvl2pPr>
+            <a:lvl3pPr marL="914400" indent="0">
+              <a:buNone/>
+              <a:defRPr sz="1600">
+                <a:solidFill>
+                  <a:schemeClr val="tx1">
+                    <a:tint val="75000"/>
+                  </a:schemeClr>
+                </a:solidFill>
+              </a:defRPr>
+            </a:lvl3pPr>
+            <a:lvl4pPr marL="1371600" indent="0">
+              <a:buNone/>
+              <a:defRPr sz="1400">
+                <a:solidFill>
+                  <a:schemeClr val="tx1">
+                    <a:tint val="75000"/>
+                  </a:schemeClr>
+                </a:solidFill>
+              </a:defRPr>
+            </a:lvl4pPr>
+            <a:lvl5pPr marL="1828800" indent="0">
+              <a:buNone/>
+              <a:defRPr sz="1400">
+                <a:solidFill>
+                  <a:schemeClr val="tx1">
+                    <a:tint val="75000"/>
+                  </a:schemeClr>
+                </a:solidFill>
+              </a:defRPr>
+            </a:lvl5pPr>
+            <a:lvl6pPr marL="2286000" indent="0">
+              <a:buNone/>
+              <a:defRPr sz="1400">
+                <a:solidFill>
+                  <a:schemeClr val="tx1">
+                    <a:tint val="75000"/>
+                  </a:schemeClr>
+                </a:solidFill>
+              </a:defRPr>
+            </a:lvl6pPr>
+            <a:lvl7pPr marL="2743200" indent="0">
+              <a:buNone/>
+              <a:defRPr sz="1400">
+                <a:solidFill>
+                  <a:schemeClr val="tx1">
+                    <a:tint val="75000"/>
+                  </a:schemeClr>
+                </a:solidFill>
+              </a:defRPr>
+            </a:lvl7pPr>
+            <a:lvl8pPr marL="3200400" indent="0">
+              <a:buNone/>
+              <a:defRPr sz="1400">
+                <a:solidFill>
+                  <a:schemeClr val="tx1">
+                    <a:tint val="75000"/>
+                  </a:schemeClr>
+                </a:solidFill>
+              </a:defRPr>
+            </a:lvl8pPr>
+            <a:lvl9pPr marL="3657600" indent="0">
+              <a:buNone/>
+              <a:defRPr sz="1400">
+                <a:solidFill>
+                  <a:schemeClr val="tx1">
+                    <a:tint val="75000"/>
+                  </a:schemeClr>
+                </a:solidFill>
+              </a:defRPr>
+            </a:lvl9pPr>
+          </a:lstStyle>
+          <a:p>
+            <a:pPr lvl="0"/>
+            <a:r>
+              <a:rPr lang="en-US"/>
+              <a:t>Click to edit Master text styles</a:t>
+            </a:r>
+          </a:p>
+        </p:txBody>
+      </p:sp>
+      <p:sp>
+        <p:nvSpPr>
+          <p:cNvPr id="4" name="Date Placeholder 3"/>
+          <p:cNvSpPr>
+            <a:spLocks noGrp="1"/>
+          </p:cNvSpPr>
+          <p:nvPr>
+            <p:ph type="dt" sz="half" idx="10"/>
+          </p:nvPr>
+        </p:nvSpPr>
+        <p:spPr/>
+        <p:txBody>
+          <a:bodyPr/>
+          <a:lstStyle/>
+          <a:p>
+            <a:fld id="{5BCAD085-E8A6-8845-BD4E-CB4CCA059FC4}" type="datetimeFigureOut">
+              <a:rPr lang="en-US" smtClean="0"/>
+              <a:t>6/13/2025</a:t>
+            </a:fld>
+            <a:endParaRPr lang="en-US"/>
+          </a:p>
+        </p:txBody>
+      </p:sp>
+      <p:sp>
+        <p:nvSpPr>
+          <p:cNvPr id="5" name="Footer Placeholder 4"/>
+          <p:cNvSpPr>
+            <a:spLocks noGrp="1"/>
+          </p:cNvSpPr>
+          <p:nvPr>
+            <p:ph type="ftr" sz="quarter" idx="11"/>
+          </p:nvPr>
+        </p:nvSpPr>
+        <p:spPr/>
+        <p:txBody>
+          <a:bodyPr/>
+          <a:lstStyle/>
+          <a:p>
+            <a:endParaRPr lang="en-US"/>
+          </a:p>
+        </p:txBody>
+      </p:sp>
+      <p:sp>
+        <p:nvSpPr>
+          <p:cNvPr id="6" name="Slide Number Placeholder 5"/>
+          <p:cNvSpPr>
+            <a:spLocks noGrp="1"/>
+          </p:cNvSpPr>
+          <p:nvPr>
+            <p:ph type="sldNum" sz="quarter" idx="12"/>
+          </p:nvPr>
+        </p:nvSpPr>
+        <p:spPr/>
+        <p:txBody>
+          <a:bodyPr/>
+          <a:lstStyle/>
+          <a:p>
+            <a:fld id="{C1FF6DA9-008F-8B48-92A6-B652298478BF}" type="slidenum">
+              <a:rPr lang="en-US" smtClean="0"/>
+              <a:t>‹#›</a:t>
+            </a:fld>
+            <a:endParaRPr lang="en-US"/>
+          </a:p>
+        </p:txBody>
+      </p:sp>
+    </p:spTree>
+    <p:extLst>
+      <p:ext uri="{BB962C8B-B14F-4D97-AF65-F5344CB8AC3E}">
+        <p14:creationId xmlns:p14="http://schemas.microsoft.com/office/powerpoint/2010/main" val="2897764489"/>
+      </p:ext>
+    </p:extLst>
+  </p:cSld>
+  <p:clrMapOvr>
+    <a:masterClrMapping/>
+  </p:clrMapOvr>
+</p:sldLayout>
+</file>
+
+<file path=ppt/slideLayouts/slideLayout14.xml><?xml version="1.0" encoding="utf-8"?>
+<p:sldLayout xmlns:a="http://schemas.openxmlformats.org/drawingml/2006/main" xmlns:r="http://schemas.openxmlformats.org/officeDocument/2006/relationships" xmlns:p="http://schemas.openxmlformats.org/presentationml/2006/main" preserve="1">
+  <p:cSld name="Quote Name Card">
+    <p:spTree>
+      <p:nvGrpSpPr>
+        <p:cNvPr id="1" name=""/>
+        <p:cNvGrpSpPr/>
+        <p:nvPr/>
+      </p:nvGrpSpPr>
+      <p:grpSpPr>
+        <a:xfrm>
+          <a:off x="0" y="0"/>
+          <a:ext cx="0" cy="0"/>
+          <a:chOff x="0" y="0"/>
+          <a:chExt cx="0" cy="0"/>
+        </a:xfrm>
+      </p:grpSpPr>
+      <p:sp>
+        <p:nvSpPr>
+          <p:cNvPr id="14" name="TextBox 13"/>
+          <p:cNvSpPr txBox="1"/>
+          <p:nvPr/>
+        </p:nvSpPr>
+        <p:spPr>
+          <a:xfrm>
+            <a:off x="969421" y="863023"/>
+            <a:ext cx="457319" cy="584776"/>
+          </a:xfrm>
+          <a:prstGeom prst="rect">
+            <a:avLst/>
+          </a:prstGeom>
+        </p:spPr>
+        <p:txBody>
+          <a:bodyPr vert="horz" lIns="91440" tIns="45720" rIns="91440" bIns="45720" rtlCol="0" anchor="ctr">
+            <a:noAutofit/>
+          </a:bodyPr>
+          <a:lstStyle>
+            <a:lvl1pPr>
+              <a:spcBef>
+                <a:spcPct val="0"/>
+              </a:spcBef>
+              <a:buNone/>
+              <a:defRPr sz="3200" b="0" cap="all">
+                <a:ln w="3175" cmpd="sng">
+                  <a:noFill/>
+                </a:ln>
+                <a:effectLst>
+                  <a:glow rad="38100">
+                    <a:schemeClr val="bg1">
+                      <a:lumMod val="65000"/>
+                      <a:lumOff val="35000"/>
+                      <a:alpha val="40000"/>
+                    </a:schemeClr>
+                  </a:glow>
+                  <a:outerShdw blurRad="28575" dist="38100" dir="14040000" algn="tl" rotWithShape="0">
+                    <a:srgbClr val="000000">
+                      <a:alpha val="25000"/>
+                    </a:srgbClr>
+                  </a:outerShdw>
+                </a:effectLst>
+              </a:defRPr>
+            </a:lvl1pPr>
+            <a:lvl2pPr>
+              <a:defRPr>
+                <a:solidFill>
+                  <a:schemeClr val="tx2"/>
+                </a:solidFill>
+              </a:defRPr>
+            </a:lvl2pPr>
+            <a:lvl3pPr>
+              <a:defRPr>
+                <a:solidFill>
+                  <a:schemeClr val="tx2"/>
+                </a:solidFill>
+              </a:defRPr>
+            </a:lvl3pPr>
+            <a:lvl4pPr>
+              <a:defRPr>
+                <a:solidFill>
+                  <a:schemeClr val="tx2"/>
+                </a:solidFill>
+              </a:defRPr>
+            </a:lvl4pPr>
+            <a:lvl5pPr>
+              <a:defRPr>
+                <a:solidFill>
+                  <a:schemeClr val="tx2"/>
+                </a:solidFill>
+              </a:defRPr>
+            </a:lvl5pPr>
+            <a:lvl6pPr>
+              <a:defRPr>
+                <a:solidFill>
+                  <a:schemeClr val="tx2"/>
+                </a:solidFill>
+              </a:defRPr>
+            </a:lvl6pPr>
+            <a:lvl7pPr>
+              <a:defRPr>
+                <a:solidFill>
+                  <a:schemeClr val="tx2"/>
+                </a:solidFill>
+              </a:defRPr>
+            </a:lvl7pPr>
+            <a:lvl8pPr>
+              <a:defRPr>
+                <a:solidFill>
+                  <a:schemeClr val="tx2"/>
+                </a:solidFill>
+              </a:defRPr>
+            </a:lvl8pPr>
+            <a:lvl9pPr>
+              <a:defRPr>
+                <a:solidFill>
+                  <a:schemeClr val="tx2"/>
+                </a:solidFill>
+              </a:defRPr>
+            </a:lvl9pPr>
+          </a:lstStyle>
+          <a:p>
+            <a:pPr lvl="0"/>
+            <a:r>
+              <a:rPr lang="en-US" sz="8000" dirty="0">
+                <a:solidFill>
+                  <a:schemeClr val="tx1"/>
+                </a:solidFill>
+                <a:effectLst/>
+              </a:rPr>
+              <a:t>“</a:t>
+            </a:r>
+          </a:p>
+        </p:txBody>
+      </p:sp>
+      <p:sp>
+        <p:nvSpPr>
+          <p:cNvPr id="15" name="TextBox 14"/>
+          <p:cNvSpPr txBox="1"/>
+          <p:nvPr/>
+        </p:nvSpPr>
+        <p:spPr>
+          <a:xfrm>
+            <a:off x="8172197" y="2819399"/>
+            <a:ext cx="457319" cy="584776"/>
+          </a:xfrm>
+          <a:prstGeom prst="rect">
+            <a:avLst/>
+          </a:prstGeom>
+        </p:spPr>
+        <p:txBody>
+          <a:bodyPr vert="horz" lIns="91440" tIns="45720" rIns="91440" bIns="45720" rtlCol="0" anchor="ctr">
+            <a:noAutofit/>
+          </a:bodyPr>
+          <a:lstStyle>
+            <a:lvl1pPr>
+              <a:spcBef>
+                <a:spcPct val="0"/>
+              </a:spcBef>
+              <a:buNone/>
+              <a:defRPr sz="3200" b="0" cap="all">
+                <a:ln w="3175" cmpd="sng">
+                  <a:noFill/>
+                </a:ln>
+                <a:effectLst>
+                  <a:glow rad="38100">
+                    <a:schemeClr val="bg1">
+                      <a:lumMod val="65000"/>
+                      <a:lumOff val="35000"/>
+                      <a:alpha val="40000"/>
+                    </a:schemeClr>
+                  </a:glow>
+                  <a:outerShdw blurRad="28575" dist="38100" dir="14040000" algn="tl" rotWithShape="0">
+                    <a:srgbClr val="000000">
+                      <a:alpha val="25000"/>
+                    </a:srgbClr>
+                  </a:outerShdw>
+                </a:effectLst>
+              </a:defRPr>
+            </a:lvl1pPr>
+            <a:lvl2pPr>
+              <a:defRPr>
+                <a:solidFill>
+                  <a:schemeClr val="tx2"/>
+                </a:solidFill>
+              </a:defRPr>
+            </a:lvl2pPr>
+            <a:lvl3pPr>
+              <a:defRPr>
+                <a:solidFill>
+                  <a:schemeClr val="tx2"/>
+                </a:solidFill>
+              </a:defRPr>
+            </a:lvl3pPr>
+            <a:lvl4pPr>
+              <a:defRPr>
+                <a:solidFill>
+                  <a:schemeClr val="tx2"/>
+                </a:solidFill>
+              </a:defRPr>
+            </a:lvl4pPr>
+            <a:lvl5pPr>
+              <a:defRPr>
+                <a:solidFill>
+                  <a:schemeClr val="tx2"/>
+                </a:solidFill>
+              </a:defRPr>
+            </a:lvl5pPr>
+            <a:lvl6pPr>
+              <a:defRPr>
+                <a:solidFill>
+                  <a:schemeClr val="tx2"/>
+                </a:solidFill>
+              </a:defRPr>
+            </a:lvl6pPr>
+            <a:lvl7pPr>
+              <a:defRPr>
+                <a:solidFill>
+                  <a:schemeClr val="tx2"/>
+                </a:solidFill>
+              </a:defRPr>
+            </a:lvl7pPr>
+            <a:lvl8pPr>
+              <a:defRPr>
+                <a:solidFill>
+                  <a:schemeClr val="tx2"/>
+                </a:solidFill>
+              </a:defRPr>
+            </a:lvl8pPr>
+            <a:lvl9pPr>
+              <a:defRPr>
+                <a:solidFill>
+                  <a:schemeClr val="tx2"/>
+                </a:solidFill>
+              </a:defRPr>
+            </a:lvl9pPr>
+          </a:lstStyle>
+          <a:p>
+            <a:pPr lvl="0" algn="r"/>
+            <a:r>
+              <a:rPr lang="en-US" sz="8000" dirty="0">
+                <a:solidFill>
+                  <a:schemeClr val="tx1"/>
+                </a:solidFill>
+                <a:effectLst/>
+              </a:rPr>
+              <a:t>”</a:t>
+            </a:r>
+          </a:p>
+        </p:txBody>
+      </p:sp>
+      <p:sp>
+        <p:nvSpPr>
+          <p:cNvPr id="2" name="Title 1"/>
+          <p:cNvSpPr>
+            <a:spLocks noGrp="1"/>
+          </p:cNvSpPr>
+          <p:nvPr>
+            <p:ph type="title"/>
+          </p:nvPr>
+        </p:nvSpPr>
+        <p:spPr>
+          <a:xfrm>
+            <a:off x="1426741" y="685801"/>
+            <a:ext cx="6974115" cy="2743199"/>
+          </a:xfrm>
+        </p:spPr>
+        <p:txBody>
+          <a:bodyPr anchor="ctr">
+            <a:normAutofit/>
+          </a:bodyPr>
+          <a:lstStyle>
+            <a:lvl1pPr algn="ctr">
+              <a:defRPr sz="3200" b="0" cap="none">
+                <a:solidFill>
+                  <a:schemeClr val="tx1"/>
+                </a:solidFill>
+              </a:defRPr>
+            </a:lvl1pPr>
+          </a:lstStyle>
+          <a:p>
+            <a:r>
+              <a:rPr lang="en-US"/>
+              <a:t>Click to edit Master title style</a:t>
+            </a:r>
+            <a:endParaRPr lang="en-US" dirty="0"/>
+          </a:p>
+        </p:txBody>
+      </p:sp>
+      <p:sp>
+        <p:nvSpPr>
+          <p:cNvPr id="10" name="Text Placeholder 9"/>
+          <p:cNvSpPr>
+            <a:spLocks noGrp="1"/>
+          </p:cNvSpPr>
+          <p:nvPr>
+            <p:ph type="body" sz="quarter" idx="13"/>
+          </p:nvPr>
+        </p:nvSpPr>
+        <p:spPr>
+          <a:xfrm>
+            <a:off x="1113525" y="3886200"/>
+            <a:ext cx="7515990" cy="889000"/>
+          </a:xfrm>
+        </p:spPr>
+        <p:txBody>
+          <a:bodyPr vert="horz" lIns="91440" tIns="45720" rIns="91440" bIns="45720" rtlCol="0" anchor="b">
+            <a:normAutofit/>
+          </a:bodyPr>
+          <a:lstStyle>
+            <a:lvl1pPr algn="r">
+              <a:buNone/>
+              <a:defRPr lang="en-US" sz="2400" b="0" cap="none" dirty="0">
+                <a:ln w="3175" cmpd="sng">
+                  <a:noFill/>
+                </a:ln>
+                <a:solidFill>
+                  <a:schemeClr val="tx1"/>
+                </a:solidFill>
+                <a:effectLst/>
+              </a:defRPr>
+            </a:lvl1pPr>
+          </a:lstStyle>
+          <a:p>
+            <a:pPr marL="0" lvl="0">
+              <a:spcBef>
+                <a:spcPct val="0"/>
+              </a:spcBef>
+              <a:buNone/>
+            </a:pPr>
+            <a:r>
+              <a:rPr lang="en-US"/>
+              <a:t>Click to edit Master text styles</a:t>
+            </a:r>
+          </a:p>
+        </p:txBody>
+      </p:sp>
+      <p:sp>
+        <p:nvSpPr>
+          <p:cNvPr id="3" name="Text Placeholder 2"/>
+          <p:cNvSpPr>
+            <a:spLocks noGrp="1"/>
+          </p:cNvSpPr>
+          <p:nvPr>
+            <p:ph type="body" idx="1"/>
+          </p:nvPr>
+        </p:nvSpPr>
+        <p:spPr>
+          <a:xfrm>
+            <a:off x="1113524" y="4775200"/>
+            <a:ext cx="7515990" cy="1016000"/>
+          </a:xfrm>
+        </p:spPr>
+        <p:txBody>
+          <a:bodyPr anchor="t">
+            <a:normAutofit/>
+          </a:bodyPr>
+          <a:lstStyle>
+            <a:lvl1pPr marL="0" indent="0" algn="r">
+              <a:buNone/>
+              <a:defRPr sz="1800">
+                <a:solidFill>
+                  <a:schemeClr val="tx1"/>
+                </a:solidFill>
+              </a:defRPr>
+            </a:lvl1pPr>
+            <a:lvl2pPr marL="457200" indent="0">
+              <a:buNone/>
+              <a:defRPr sz="1800">
+                <a:solidFill>
+                  <a:schemeClr val="tx1">
+                    <a:tint val="75000"/>
+                  </a:schemeClr>
+                </a:solidFill>
+              </a:defRPr>
+            </a:lvl2pPr>
+            <a:lvl3pPr marL="914400" indent="0">
+              <a:buNone/>
+              <a:defRPr sz="1600">
+                <a:solidFill>
+                  <a:schemeClr val="tx1">
+                    <a:tint val="75000"/>
+                  </a:schemeClr>
+                </a:solidFill>
+              </a:defRPr>
+            </a:lvl3pPr>
+            <a:lvl4pPr marL="1371600" indent="0">
+              <a:buNone/>
+              <a:defRPr sz="1400">
+                <a:solidFill>
+                  <a:schemeClr val="tx1">
+                    <a:tint val="75000"/>
+                  </a:schemeClr>
+                </a:solidFill>
+              </a:defRPr>
+            </a:lvl4pPr>
+            <a:lvl5pPr marL="1828800" indent="0">
+              <a:buNone/>
+              <a:defRPr sz="1400">
+                <a:solidFill>
+                  <a:schemeClr val="tx1">
+                    <a:tint val="75000"/>
+                  </a:schemeClr>
+                </a:solidFill>
+              </a:defRPr>
+            </a:lvl5pPr>
+            <a:lvl6pPr marL="2286000" indent="0">
+              <a:buNone/>
+              <a:defRPr sz="1400">
+                <a:solidFill>
+                  <a:schemeClr val="tx1">
+                    <a:tint val="75000"/>
+                  </a:schemeClr>
+                </a:solidFill>
+              </a:defRPr>
+            </a:lvl6pPr>
+            <a:lvl7pPr marL="2743200" indent="0">
+              <a:buNone/>
+              <a:defRPr sz="1400">
+                <a:solidFill>
+                  <a:schemeClr val="tx1">
+                    <a:tint val="75000"/>
+                  </a:schemeClr>
+                </a:solidFill>
+              </a:defRPr>
+            </a:lvl7pPr>
+            <a:lvl8pPr marL="3200400" indent="0">
+              <a:buNone/>
+              <a:defRPr sz="1400">
+                <a:solidFill>
+                  <a:schemeClr val="tx1">
+                    <a:tint val="75000"/>
+                  </a:schemeClr>
+                </a:solidFill>
+              </a:defRPr>
+            </a:lvl8pPr>
+            <a:lvl9pPr marL="3657600" indent="0">
+              <a:buNone/>
+              <a:defRPr sz="1400">
+                <a:solidFill>
+                  <a:schemeClr val="tx1">
+                    <a:tint val="75000"/>
+                  </a:schemeClr>
+                </a:solidFill>
+              </a:defRPr>
+            </a:lvl9pPr>
+          </a:lstStyle>
+          <a:p>
+            <a:pPr lvl="0"/>
+            <a:r>
+              <a:rPr lang="en-US"/>
+              <a:t>Click to edit Master text styles</a:t>
+            </a:r>
+          </a:p>
+        </p:txBody>
+      </p:sp>
+      <p:sp>
+        <p:nvSpPr>
+          <p:cNvPr id="4" name="Date Placeholder 3"/>
+          <p:cNvSpPr>
+            <a:spLocks noGrp="1"/>
+          </p:cNvSpPr>
+          <p:nvPr>
+            <p:ph type="dt" sz="half" idx="10"/>
+          </p:nvPr>
+        </p:nvSpPr>
+        <p:spPr/>
+        <p:txBody>
+          <a:bodyPr/>
+          <a:lstStyle/>
+          <a:p>
+            <a:fld id="{5BCAD085-E8A6-8845-BD4E-CB4CCA059FC4}" type="datetimeFigureOut">
+              <a:rPr lang="en-US" smtClean="0"/>
+              <a:t>6/13/2025</a:t>
+            </a:fld>
+            <a:endParaRPr lang="en-US"/>
+          </a:p>
+        </p:txBody>
+      </p:sp>
+      <p:sp>
+        <p:nvSpPr>
+          <p:cNvPr id="5" name="Footer Placeholder 4"/>
+          <p:cNvSpPr>
+            <a:spLocks noGrp="1"/>
+          </p:cNvSpPr>
+          <p:nvPr>
+            <p:ph type="ftr" sz="quarter" idx="11"/>
+          </p:nvPr>
+        </p:nvSpPr>
+        <p:spPr/>
+        <p:txBody>
+          <a:bodyPr/>
+          <a:lstStyle/>
+          <a:p>
+            <a:endParaRPr lang="en-US"/>
+          </a:p>
+        </p:txBody>
+      </p:sp>
+      <p:sp>
+        <p:nvSpPr>
+          <p:cNvPr id="6" name="Slide Number Placeholder 5"/>
+          <p:cNvSpPr>
+            <a:spLocks noGrp="1"/>
+          </p:cNvSpPr>
+          <p:nvPr>
+            <p:ph type="sldNum" sz="quarter" idx="12"/>
+          </p:nvPr>
+        </p:nvSpPr>
+        <p:spPr/>
+        <p:txBody>
+          <a:bodyPr/>
+          <a:lstStyle/>
+          <a:p>
+            <a:fld id="{C1FF6DA9-008F-8B48-92A6-B652298478BF}" type="slidenum">
+              <a:rPr lang="en-US" smtClean="0"/>
+              <a:t>‹#›</a:t>
+            </a:fld>
+            <a:endParaRPr lang="en-US"/>
+          </a:p>
+        </p:txBody>
+      </p:sp>
+    </p:spTree>
+    <p:extLst>
+      <p:ext uri="{BB962C8B-B14F-4D97-AF65-F5344CB8AC3E}">
+        <p14:creationId xmlns:p14="http://schemas.microsoft.com/office/powerpoint/2010/main" val="2070032179"/>
+      </p:ext>
+    </p:extLst>
+  </p:cSld>
+  <p:clrMapOvr>
+    <a:masterClrMapping/>
+  </p:clrMapOvr>
+</p:sldLayout>
+</file>
+
+<file path=ppt/slideLayouts/slideLayout15.xml><?xml version="1.0" encoding="utf-8"?>
+<p:sldLayout xmlns:a="http://schemas.openxmlformats.org/drawingml/2006/main" xmlns:r="http://schemas.openxmlformats.org/officeDocument/2006/relationships" xmlns:p="http://schemas.openxmlformats.org/presentationml/2006/main" preserve="1">
+  <p:cSld name="True or False">
+    <p:spTree>
+      <p:nvGrpSpPr>
+        <p:cNvPr id="1" name=""/>
+        <p:cNvGrpSpPr/>
+        <p:nvPr/>
+      </p:nvGrpSpPr>
+      <p:grpSpPr>
+        <a:xfrm>
+          <a:off x="0" y="0"/>
+          <a:ext cx="0" cy="0"/>
+          <a:chOff x="0" y="0"/>
+          <a:chExt cx="0" cy="0"/>
+        </a:xfrm>
+      </p:grpSpPr>
+      <p:sp>
+        <p:nvSpPr>
+          <p:cNvPr id="2" name="Title 1"/>
+          <p:cNvSpPr>
+            <a:spLocks noGrp="1"/>
+          </p:cNvSpPr>
+          <p:nvPr>
+            <p:ph type="title"/>
+          </p:nvPr>
+        </p:nvSpPr>
+        <p:spPr>
+          <a:xfrm>
+            <a:off x="1113525" y="685801"/>
+            <a:ext cx="7515991" cy="2727325"/>
+          </a:xfrm>
+        </p:spPr>
+        <p:txBody>
+          <a:bodyPr vert="horz" lIns="91440" tIns="45720" rIns="91440" bIns="45720" rtlCol="0" anchor="ctr">
+            <a:normAutofit/>
+          </a:bodyPr>
+          <a:lstStyle>
+            <a:lvl1pPr>
+              <a:defRPr lang="en-US" b="0" dirty="0"/>
+            </a:lvl1pPr>
+          </a:lstStyle>
+          <a:p>
+            <a:pPr marL="0" lvl="0"/>
+            <a:r>
+              <a:rPr lang="en-US"/>
+              <a:t>Click to edit Master title style</a:t>
+            </a:r>
+            <a:endParaRPr lang="en-US" dirty="0"/>
+          </a:p>
+        </p:txBody>
+      </p:sp>
+      <p:sp>
+        <p:nvSpPr>
+          <p:cNvPr id="10" name="Text Placeholder 9"/>
+          <p:cNvSpPr>
+            <a:spLocks noGrp="1"/>
+          </p:cNvSpPr>
+          <p:nvPr>
+            <p:ph type="body" sz="quarter" idx="13"/>
+          </p:nvPr>
+        </p:nvSpPr>
+        <p:spPr>
+          <a:xfrm>
+            <a:off x="1113524" y="3505200"/>
+            <a:ext cx="7515992" cy="838200"/>
+          </a:xfrm>
+        </p:spPr>
+        <p:txBody>
+          <a:bodyPr vert="horz" lIns="91440" tIns="45720" rIns="91440" bIns="45720" rtlCol="0" anchor="b">
+            <a:normAutofit/>
+          </a:bodyPr>
+          <a:lstStyle>
+            <a:lvl1pPr>
+              <a:buNone/>
+              <a:defRPr lang="en-US" sz="2800" b="0" cap="none" dirty="0">
+                <a:ln w="3175" cmpd="sng">
+                  <a:noFill/>
+                </a:ln>
+                <a:solidFill>
+                  <a:schemeClr val="tx1"/>
+                </a:solidFill>
+                <a:effectLst/>
+              </a:defRPr>
+            </a:lvl1pPr>
+          </a:lstStyle>
+          <a:p>
+            <a:pPr marL="0" lvl="0">
+              <a:spcBef>
+                <a:spcPct val="0"/>
+              </a:spcBef>
+              <a:buNone/>
+            </a:pPr>
+            <a:r>
+              <a:rPr lang="en-US"/>
+              <a:t>Click to edit Master text styles</a:t>
+            </a:r>
+          </a:p>
+        </p:txBody>
+      </p:sp>
+      <p:sp>
+        <p:nvSpPr>
+          <p:cNvPr id="3" name="Text Placeholder 2"/>
+          <p:cNvSpPr>
+            <a:spLocks noGrp="1"/>
+          </p:cNvSpPr>
+          <p:nvPr>
+            <p:ph type="body" idx="1"/>
+          </p:nvPr>
+        </p:nvSpPr>
+        <p:spPr>
+          <a:xfrm>
+            <a:off x="1113524" y="4343400"/>
+            <a:ext cx="7515992" cy="1447800"/>
+          </a:xfrm>
+        </p:spPr>
+        <p:txBody>
+          <a:bodyPr anchor="t">
+            <a:normAutofit/>
+          </a:bodyPr>
+          <a:lstStyle>
+            <a:lvl1pPr marL="0" indent="0" algn="l">
+              <a:buNone/>
+              <a:defRPr sz="1800">
+                <a:solidFill>
+                  <a:schemeClr val="tx1"/>
+                </a:solidFill>
+              </a:defRPr>
+            </a:lvl1pPr>
+            <a:lvl2pPr marL="457200" indent="0">
+              <a:buNone/>
+              <a:defRPr sz="1800">
+                <a:solidFill>
+                  <a:schemeClr val="tx1">
+                    <a:tint val="75000"/>
+                  </a:schemeClr>
+                </a:solidFill>
+              </a:defRPr>
+            </a:lvl2pPr>
+            <a:lvl3pPr marL="914400" indent="0">
+              <a:buNone/>
+              <a:defRPr sz="1600">
+                <a:solidFill>
+                  <a:schemeClr val="tx1">
+                    <a:tint val="75000"/>
+                  </a:schemeClr>
+                </a:solidFill>
+              </a:defRPr>
+            </a:lvl3pPr>
+            <a:lvl4pPr marL="1371600" indent="0">
+              <a:buNone/>
+              <a:defRPr sz="1400">
+                <a:solidFill>
+                  <a:schemeClr val="tx1">
+                    <a:tint val="75000"/>
+                  </a:schemeClr>
+                </a:solidFill>
+              </a:defRPr>
+            </a:lvl4pPr>
+            <a:lvl5pPr marL="1828800" indent="0">
+              <a:buNone/>
+              <a:defRPr sz="1400">
+                <a:solidFill>
+                  <a:schemeClr val="tx1">
+                    <a:tint val="75000"/>
+                  </a:schemeClr>
+                </a:solidFill>
+              </a:defRPr>
+            </a:lvl5pPr>
+            <a:lvl6pPr marL="2286000" indent="0">
+              <a:buNone/>
+              <a:defRPr sz="1400">
+                <a:solidFill>
+                  <a:schemeClr val="tx1">
+                    <a:tint val="75000"/>
+                  </a:schemeClr>
+                </a:solidFill>
+              </a:defRPr>
+            </a:lvl6pPr>
+            <a:lvl7pPr marL="2743200" indent="0">
+              <a:buNone/>
+              <a:defRPr sz="1400">
+                <a:solidFill>
+                  <a:schemeClr val="tx1">
+                    <a:tint val="75000"/>
+                  </a:schemeClr>
+                </a:solidFill>
+              </a:defRPr>
+            </a:lvl7pPr>
+            <a:lvl8pPr marL="3200400" indent="0">
+              <a:buNone/>
+              <a:defRPr sz="1400">
+                <a:solidFill>
+                  <a:schemeClr val="tx1">
+                    <a:tint val="75000"/>
+                  </a:schemeClr>
+                </a:solidFill>
+              </a:defRPr>
+            </a:lvl8pPr>
+            <a:lvl9pPr marL="3657600" indent="0">
+              <a:buNone/>
+              <a:defRPr sz="1400">
+                <a:solidFill>
+                  <a:schemeClr val="tx1">
+                    <a:tint val="75000"/>
+                  </a:schemeClr>
+                </a:solidFill>
+              </a:defRPr>
+            </a:lvl9pPr>
+          </a:lstStyle>
+          <a:p>
+            <a:pPr lvl="0"/>
+            <a:r>
+              <a:rPr lang="en-US"/>
+              <a:t>Click to edit Master text styles</a:t>
+            </a:r>
+          </a:p>
+        </p:txBody>
+      </p:sp>
+      <p:sp>
+        <p:nvSpPr>
+          <p:cNvPr id="4" name="Date Placeholder 3"/>
+          <p:cNvSpPr>
+            <a:spLocks noGrp="1"/>
+          </p:cNvSpPr>
+          <p:nvPr>
+            <p:ph type="dt" sz="half" idx="10"/>
+          </p:nvPr>
+        </p:nvSpPr>
+        <p:spPr/>
+        <p:txBody>
+          <a:bodyPr/>
+          <a:lstStyle/>
+          <a:p>
+            <a:fld id="{5BCAD085-E8A6-8845-BD4E-CB4CCA059FC4}" type="datetimeFigureOut">
+              <a:rPr lang="en-US" smtClean="0"/>
+              <a:t>6/13/2025</a:t>
+            </a:fld>
+            <a:endParaRPr lang="en-US"/>
+          </a:p>
+        </p:txBody>
+      </p:sp>
+      <p:sp>
+        <p:nvSpPr>
+          <p:cNvPr id="5" name="Footer Placeholder 4"/>
+          <p:cNvSpPr>
+            <a:spLocks noGrp="1"/>
+          </p:cNvSpPr>
+          <p:nvPr>
+            <p:ph type="ftr" sz="quarter" idx="11"/>
+          </p:nvPr>
+        </p:nvSpPr>
+        <p:spPr/>
+        <p:txBody>
+          <a:bodyPr/>
+          <a:lstStyle/>
+          <a:p>
+            <a:endParaRPr lang="en-US"/>
+          </a:p>
+        </p:txBody>
+      </p:sp>
+      <p:sp>
+        <p:nvSpPr>
+          <p:cNvPr id="6" name="Slide Number Placeholder 5"/>
+          <p:cNvSpPr>
+            <a:spLocks noGrp="1"/>
+          </p:cNvSpPr>
+          <p:nvPr>
+            <p:ph type="sldNum" sz="quarter" idx="12"/>
+          </p:nvPr>
+        </p:nvSpPr>
+        <p:spPr/>
+        <p:txBody>
+          <a:bodyPr/>
+          <a:lstStyle/>
+          <a:p>
+            <a:fld id="{C1FF6DA9-008F-8B48-92A6-B652298478BF}" type="slidenum">
+              <a:rPr lang="en-US" smtClean="0"/>
+              <a:t>‹#›</a:t>
+            </a:fld>
+            <a:endParaRPr lang="en-US"/>
+          </a:p>
+        </p:txBody>
+      </p:sp>
+    </p:spTree>
+    <p:extLst>
+      <p:ext uri="{BB962C8B-B14F-4D97-AF65-F5344CB8AC3E}">
+        <p14:creationId xmlns:p14="http://schemas.microsoft.com/office/powerpoint/2010/main" val="3617961139"/>
+      </p:ext>
+    </p:extLst>
+  </p:cSld>
+  <p:clrMapOvr>
+    <a:masterClrMapping/>
+  </p:clrMapOvr>
+</p:sldLayout>
+</file>
+
+<file path=ppt/slideLayouts/slideLayout16.xml><?xml version="1.0" encoding="utf-8"?>
 <p:sldLayout xmlns:a="http://schemas.openxmlformats.org/drawingml/2006/main" xmlns:r="http://schemas.openxmlformats.org/officeDocument/2006/relationships" xmlns:p="http://schemas.openxmlformats.org/presentationml/2006/main" type="vertTx" preserve="1">
   <p:cSld name="Title and Vertical Text">
     <p:spTree>
@@ -389,13 +3016,17 @@
         <p:spPr/>
         <p:txBody>
           <a:bodyPr/>
-          <a:lstStyle/>
-          <a:p>
-            <a:r>
-              <a:rPr lang="en-US" smtClean="0"/>
+          <a:lstStyle>
+            <a:lvl1pPr algn="ctr">
+              <a:defRPr/>
+            </a:lvl1pPr>
+          </a:lstStyle>
+          <a:p>
+            <a:r>
+              <a:rPr lang="en-US"/>
               <a:t>Click to edit Master title style</a:t>
             </a:r>
-            <a:endParaRPr lang="en-US"/>
+            <a:endParaRPr lang="en-US" dirty="0"/>
           </a:p>
         </p:txBody>
       </p:sp>
@@ -411,43 +3042,43 @@
         </p:nvSpPr>
         <p:spPr/>
         <p:txBody>
-          <a:bodyPr vert="eaVert"/>
+          <a:bodyPr vert="eaVert" anchor="t"/>
           <a:lstStyle/>
           <a:p>
             <a:pPr lvl="0"/>
             <a:r>
-              <a:rPr lang="en-US" smtClean="0"/>
+              <a:rPr lang="en-US"/>
               <a:t>Click to edit Master text styles</a:t>
             </a:r>
           </a:p>
           <a:p>
             <a:pPr lvl="1"/>
             <a:r>
-              <a:rPr lang="en-US" smtClean="0"/>
+              <a:rPr lang="en-US"/>
               <a:t>Second level</a:t>
             </a:r>
           </a:p>
           <a:p>
             <a:pPr lvl="2"/>
             <a:r>
-              <a:rPr lang="en-US" smtClean="0"/>
+              <a:rPr lang="en-US"/>
               <a:t>Third level</a:t>
             </a:r>
           </a:p>
           <a:p>
             <a:pPr lvl="3"/>
             <a:r>
-              <a:rPr lang="en-US" smtClean="0"/>
+              <a:rPr lang="en-US"/>
               <a:t>Fourth level</a:t>
             </a:r>
           </a:p>
           <a:p>
             <a:pPr lvl="4"/>
             <a:r>
-              <a:rPr lang="en-US" smtClean="0"/>
+              <a:rPr lang="en-US"/>
               <a:t>Fifth level</a:t>
             </a:r>
-            <a:endParaRPr lang="en-US"/>
+            <a:endParaRPr lang="en-US" dirty="0"/>
           </a:p>
         </p:txBody>
       </p:sp>
@@ -468,7 +3099,7 @@
           <a:p>
             <a:fld id="{5BCAD085-E8A6-8845-BD4E-CB4CCA059FC4}" type="datetimeFigureOut">
               <a:rPr lang="en-US" smtClean="0"/>
-              <a:t>1/27/13</a:t>
+              <a:t>6/13/2025</a:t>
             </a:fld>
             <a:endParaRPr lang="en-US"/>
           </a:p>
@@ -519,7 +3150,7 @@
     </p:spTree>
     <p:extLst>
       <p:ext uri="{BB962C8B-B14F-4D97-AF65-F5344CB8AC3E}">
-        <p14:creationId xmlns:p14="http://schemas.microsoft.com/office/powerpoint/2010/main" val="2910927964"/>
+        <p14:creationId xmlns:p14="http://schemas.microsoft.com/office/powerpoint/2010/main" val="1535564840"/>
       </p:ext>
     </p:extLst>
   </p:cSld>
@@ -529,7 +3160,7 @@
 </p:sldLayout>
 </file>
 
-<file path=ppt/slideLayouts/slideLayout11.xml><?xml version="1.0" encoding="utf-8"?>
+<file path=ppt/slideLayouts/slideLayout17.xml><?xml version="1.0" encoding="utf-8"?>
 <p:sldLayout xmlns:a="http://schemas.openxmlformats.org/drawingml/2006/main" xmlns:r="http://schemas.openxmlformats.org/officeDocument/2006/relationships" xmlns:p="http://schemas.openxmlformats.org/presentationml/2006/main" type="vertTitleAndTx" preserve="1">
   <p:cSld name="Vertical Title and Text">
     <p:spTree>
@@ -558,8 +3189,8 @@
         </p:nvSpPr>
         <p:spPr>
           <a:xfrm>
-            <a:off x="6629400" y="274638"/>
-            <a:ext cx="2057400" cy="5851525"/>
+            <a:off x="7301393" y="685800"/>
+            <a:ext cx="1328123" cy="5105400"/>
           </a:xfrm>
         </p:spPr>
         <p:txBody>
@@ -567,10 +3198,10 @@
           <a:lstStyle/>
           <a:p>
             <a:r>
-              <a:rPr lang="en-US" smtClean="0"/>
+              <a:rPr lang="en-US"/>
               <a:t>Click to edit Master title style</a:t>
             </a:r>
-            <a:endParaRPr lang="en-US"/>
+            <a:endParaRPr lang="en-US" dirty="0"/>
           </a:p>
         </p:txBody>
       </p:sp>
@@ -586,48 +3217,48 @@
         </p:nvSpPr>
         <p:spPr>
           <a:xfrm>
-            <a:off x="457200" y="274638"/>
-            <a:ext cx="6019800" cy="5851525"/>
+            <a:off x="1113524" y="685800"/>
+            <a:ext cx="6016373" cy="5105400"/>
           </a:xfrm>
         </p:spPr>
         <p:txBody>
-          <a:bodyPr vert="eaVert"/>
+          <a:bodyPr vert="eaVert" anchor="t"/>
           <a:lstStyle/>
           <a:p>
             <a:pPr lvl="0"/>
             <a:r>
-              <a:rPr lang="en-US" smtClean="0"/>
+              <a:rPr lang="en-US"/>
               <a:t>Click to edit Master text styles</a:t>
             </a:r>
           </a:p>
           <a:p>
             <a:pPr lvl="1"/>
             <a:r>
-              <a:rPr lang="en-US" smtClean="0"/>
+              <a:rPr lang="en-US"/>
               <a:t>Second level</a:t>
             </a:r>
           </a:p>
           <a:p>
             <a:pPr lvl="2"/>
             <a:r>
-              <a:rPr lang="en-US" smtClean="0"/>
+              <a:rPr lang="en-US"/>
               <a:t>Third level</a:t>
             </a:r>
           </a:p>
           <a:p>
             <a:pPr lvl="3"/>
             <a:r>
-              <a:rPr lang="en-US" smtClean="0"/>
+              <a:rPr lang="en-US"/>
               <a:t>Fourth level</a:t>
             </a:r>
           </a:p>
           <a:p>
             <a:pPr lvl="4"/>
             <a:r>
-              <a:rPr lang="en-US" smtClean="0"/>
+              <a:rPr lang="en-US"/>
               <a:t>Fifth level</a:t>
             </a:r>
-            <a:endParaRPr lang="en-US"/>
+            <a:endParaRPr lang="en-US" dirty="0"/>
           </a:p>
         </p:txBody>
       </p:sp>
@@ -648,7 +3279,7 @@
           <a:p>
             <a:fld id="{5BCAD085-E8A6-8845-BD4E-CB4CCA059FC4}" type="datetimeFigureOut">
               <a:rPr lang="en-US" smtClean="0"/>
-              <a:t>1/27/13</a:t>
+              <a:t>6/13/2025</a:t>
             </a:fld>
             <a:endParaRPr lang="en-US"/>
           </a:p>
@@ -699,7 +3330,7 @@
     </p:spTree>
     <p:extLst>
       <p:ext uri="{BB962C8B-B14F-4D97-AF65-F5344CB8AC3E}">
-        <p14:creationId xmlns:p14="http://schemas.microsoft.com/office/powerpoint/2010/main" val="3612223792"/>
+        <p14:creationId xmlns:p14="http://schemas.microsoft.com/office/powerpoint/2010/main" val="249865594"/>
       </p:ext>
     </p:extLst>
   </p:cSld>
@@ -736,16 +3367,21 @@
             <p:ph type="title"/>
           </p:nvPr>
         </p:nvSpPr>
-        <p:spPr/>
+        <p:spPr>
+          <a:xfrm>
+            <a:off x="982133" y="457201"/>
+            <a:ext cx="7704667" cy="1981200"/>
+          </a:xfrm>
+        </p:spPr>
         <p:txBody>
           <a:bodyPr/>
           <a:lstStyle/>
           <a:p>
             <a:r>
-              <a:rPr lang="en-US" smtClean="0"/>
+              <a:rPr lang="en-US"/>
               <a:t>Click to edit Master title style</a:t>
             </a:r>
-            <a:endParaRPr lang="en-US"/>
+            <a:endParaRPr lang="en-US" dirty="0"/>
           </a:p>
         </p:txBody>
       </p:sp>
@@ -759,45 +3395,50 @@
             <p:ph idx="1"/>
           </p:nvPr>
         </p:nvSpPr>
-        <p:spPr/>
-        <p:txBody>
-          <a:bodyPr/>
+        <p:spPr>
+          <a:xfrm>
+            <a:off x="982133" y="2667000"/>
+            <a:ext cx="7704667" cy="3332816"/>
+          </a:xfrm>
+        </p:spPr>
+        <p:txBody>
+          <a:bodyPr anchor="ctr"/>
           <a:lstStyle/>
           <a:p>
             <a:pPr lvl="0"/>
             <a:r>
-              <a:rPr lang="en-US" smtClean="0"/>
+              <a:rPr lang="en-US"/>
               <a:t>Click to edit Master text styles</a:t>
             </a:r>
           </a:p>
           <a:p>
             <a:pPr lvl="1"/>
             <a:r>
-              <a:rPr lang="en-US" smtClean="0"/>
+              <a:rPr lang="en-US"/>
               <a:t>Second level</a:t>
             </a:r>
           </a:p>
           <a:p>
             <a:pPr lvl="2"/>
             <a:r>
-              <a:rPr lang="en-US" smtClean="0"/>
+              <a:rPr lang="en-US"/>
               <a:t>Third level</a:t>
             </a:r>
           </a:p>
           <a:p>
             <a:pPr lvl="3"/>
             <a:r>
-              <a:rPr lang="en-US" smtClean="0"/>
+              <a:rPr lang="en-US"/>
               <a:t>Fourth level</a:t>
             </a:r>
           </a:p>
           <a:p>
             <a:pPr lvl="4"/>
             <a:r>
-              <a:rPr lang="en-US" smtClean="0"/>
+              <a:rPr lang="en-US"/>
               <a:t>Fifth level</a:t>
             </a:r>
-            <a:endParaRPr lang="en-US"/>
+            <a:endParaRPr lang="en-US" dirty="0"/>
           </a:p>
         </p:txBody>
       </p:sp>
@@ -811,14 +3452,19 @@
             <p:ph type="dt" sz="half" idx="10"/>
           </p:nvPr>
         </p:nvSpPr>
-        <p:spPr/>
+        <p:spPr>
+          <a:xfrm>
+            <a:off x="7344329" y="6108173"/>
+            <a:ext cx="857473" cy="365125"/>
+          </a:xfrm>
+        </p:spPr>
         <p:txBody>
           <a:bodyPr/>
           <a:lstStyle/>
           <a:p>
             <a:fld id="{5BCAD085-E8A6-8845-BD4E-CB4CCA059FC4}" type="datetimeFigureOut">
               <a:rPr lang="en-US" smtClean="0"/>
-              <a:t>1/27/13</a:t>
+              <a:t>6/13/2025</a:t>
             </a:fld>
             <a:endParaRPr lang="en-US"/>
           </a:p>
@@ -834,7 +3480,12 @@
             <p:ph type="ftr" sz="quarter" idx="11"/>
           </p:nvPr>
         </p:nvSpPr>
-        <p:spPr/>
+        <p:spPr>
+          <a:xfrm>
+            <a:off x="1972647" y="6108173"/>
+            <a:ext cx="5314517" cy="365125"/>
+          </a:xfrm>
+        </p:spPr>
         <p:txBody>
           <a:bodyPr/>
           <a:lstStyle/>
@@ -853,7 +3504,12 @@
             <p:ph type="sldNum" sz="quarter" idx="12"/>
           </p:nvPr>
         </p:nvSpPr>
-        <p:spPr/>
+        <p:spPr>
+          <a:xfrm>
+            <a:off x="8258967" y="6108173"/>
+            <a:ext cx="427833" cy="365125"/>
+          </a:xfrm>
+        </p:spPr>
         <p:txBody>
           <a:bodyPr/>
           <a:lstStyle/>
@@ -869,7 +3525,7 @@
     </p:spTree>
     <p:extLst>
       <p:ext uri="{BB962C8B-B14F-4D97-AF65-F5344CB8AC3E}">
-        <p14:creationId xmlns:p14="http://schemas.microsoft.com/office/powerpoint/2010/main" val="2614314258"/>
+        <p14:creationId xmlns:p14="http://schemas.microsoft.com/office/powerpoint/2010/main" val="3723592366"/>
       </p:ext>
     </p:extLst>
   </p:cSld>
@@ -908,23 +3564,23 @@
         </p:nvSpPr>
         <p:spPr>
           <a:xfrm>
-            <a:off x="722313" y="4406900"/>
-            <a:ext cx="7772400" cy="1362075"/>
+            <a:off x="1986995" y="2666998"/>
+            <a:ext cx="6699805" cy="2360071"/>
           </a:xfrm>
         </p:spPr>
         <p:txBody>
-          <a:bodyPr anchor="t"/>
+          <a:bodyPr anchor="b"/>
           <a:lstStyle>
-            <a:lvl1pPr algn="l">
-              <a:defRPr sz="4000" b="1" cap="all"/>
+            <a:lvl1pPr algn="r">
+              <a:defRPr sz="4000" b="0" cap="none"/>
             </a:lvl1pPr>
           </a:lstStyle>
           <a:p>
             <a:r>
-              <a:rPr lang="en-US" smtClean="0"/>
+              <a:rPr lang="en-US"/>
               <a:t>Click to edit Master title style</a:t>
             </a:r>
-            <a:endParaRPr lang="en-US"/>
+            <a:endParaRPr lang="en-US" dirty="0"/>
           </a:p>
         </p:txBody>
       </p:sp>
@@ -940,44 +3596,54 @@
         </p:nvSpPr>
         <p:spPr>
           <a:xfrm>
-            <a:off x="722313" y="2906713"/>
-            <a:ext cx="7772400" cy="1500187"/>
+            <a:off x="1986998" y="5027070"/>
+            <a:ext cx="6699802" cy="860400"/>
           </a:xfrm>
         </p:spPr>
         <p:txBody>
-          <a:bodyPr anchor="b"/>
+          <a:bodyPr anchor="t">
+            <a:normAutofit/>
+          </a:bodyPr>
           <a:lstStyle>
-            <a:lvl1pPr marL="0" indent="0">
+            <a:lvl1pPr marL="0" indent="0" algn="r">
               <a:buNone/>
               <a:defRPr sz="2000">
+                <a:solidFill>
+                  <a:schemeClr val="tx1"/>
+                </a:solidFill>
+              </a:defRPr>
+            </a:lvl1pPr>
+            <a:lvl2pPr marL="457200" indent="0">
+              <a:buNone/>
+              <a:defRPr sz="1800">
                 <a:solidFill>
                   <a:schemeClr val="tx1">
                     <a:tint val="75000"/>
                   </a:schemeClr>
                 </a:solidFill>
               </a:defRPr>
-            </a:lvl1pPr>
-            <a:lvl2pPr marL="457200" indent="0">
-              <a:buNone/>
-              <a:defRPr sz="1800">
+            </a:lvl2pPr>
+            <a:lvl3pPr marL="914400" indent="0">
+              <a:buNone/>
+              <a:defRPr sz="1600">
                 <a:solidFill>
                   <a:schemeClr val="tx1">
                     <a:tint val="75000"/>
                   </a:schemeClr>
                 </a:solidFill>
               </a:defRPr>
-            </a:lvl2pPr>
-            <a:lvl3pPr marL="914400" indent="0">
-              <a:buNone/>
-              <a:defRPr sz="1600">
+            </a:lvl3pPr>
+            <a:lvl4pPr marL="1371600" indent="0">
+              <a:buNone/>
+              <a:defRPr sz="1400">
                 <a:solidFill>
                   <a:schemeClr val="tx1">
                     <a:tint val="75000"/>
                   </a:schemeClr>
                 </a:solidFill>
               </a:defRPr>
-            </a:lvl3pPr>
-            <a:lvl4pPr marL="1371600" indent="0">
+            </a:lvl4pPr>
+            <a:lvl5pPr marL="1828800" indent="0">
               <a:buNone/>
               <a:defRPr sz="1400">
                 <a:solidFill>
@@ -986,8 +3652,8 @@
                   </a:schemeClr>
                 </a:solidFill>
               </a:defRPr>
-            </a:lvl4pPr>
-            <a:lvl5pPr marL="1828800" indent="0">
+            </a:lvl5pPr>
+            <a:lvl6pPr marL="2286000" indent="0">
               <a:buNone/>
               <a:defRPr sz="1400">
                 <a:solidFill>
@@ -996,8 +3662,8 @@
                   </a:schemeClr>
                 </a:solidFill>
               </a:defRPr>
-            </a:lvl5pPr>
-            <a:lvl6pPr marL="2286000" indent="0">
+            </a:lvl6pPr>
+            <a:lvl7pPr marL="2743200" indent="0">
               <a:buNone/>
               <a:defRPr sz="1400">
                 <a:solidFill>
@@ -1006,8 +3672,8 @@
                   </a:schemeClr>
                 </a:solidFill>
               </a:defRPr>
-            </a:lvl6pPr>
-            <a:lvl7pPr marL="2743200" indent="0">
+            </a:lvl7pPr>
+            <a:lvl8pPr marL="3200400" indent="0">
               <a:buNone/>
               <a:defRPr sz="1400">
                 <a:solidFill>
@@ -1016,8 +3682,8 @@
                   </a:schemeClr>
                 </a:solidFill>
               </a:defRPr>
-            </a:lvl7pPr>
-            <a:lvl8pPr marL="3200400" indent="0">
+            </a:lvl8pPr>
+            <a:lvl9pPr marL="3657600" indent="0">
               <a:buNone/>
               <a:defRPr sz="1400">
                 <a:solidFill>
@@ -1026,22 +3692,12 @@
                   </a:schemeClr>
                 </a:solidFill>
               </a:defRPr>
-            </a:lvl8pPr>
-            <a:lvl9pPr marL="3657600" indent="0">
-              <a:buNone/>
-              <a:defRPr sz="1400">
-                <a:solidFill>
-                  <a:schemeClr val="tx1">
-                    <a:tint val="75000"/>
-                  </a:schemeClr>
-                </a:solidFill>
-              </a:defRPr>
             </a:lvl9pPr>
           </a:lstStyle>
           <a:p>
             <a:pPr lvl="0"/>
             <a:r>
-              <a:rPr lang="en-US" smtClean="0"/>
+              <a:rPr lang="en-US"/>
               <a:t>Click to edit Master text styles</a:t>
             </a:r>
           </a:p>
@@ -1064,7 +3720,7 @@
           <a:p>
             <a:fld id="{5BCAD085-E8A6-8845-BD4E-CB4CCA059FC4}" type="datetimeFigureOut">
               <a:rPr lang="en-US" smtClean="0"/>
-              <a:t>1/27/13</a:t>
+              <a:t>6/13/2025</a:t>
             </a:fld>
             <a:endParaRPr lang="en-US"/>
           </a:p>
@@ -1099,7 +3755,12 @@
             <p:ph type="sldNum" sz="quarter" idx="12"/>
           </p:nvPr>
         </p:nvSpPr>
-        <p:spPr/>
+        <p:spPr>
+          <a:xfrm>
+            <a:off x="8273317" y="6116070"/>
+            <a:ext cx="413483" cy="365125"/>
+          </a:xfrm>
+        </p:spPr>
         <p:txBody>
           <a:bodyPr/>
           <a:lstStyle/>
@@ -1115,7 +3776,7 @@
     </p:spTree>
     <p:extLst>
       <p:ext uri="{BB962C8B-B14F-4D97-AF65-F5344CB8AC3E}">
-        <p14:creationId xmlns:p14="http://schemas.microsoft.com/office/powerpoint/2010/main" val="960648375"/>
+        <p14:creationId xmlns:p14="http://schemas.microsoft.com/office/powerpoint/2010/main" val="1355126154"/>
       </p:ext>
     </p:extLst>
   </p:cSld>
@@ -1152,101 +3813,108 @@
             <p:ph type="title"/>
           </p:nvPr>
         </p:nvSpPr>
-        <p:spPr/>
-        <p:txBody>
-          <a:bodyPr/>
-          <a:lstStyle/>
-          <a:p>
-            <a:r>
-              <a:rPr lang="en-US" smtClean="0"/>
-              <a:t>Click to edit Master title style</a:t>
-            </a:r>
-            <a:endParaRPr lang="en-US"/>
-          </a:p>
-        </p:txBody>
-      </p:sp>
-      <p:sp>
-        <p:nvSpPr>
-          <p:cNvPr id="3" name="Content Placeholder 2"/>
-          <p:cNvSpPr>
-            <a:spLocks noGrp="1"/>
-          </p:cNvSpPr>
-          <p:nvPr>
-            <p:ph sz="half" idx="1"/>
-          </p:nvPr>
-        </p:nvSpPr>
         <p:spPr>
           <a:xfrm>
-            <a:off x="457200" y="1600200"/>
-            <a:ext cx="4038600" cy="4525963"/>
+            <a:off x="982133" y="685801"/>
+            <a:ext cx="7704667" cy="1752599"/>
           </a:xfrm>
         </p:spPr>
         <p:txBody>
           <a:bodyPr/>
+          <a:lstStyle/>
+          <a:p>
+            <a:r>
+              <a:rPr lang="en-US"/>
+              <a:t>Click to edit Master title style</a:t>
+            </a:r>
+            <a:endParaRPr lang="en-US" dirty="0"/>
+          </a:p>
+        </p:txBody>
+      </p:sp>
+      <p:sp>
+        <p:nvSpPr>
+          <p:cNvPr id="3" name="Content Placeholder 2"/>
+          <p:cNvSpPr>
+            <a:spLocks noGrp="1"/>
+          </p:cNvSpPr>
+          <p:nvPr>
+            <p:ph sz="half" idx="1"/>
+          </p:nvPr>
+        </p:nvSpPr>
+        <p:spPr>
+          <a:xfrm>
+            <a:off x="982133" y="2667000"/>
+            <a:ext cx="3739896" cy="3368674"/>
+          </a:xfrm>
+        </p:spPr>
+        <p:txBody>
+          <a:bodyPr>
+            <a:normAutofit/>
+          </a:bodyPr>
           <a:lstStyle>
             <a:lvl1pPr>
-              <a:defRPr sz="2800"/>
+              <a:defRPr sz="1800"/>
             </a:lvl1pPr>
             <a:lvl2pPr>
-              <a:defRPr sz="2400"/>
+              <a:defRPr sz="1600"/>
             </a:lvl2pPr>
             <a:lvl3pPr>
-              <a:defRPr sz="2000"/>
+              <a:defRPr sz="1400"/>
             </a:lvl3pPr>
             <a:lvl4pPr>
-              <a:defRPr sz="1800"/>
+              <a:defRPr sz="1200"/>
             </a:lvl4pPr>
             <a:lvl5pPr>
-              <a:defRPr sz="1800"/>
+              <a:defRPr sz="1200"/>
             </a:lvl5pPr>
             <a:lvl6pPr>
-              <a:defRPr sz="1800"/>
+              <a:defRPr sz="1200"/>
             </a:lvl6pPr>
             <a:lvl7pPr>
-              <a:defRPr sz="1800"/>
+              <a:defRPr sz="1200"/>
             </a:lvl7pPr>
             <a:lvl8pPr>
-              <a:defRPr sz="1800"/>
+              <a:defRPr sz="1200"/>
             </a:lvl8pPr>
             <a:lvl9pPr>
-              <a:defRPr sz="1800"/>
+              <a:defRPr sz="1200"/>
             </a:lvl9pPr>
           </a:lstStyle>
           <a:p>
             <a:pPr lvl="0"/>
             <a:r>
-              <a:rPr lang="en-US" smtClean="0"/>
+              <a:rPr lang="en-US"/>
               <a:t>Click to edit Master text styles</a:t>
             </a:r>
           </a:p>
           <a:p>
             <a:pPr lvl="1"/>
             <a:r>
-              <a:rPr lang="en-US" smtClean="0"/>
+              <a:rPr lang="en-US"/>
               <a:t>Second level</a:t>
             </a:r>
           </a:p>
           <a:p>
             <a:pPr lvl="2"/>
             <a:r>
-              <a:rPr lang="en-US" smtClean="0"/>
+              <a:rPr lang="en-US"/>
               <a:t>Third level</a:t>
             </a:r>
           </a:p>
           <a:p>
             <a:pPr lvl="3"/>
             <a:r>
-              <a:rPr lang="en-US" smtClean="0"/>
+              <a:rPr lang="en-US"/>
               <a:t>Fourth level</a:t>
             </a:r>
           </a:p>
           <a:p>
             <a:pPr lvl="4"/>
             <a:r>
-              <a:rPr lang="en-US" smtClean="0"/>
+              <a:rPr lang="en-US"/>
               <a:t>Fifth level</a:t>
             </a:r>
-            <a:endParaRPr lang="en-US"/>
+            <a:endParaRPr lang="en-US" dirty="0"/>
           </a:p>
         </p:txBody>
       </p:sp>
@@ -1262,76 +3930,78 @@
         </p:nvSpPr>
         <p:spPr>
           <a:xfrm>
-            <a:off x="4648200" y="1600200"/>
-            <a:ext cx="4038600" cy="4525963"/>
+            <a:off x="4946904" y="2667000"/>
+            <a:ext cx="3739896" cy="3346824"/>
           </a:xfrm>
         </p:spPr>
         <p:txBody>
-          <a:bodyPr/>
+          <a:bodyPr>
+            <a:normAutofit/>
+          </a:bodyPr>
           <a:lstStyle>
             <a:lvl1pPr>
-              <a:defRPr sz="2800"/>
+              <a:defRPr sz="1800"/>
             </a:lvl1pPr>
             <a:lvl2pPr>
-              <a:defRPr sz="2400"/>
+              <a:defRPr sz="1600"/>
             </a:lvl2pPr>
             <a:lvl3pPr>
-              <a:defRPr sz="2000"/>
+              <a:defRPr sz="1400"/>
             </a:lvl3pPr>
             <a:lvl4pPr>
-              <a:defRPr sz="1800"/>
+              <a:defRPr sz="1200"/>
             </a:lvl4pPr>
             <a:lvl5pPr>
-              <a:defRPr sz="1800"/>
+              <a:defRPr sz="1200"/>
             </a:lvl5pPr>
             <a:lvl6pPr>
-              <a:defRPr sz="1800"/>
+              <a:defRPr sz="1200"/>
             </a:lvl6pPr>
             <a:lvl7pPr>
-              <a:defRPr sz="1800"/>
+              <a:defRPr sz="1200"/>
             </a:lvl7pPr>
             <a:lvl8pPr>
-              <a:defRPr sz="1800"/>
+              <a:defRPr sz="1200"/>
             </a:lvl8pPr>
             <a:lvl9pPr>
-              <a:defRPr sz="1800"/>
+              <a:defRPr sz="1200"/>
             </a:lvl9pPr>
           </a:lstStyle>
           <a:p>
             <a:pPr lvl="0"/>
             <a:r>
-              <a:rPr lang="en-US" smtClean="0"/>
+              <a:rPr lang="en-US"/>
               <a:t>Click to edit Master text styles</a:t>
             </a:r>
           </a:p>
           <a:p>
             <a:pPr lvl="1"/>
             <a:r>
-              <a:rPr lang="en-US" smtClean="0"/>
+              <a:rPr lang="en-US"/>
               <a:t>Second level</a:t>
             </a:r>
           </a:p>
           <a:p>
             <a:pPr lvl="2"/>
             <a:r>
-              <a:rPr lang="en-US" smtClean="0"/>
+              <a:rPr lang="en-US"/>
               <a:t>Third level</a:t>
             </a:r>
           </a:p>
           <a:p>
             <a:pPr lvl="3"/>
             <a:r>
-              <a:rPr lang="en-US" smtClean="0"/>
+              <a:rPr lang="en-US"/>
               <a:t>Fourth level</a:t>
             </a:r>
           </a:p>
           <a:p>
             <a:pPr lvl="4"/>
             <a:r>
-              <a:rPr lang="en-US" smtClean="0"/>
+              <a:rPr lang="en-US"/>
               <a:t>Fifth level</a:t>
             </a:r>
-            <a:endParaRPr lang="en-US"/>
+            <a:endParaRPr lang="en-US" dirty="0"/>
           </a:p>
         </p:txBody>
       </p:sp>
@@ -1352,7 +4022,7 @@
           <a:p>
             <a:fld id="{5BCAD085-E8A6-8845-BD4E-CB4CCA059FC4}" type="datetimeFigureOut">
               <a:rPr lang="en-US" smtClean="0"/>
-              <a:t>1/27/13</a:t>
+              <a:t>6/13/2025</a:t>
             </a:fld>
             <a:endParaRPr lang="en-US"/>
           </a:p>
@@ -1403,7 +4073,7 @@
     </p:spTree>
     <p:extLst>
       <p:ext uri="{BB962C8B-B14F-4D97-AF65-F5344CB8AC3E}">
-        <p14:creationId xmlns:p14="http://schemas.microsoft.com/office/powerpoint/2010/main" val="2782244947"/>
+        <p14:creationId xmlns:p14="http://schemas.microsoft.com/office/powerpoint/2010/main" val="466842184"/>
       </p:ext>
     </p:extLst>
   </p:cSld>
@@ -1450,10 +4120,10 @@
           </a:lstStyle>
           <a:p>
             <a:r>
-              <a:rPr lang="en-US" smtClean="0"/>
+              <a:rPr lang="en-US"/>
               <a:t>Click to edit Master title style</a:t>
             </a:r>
-            <a:endParaRPr lang="en-US"/>
+            <a:endParaRPr lang="en-US" dirty="0"/>
           </a:p>
         </p:txBody>
       </p:sp>
@@ -1469,16 +4139,24 @@
         </p:nvSpPr>
         <p:spPr>
           <a:xfrm>
-            <a:off x="457200" y="1535113"/>
-            <a:ext cx="4040188" cy="639762"/>
+            <a:off x="1329481" y="2658533"/>
+            <a:ext cx="3456291" cy="576262"/>
           </a:xfrm>
         </p:spPr>
         <p:txBody>
-          <a:bodyPr anchor="b"/>
+          <a:bodyPr anchor="b">
+            <a:noAutofit/>
+          </a:bodyPr>
           <a:lstStyle>
             <a:lvl1pPr marL="0" indent="0">
               <a:buNone/>
-              <a:defRPr sz="2400" b="1"/>
+              <a:defRPr sz="2800" b="0">
+                <a:solidFill>
+                  <a:schemeClr val="accent1">
+                    <a:lumMod val="75000"/>
+                  </a:schemeClr>
+                </a:solidFill>
+              </a:defRPr>
             </a:lvl1pPr>
             <a:lvl2pPr marL="457200" indent="0">
               <a:buNone/>
@@ -1516,7 +4194,7 @@
           <a:p>
             <a:pPr lvl="0"/>
             <a:r>
-              <a:rPr lang="en-US" smtClean="0"/>
+              <a:rPr lang="en-US"/>
               <a:t>Click to edit Master text styles</a:t>
             </a:r>
           </a:p>
@@ -1534,76 +4212,78 @@
         </p:nvSpPr>
         <p:spPr>
           <a:xfrm>
-            <a:off x="457200" y="2174875"/>
-            <a:ext cx="4040188" cy="3951288"/>
+            <a:off x="1113523" y="3335336"/>
+            <a:ext cx="3672248" cy="2665259"/>
           </a:xfrm>
         </p:spPr>
         <p:txBody>
-          <a:bodyPr/>
+          <a:bodyPr anchor="t">
+            <a:normAutofit/>
+          </a:bodyPr>
           <a:lstStyle>
             <a:lvl1pPr>
-              <a:defRPr sz="2400"/>
+              <a:defRPr sz="1800"/>
             </a:lvl1pPr>
             <a:lvl2pPr>
-              <a:defRPr sz="2000"/>
+              <a:defRPr sz="1600"/>
             </a:lvl2pPr>
             <a:lvl3pPr>
-              <a:defRPr sz="1800"/>
+              <a:defRPr sz="1400"/>
             </a:lvl3pPr>
             <a:lvl4pPr>
-              <a:defRPr sz="1600"/>
+              <a:defRPr sz="1200"/>
             </a:lvl4pPr>
             <a:lvl5pPr>
-              <a:defRPr sz="1600"/>
+              <a:defRPr sz="1200"/>
             </a:lvl5pPr>
             <a:lvl6pPr>
-              <a:defRPr sz="1600"/>
+              <a:defRPr sz="1200"/>
             </a:lvl6pPr>
             <a:lvl7pPr>
-              <a:defRPr sz="1600"/>
+              <a:defRPr sz="1200"/>
             </a:lvl7pPr>
             <a:lvl8pPr>
-              <a:defRPr sz="1600"/>
+              <a:defRPr sz="1200"/>
             </a:lvl8pPr>
             <a:lvl9pPr>
-              <a:defRPr sz="1600"/>
+              <a:defRPr sz="1200"/>
             </a:lvl9pPr>
           </a:lstStyle>
           <a:p>
             <a:pPr lvl="0"/>
             <a:r>
-              <a:rPr lang="en-US" smtClean="0"/>
+              <a:rPr lang="en-US"/>
               <a:t>Click to edit Master text styles</a:t>
             </a:r>
           </a:p>
           <a:p>
             <a:pPr lvl="1"/>
             <a:r>
-              <a:rPr lang="en-US" smtClean="0"/>
+              <a:rPr lang="en-US"/>
               <a:t>Second level</a:t>
             </a:r>
           </a:p>
           <a:p>
             <a:pPr lvl="2"/>
             <a:r>
-              <a:rPr lang="en-US" smtClean="0"/>
+              <a:rPr lang="en-US"/>
               <a:t>Third level</a:t>
             </a:r>
           </a:p>
           <a:p>
             <a:pPr lvl="3"/>
             <a:r>
-              <a:rPr lang="en-US" smtClean="0"/>
+              <a:rPr lang="en-US"/>
               <a:t>Fourth level</a:t>
             </a:r>
           </a:p>
           <a:p>
             <a:pPr lvl="4"/>
             <a:r>
-              <a:rPr lang="en-US" smtClean="0"/>
+              <a:rPr lang="en-US"/>
               <a:t>Fifth level</a:t>
             </a:r>
-            <a:endParaRPr lang="en-US"/>
+            <a:endParaRPr lang="en-US" dirty="0"/>
           </a:p>
         </p:txBody>
       </p:sp>
@@ -1619,16 +4299,24 @@
         </p:nvSpPr>
         <p:spPr>
           <a:xfrm>
-            <a:off x="4645025" y="1535113"/>
-            <a:ext cx="4041775" cy="639762"/>
+            <a:off x="5161710" y="2667000"/>
+            <a:ext cx="3467806" cy="576262"/>
           </a:xfrm>
         </p:spPr>
         <p:txBody>
-          <a:bodyPr anchor="b"/>
+          <a:bodyPr anchor="b">
+            <a:noAutofit/>
+          </a:bodyPr>
           <a:lstStyle>
             <a:lvl1pPr marL="0" indent="0">
               <a:buNone/>
-              <a:defRPr sz="2400" b="1"/>
+              <a:defRPr sz="2800" b="0">
+                <a:solidFill>
+                  <a:schemeClr val="accent1">
+                    <a:lumMod val="75000"/>
+                  </a:schemeClr>
+                </a:solidFill>
+              </a:defRPr>
             </a:lvl1pPr>
             <a:lvl2pPr marL="457200" indent="0">
               <a:buNone/>
@@ -1666,7 +4354,7 @@
           <a:p>
             <a:pPr lvl="0"/>
             <a:r>
-              <a:rPr lang="en-US" smtClean="0"/>
+              <a:rPr lang="en-US"/>
               <a:t>Click to edit Master text styles</a:t>
             </a:r>
           </a:p>
@@ -1684,76 +4372,78 @@
         </p:nvSpPr>
         <p:spPr>
           <a:xfrm>
-            <a:off x="4645025" y="2174875"/>
-            <a:ext cx="4041775" cy="3951288"/>
+            <a:off x="4957266" y="3335336"/>
+            <a:ext cx="3672248" cy="2665259"/>
           </a:xfrm>
         </p:spPr>
         <p:txBody>
-          <a:bodyPr/>
+          <a:bodyPr anchor="t">
+            <a:normAutofit/>
+          </a:bodyPr>
           <a:lstStyle>
             <a:lvl1pPr>
-              <a:defRPr sz="2400"/>
+              <a:defRPr sz="1800"/>
             </a:lvl1pPr>
             <a:lvl2pPr>
-              <a:defRPr sz="2000"/>
+              <a:defRPr sz="1600"/>
             </a:lvl2pPr>
             <a:lvl3pPr>
-              <a:defRPr sz="1800"/>
+              <a:defRPr sz="1400"/>
             </a:lvl3pPr>
             <a:lvl4pPr>
-              <a:defRPr sz="1600"/>
+              <a:defRPr sz="1200"/>
             </a:lvl4pPr>
             <a:lvl5pPr>
-              <a:defRPr sz="1600"/>
+              <a:defRPr sz="1200"/>
             </a:lvl5pPr>
             <a:lvl6pPr>
-              <a:defRPr sz="1600"/>
+              <a:defRPr sz="1200"/>
             </a:lvl6pPr>
             <a:lvl7pPr>
-              <a:defRPr sz="1600"/>
+              <a:defRPr sz="1200"/>
             </a:lvl7pPr>
             <a:lvl8pPr>
-              <a:defRPr sz="1600"/>
+              <a:defRPr sz="1200"/>
             </a:lvl8pPr>
             <a:lvl9pPr>
-              <a:defRPr sz="1600"/>
+              <a:defRPr sz="1200"/>
             </a:lvl9pPr>
           </a:lstStyle>
           <a:p>
             <a:pPr lvl="0"/>
             <a:r>
-              <a:rPr lang="en-US" smtClean="0"/>
+              <a:rPr lang="en-US"/>
               <a:t>Click to edit Master text styles</a:t>
             </a:r>
           </a:p>
           <a:p>
             <a:pPr lvl="1"/>
             <a:r>
-              <a:rPr lang="en-US" smtClean="0"/>
+              <a:rPr lang="en-US"/>
               <a:t>Second level</a:t>
             </a:r>
           </a:p>
           <a:p>
             <a:pPr lvl="2"/>
             <a:r>
-              <a:rPr lang="en-US" smtClean="0"/>
+              <a:rPr lang="en-US"/>
               <a:t>Third level</a:t>
             </a:r>
           </a:p>
           <a:p>
             <a:pPr lvl="3"/>
             <a:r>
-              <a:rPr lang="en-US" smtClean="0"/>
+              <a:rPr lang="en-US"/>
               <a:t>Fourth level</a:t>
             </a:r>
           </a:p>
           <a:p>
             <a:pPr lvl="4"/>
             <a:r>
-              <a:rPr lang="en-US" smtClean="0"/>
+              <a:rPr lang="en-US"/>
               <a:t>Fifth level</a:t>
             </a:r>
-            <a:endParaRPr lang="en-US"/>
+            <a:endParaRPr lang="en-US" dirty="0"/>
           </a:p>
         </p:txBody>
       </p:sp>
@@ -1774,7 +4464,7 @@
           <a:p>
             <a:fld id="{5BCAD085-E8A6-8845-BD4E-CB4CCA059FC4}" type="datetimeFigureOut">
               <a:rPr lang="en-US" smtClean="0"/>
-              <a:t>1/27/13</a:t>
+              <a:t>6/13/2025</a:t>
             </a:fld>
             <a:endParaRPr lang="en-US"/>
           </a:p>
@@ -1825,7 +4515,7 @@
     </p:spTree>
     <p:extLst>
       <p:ext uri="{BB962C8B-B14F-4D97-AF65-F5344CB8AC3E}">
-        <p14:creationId xmlns:p14="http://schemas.microsoft.com/office/powerpoint/2010/main" val="990158736"/>
+        <p14:creationId xmlns:p14="http://schemas.microsoft.com/office/powerpoint/2010/main" val="4012975607"/>
       </p:ext>
     </p:extLst>
   </p:cSld>
@@ -1868,10 +4558,10 @@
           <a:lstStyle/>
           <a:p>
             <a:r>
-              <a:rPr lang="en-US" smtClean="0"/>
+              <a:rPr lang="en-US"/>
               <a:t>Click to edit Master title style</a:t>
             </a:r>
-            <a:endParaRPr lang="en-US"/>
+            <a:endParaRPr lang="en-US" dirty="0"/>
           </a:p>
         </p:txBody>
       </p:sp>
@@ -1892,7 +4582,7 @@
           <a:p>
             <a:fld id="{5BCAD085-E8A6-8845-BD4E-CB4CCA059FC4}" type="datetimeFigureOut">
               <a:rPr lang="en-US" smtClean="0"/>
-              <a:t>1/27/13</a:t>
+              <a:t>6/13/2025</a:t>
             </a:fld>
             <a:endParaRPr lang="en-US"/>
           </a:p>
@@ -1943,7 +4633,7 @@
     </p:spTree>
     <p:extLst>
       <p:ext uri="{BB962C8B-B14F-4D97-AF65-F5344CB8AC3E}">
-        <p14:creationId xmlns:p14="http://schemas.microsoft.com/office/powerpoint/2010/main" val="727027711"/>
+        <p14:creationId xmlns:p14="http://schemas.microsoft.com/office/powerpoint/2010/main" val="2269643561"/>
       </p:ext>
     </p:extLst>
   </p:cSld>
@@ -1987,7 +4677,7 @@
           <a:p>
             <a:fld id="{5BCAD085-E8A6-8845-BD4E-CB4CCA059FC4}" type="datetimeFigureOut">
               <a:rPr lang="en-US" smtClean="0"/>
-              <a:t>1/27/13</a:t>
+              <a:t>6/13/2025</a:t>
             </a:fld>
             <a:endParaRPr lang="en-US"/>
           </a:p>
@@ -2038,7 +4728,7 @@
     </p:spTree>
     <p:extLst>
       <p:ext uri="{BB962C8B-B14F-4D97-AF65-F5344CB8AC3E}">
-        <p14:creationId xmlns:p14="http://schemas.microsoft.com/office/powerpoint/2010/main" val="1212999818"/>
+        <p14:creationId xmlns:p14="http://schemas.microsoft.com/office/powerpoint/2010/main" val="613300161"/>
       </p:ext>
     </p:extLst>
   </p:cSld>
@@ -2077,23 +4767,25 @@
         </p:nvSpPr>
         <p:spPr>
           <a:xfrm>
-            <a:off x="457200" y="273050"/>
-            <a:ext cx="3008313" cy="1162050"/>
+            <a:off x="1113524" y="1600200"/>
+            <a:ext cx="2662534" cy="1371600"/>
           </a:xfrm>
         </p:spPr>
         <p:txBody>
-          <a:bodyPr anchor="b"/>
+          <a:bodyPr anchor="b">
+            <a:normAutofit/>
+          </a:bodyPr>
           <a:lstStyle>
-            <a:lvl1pPr algn="l">
-              <a:defRPr sz="2000" b="1"/>
+            <a:lvl1pPr algn="ctr">
+              <a:defRPr sz="2400" b="0"/>
             </a:lvl1pPr>
           </a:lstStyle>
           <a:p>
             <a:r>
-              <a:rPr lang="en-US" smtClean="0"/>
+              <a:rPr lang="en-US"/>
               <a:t>Click to edit Master title style</a:t>
             </a:r>
-            <a:endParaRPr lang="en-US"/>
+            <a:endParaRPr lang="en-US" dirty="0"/>
           </a:p>
         </p:txBody>
       </p:sp>
@@ -2109,76 +4801,78 @@
         </p:nvSpPr>
         <p:spPr>
           <a:xfrm>
-            <a:off x="3575050" y="273050"/>
-            <a:ext cx="5111750" cy="5853113"/>
+            <a:off x="3947553" y="685800"/>
+            <a:ext cx="4681962" cy="5105401"/>
           </a:xfrm>
         </p:spPr>
         <p:txBody>
-          <a:bodyPr/>
+          <a:bodyPr anchor="ctr">
+            <a:normAutofit/>
+          </a:bodyPr>
           <a:lstStyle>
             <a:lvl1pPr>
-              <a:defRPr sz="3200"/>
+              <a:defRPr sz="2000"/>
             </a:lvl1pPr>
             <a:lvl2pPr>
-              <a:defRPr sz="2800"/>
+              <a:defRPr sz="1800"/>
             </a:lvl2pPr>
             <a:lvl3pPr>
-              <a:defRPr sz="2400"/>
+              <a:defRPr sz="1600"/>
             </a:lvl3pPr>
             <a:lvl4pPr>
-              <a:defRPr sz="2000"/>
+              <a:defRPr sz="1400"/>
             </a:lvl4pPr>
             <a:lvl5pPr>
-              <a:defRPr sz="2000"/>
+              <a:defRPr sz="1400"/>
             </a:lvl5pPr>
             <a:lvl6pPr>
-              <a:defRPr sz="2000"/>
+              <a:defRPr sz="1400"/>
             </a:lvl6pPr>
             <a:lvl7pPr>
-              <a:defRPr sz="2000"/>
+              <a:defRPr sz="1400"/>
             </a:lvl7pPr>
             <a:lvl8pPr>
-              <a:defRPr sz="2000"/>
+              <a:defRPr sz="1400"/>
             </a:lvl8pPr>
             <a:lvl9pPr>
-              <a:defRPr sz="2000"/>
+              <a:defRPr sz="1400"/>
             </a:lvl9pPr>
           </a:lstStyle>
           <a:p>
             <a:pPr lvl="0"/>
             <a:r>
-              <a:rPr lang="en-US" smtClean="0"/>
+              <a:rPr lang="en-US"/>
               <a:t>Click to edit Master text styles</a:t>
             </a:r>
           </a:p>
           <a:p>
             <a:pPr lvl="1"/>
             <a:r>
-              <a:rPr lang="en-US" smtClean="0"/>
+              <a:rPr lang="en-US"/>
               <a:t>Second level</a:t>
             </a:r>
           </a:p>
           <a:p>
             <a:pPr lvl="2"/>
             <a:r>
-              <a:rPr lang="en-US" smtClean="0"/>
+              <a:rPr lang="en-US"/>
               <a:t>Third level</a:t>
             </a:r>
           </a:p>
           <a:p>
             <a:pPr lvl="3"/>
             <a:r>
-              <a:rPr lang="en-US" smtClean="0"/>
+              <a:rPr lang="en-US"/>
               <a:t>Fourth level</a:t>
             </a:r>
           </a:p>
           <a:p>
             <a:pPr lvl="4"/>
             <a:r>
-              <a:rPr lang="en-US" smtClean="0"/>
+              <a:rPr lang="en-US"/>
               <a:t>Fifth level</a:t>
             </a:r>
-            <a:endParaRPr lang="en-US"/>
+            <a:endParaRPr lang="en-US" dirty="0"/>
           </a:p>
         </p:txBody>
       </p:sp>
@@ -2194,16 +4888,18 @@
         </p:nvSpPr>
         <p:spPr>
           <a:xfrm>
-            <a:off x="457200" y="1435100"/>
-            <a:ext cx="3008313" cy="4691063"/>
+            <a:off x="1113524" y="2971800"/>
+            <a:ext cx="2662534" cy="1828800"/>
           </a:xfrm>
         </p:spPr>
         <p:txBody>
-          <a:bodyPr/>
+          <a:bodyPr>
+            <a:normAutofit/>
+          </a:bodyPr>
           <a:lstStyle>
-            <a:lvl1pPr marL="0" indent="0">
-              <a:buNone/>
-              <a:defRPr sz="1400"/>
+            <a:lvl1pPr marL="0" indent="0" algn="ctr">
+              <a:buNone/>
+              <a:defRPr sz="1600"/>
             </a:lvl1pPr>
             <a:lvl2pPr marL="457200" indent="0">
               <a:buNone/>
@@ -2241,7 +4937,7 @@
           <a:p>
             <a:pPr lvl="0"/>
             <a:r>
-              <a:rPr lang="en-US" smtClean="0"/>
+              <a:rPr lang="en-US"/>
               <a:t>Click to edit Master text styles</a:t>
             </a:r>
           </a:p>
@@ -2264,7 +4960,7 @@
           <a:p>
             <a:fld id="{5BCAD085-E8A6-8845-BD4E-CB4CCA059FC4}" type="datetimeFigureOut">
               <a:rPr lang="en-US" smtClean="0"/>
-              <a:t>1/27/13</a:t>
+              <a:t>6/13/2025</a:t>
             </a:fld>
             <a:endParaRPr lang="en-US"/>
           </a:p>
@@ -2315,7 +5011,7 @@
     </p:spTree>
     <p:extLst>
       <p:ext uri="{BB962C8B-B14F-4D97-AF65-F5344CB8AC3E}">
-        <p14:creationId xmlns:p14="http://schemas.microsoft.com/office/powerpoint/2010/main" val="1840726560"/>
+        <p14:creationId xmlns:p14="http://schemas.microsoft.com/office/powerpoint/2010/main" val="462902236"/>
       </p:ext>
     </p:extLst>
   </p:cSld>
@@ -2354,31 +5050,33 @@
         </p:nvSpPr>
         <p:spPr>
           <a:xfrm>
-            <a:off x="1792288" y="4800600"/>
-            <a:ext cx="5486400" cy="566738"/>
+            <a:off x="1112332" y="1752599"/>
+            <a:ext cx="4070679" cy="1371600"/>
           </a:xfrm>
         </p:spPr>
         <p:txBody>
-          <a:bodyPr anchor="b"/>
+          <a:bodyPr anchor="b">
+            <a:normAutofit/>
+          </a:bodyPr>
           <a:lstStyle>
-            <a:lvl1pPr algn="l">
-              <a:defRPr sz="2000" b="1"/>
+            <a:lvl1pPr algn="ctr">
+              <a:defRPr sz="2800" b="0"/>
             </a:lvl1pPr>
           </a:lstStyle>
           <a:p>
             <a:r>
-              <a:rPr lang="en-US" smtClean="0"/>
+              <a:rPr lang="en-US"/>
               <a:t>Click to edit Master title style</a:t>
             </a:r>
-            <a:endParaRPr lang="en-US"/>
-          </a:p>
-        </p:txBody>
-      </p:sp>
-      <p:sp>
-        <p:nvSpPr>
-          <p:cNvPr id="3" name="Picture Placeholder 2"/>
-          <p:cNvSpPr>
-            <a:spLocks noGrp="1"/>
+            <a:endParaRPr lang="en-US" dirty="0"/>
+          </a:p>
+        </p:txBody>
+      </p:sp>
+      <p:sp>
+        <p:nvSpPr>
+          <p:cNvPr id="14" name="Picture Placeholder 2"/>
+          <p:cNvSpPr>
+            <a:spLocks noGrp="1" noChangeAspect="1"/>
           </p:cNvSpPr>
           <p:nvPr>
             <p:ph type="pic" idx="1"/>
@@ -2386,77 +5084,113 @@
         </p:nvSpPr>
         <p:spPr>
           <a:xfrm>
-            <a:off x="1792288" y="612775"/>
-            <a:ext cx="5486400" cy="4114800"/>
+            <a:off x="5697495" y="914400"/>
+            <a:ext cx="2461371" cy="4572000"/>
+          </a:xfrm>
+          <a:prstGeom prst="roundRect">
+            <a:avLst>
+              <a:gd name="adj" fmla="val 4280"/>
+            </a:avLst>
+          </a:prstGeom>
+          <a:ln w="38100">
+            <a:gradFill flip="none" rotWithShape="1">
+              <a:gsLst>
+                <a:gs pos="0">
+                  <a:schemeClr val="bg2"/>
+                </a:gs>
+                <a:gs pos="100000">
+                  <a:schemeClr val="bg2">
+                    <a:lumMod val="75000"/>
+                  </a:schemeClr>
+                </a:gs>
+              </a:gsLst>
+              <a:lin ang="5400000" scaled="0"/>
+              <a:tileRect/>
+            </a:gradFill>
+          </a:ln>
+          <a:effectLst>
+            <a:innerShdw blurRad="57150" dist="38100" dir="14460000">
+              <a:srgbClr val="000000">
+                <a:alpha val="70000"/>
+              </a:srgbClr>
+            </a:innerShdw>
+          </a:effectLst>
+        </p:spPr>
+        <p:txBody>
+          <a:bodyPr anchor="t">
+            <a:normAutofit/>
+          </a:bodyPr>
+          <a:lstStyle>
+            <a:lvl1pPr marL="0" indent="0" algn="ctr">
+              <a:buNone/>
+              <a:defRPr sz="1600"/>
+            </a:lvl1pPr>
+            <a:lvl2pPr marL="457200" indent="0">
+              <a:buNone/>
+              <a:defRPr sz="1600"/>
+            </a:lvl2pPr>
+            <a:lvl3pPr marL="914400" indent="0">
+              <a:buNone/>
+              <a:defRPr sz="1600"/>
+            </a:lvl3pPr>
+            <a:lvl4pPr marL="1371600" indent="0">
+              <a:buNone/>
+              <a:defRPr sz="1600"/>
+            </a:lvl4pPr>
+            <a:lvl5pPr marL="1828800" indent="0">
+              <a:buNone/>
+              <a:defRPr sz="1600"/>
+            </a:lvl5pPr>
+            <a:lvl6pPr marL="2286000" indent="0">
+              <a:buNone/>
+              <a:defRPr sz="1600"/>
+            </a:lvl6pPr>
+            <a:lvl7pPr marL="2743200" indent="0">
+              <a:buNone/>
+              <a:defRPr sz="1600"/>
+            </a:lvl7pPr>
+            <a:lvl8pPr marL="3200400" indent="0">
+              <a:buNone/>
+              <a:defRPr sz="1600"/>
+            </a:lvl8pPr>
+            <a:lvl9pPr marL="3657600" indent="0">
+              <a:buNone/>
+              <a:defRPr sz="1600"/>
+            </a:lvl9pPr>
+          </a:lstStyle>
+          <a:p>
+            <a:r>
+              <a:rPr lang="en-US"/>
+              <a:t>Click icon to add picture</a:t>
+            </a:r>
+            <a:endParaRPr lang="en-US" dirty="0"/>
+          </a:p>
+        </p:txBody>
+      </p:sp>
+      <p:sp>
+        <p:nvSpPr>
+          <p:cNvPr id="4" name="Text Placeholder 3"/>
+          <p:cNvSpPr>
+            <a:spLocks noGrp="1"/>
+          </p:cNvSpPr>
+          <p:nvPr>
+            <p:ph type="body" sz="half" idx="2"/>
+          </p:nvPr>
+        </p:nvSpPr>
+        <p:spPr>
+          <a:xfrm>
+            <a:off x="1112332" y="3124199"/>
+            <a:ext cx="4070679" cy="1828800"/>
           </a:xfrm>
         </p:spPr>
         <p:txBody>
-          <a:bodyPr/>
+          <a:bodyPr>
+            <a:normAutofit/>
+          </a:bodyPr>
           <a:lstStyle>
-            <a:lvl1pPr marL="0" indent="0">
-              <a:buNone/>
-              <a:defRPr sz="3200"/>
-            </a:lvl1pPr>
-            <a:lvl2pPr marL="457200" indent="0">
-              <a:buNone/>
-              <a:defRPr sz="2800"/>
-            </a:lvl2pPr>
-            <a:lvl3pPr marL="914400" indent="0">
-              <a:buNone/>
-              <a:defRPr sz="2400"/>
-            </a:lvl3pPr>
-            <a:lvl4pPr marL="1371600" indent="0">
-              <a:buNone/>
-              <a:defRPr sz="2000"/>
-            </a:lvl4pPr>
-            <a:lvl5pPr marL="1828800" indent="0">
-              <a:buNone/>
-              <a:defRPr sz="2000"/>
-            </a:lvl5pPr>
-            <a:lvl6pPr marL="2286000" indent="0">
-              <a:buNone/>
-              <a:defRPr sz="2000"/>
-            </a:lvl6pPr>
-            <a:lvl7pPr marL="2743200" indent="0">
-              <a:buNone/>
-              <a:defRPr sz="2000"/>
-            </a:lvl7pPr>
-            <a:lvl8pPr marL="3200400" indent="0">
-              <a:buNone/>
-              <a:defRPr sz="2000"/>
-            </a:lvl8pPr>
-            <a:lvl9pPr marL="3657600" indent="0">
-              <a:buNone/>
-              <a:defRPr sz="2000"/>
-            </a:lvl9pPr>
-          </a:lstStyle>
-          <a:p>
-            <a:endParaRPr lang="en-US"/>
-          </a:p>
-        </p:txBody>
-      </p:sp>
-      <p:sp>
-        <p:nvSpPr>
-          <p:cNvPr id="4" name="Text Placeholder 3"/>
-          <p:cNvSpPr>
-            <a:spLocks noGrp="1"/>
-          </p:cNvSpPr>
-          <p:nvPr>
-            <p:ph type="body" sz="half" idx="2"/>
-          </p:nvPr>
-        </p:nvSpPr>
-        <p:spPr>
-          <a:xfrm>
-            <a:off x="1792288" y="5367338"/>
-            <a:ext cx="5486400" cy="804862"/>
-          </a:xfrm>
-        </p:spPr>
-        <p:txBody>
-          <a:bodyPr/>
-          <a:lstStyle>
-            <a:lvl1pPr marL="0" indent="0">
-              <a:buNone/>
-              <a:defRPr sz="1400"/>
+            <a:lvl1pPr marL="0" indent="0" algn="ctr">
+              <a:buNone/>
+              <a:defRPr sz="1800"/>
             </a:lvl1pPr>
             <a:lvl2pPr marL="457200" indent="0">
               <a:buNone/>
@@ -2494,7 +5228,7 @@
           <a:p>
             <a:pPr lvl="0"/>
             <a:r>
-              <a:rPr lang="en-US" smtClean="0"/>
+              <a:rPr lang="en-US"/>
               <a:t>Click to edit Master text styles</a:t>
             </a:r>
           </a:p>
@@ -2517,7 +5251,7 @@
           <a:p>
             <a:fld id="{5BCAD085-E8A6-8845-BD4E-CB4CCA059FC4}" type="datetimeFigureOut">
               <a:rPr lang="en-US" smtClean="0"/>
-              <a:t>1/27/13</a:t>
+              <a:t>6/13/2025</a:t>
             </a:fld>
             <a:endParaRPr lang="en-US"/>
           </a:p>
@@ -2538,7 +5272,7 @@
           <a:bodyPr/>
           <a:lstStyle/>
           <a:p>
-            <a:endParaRPr lang="en-US"/>
+            <a:endParaRPr lang="en-US" dirty="0"/>
           </a:p>
         </p:txBody>
       </p:sp>
@@ -2568,7 +5302,7 @@
     </p:spTree>
     <p:extLst>
       <p:ext uri="{BB962C8B-B14F-4D97-AF65-F5344CB8AC3E}">
-        <p14:creationId xmlns:p14="http://schemas.microsoft.com/office/powerpoint/2010/main" val="3889236939"/>
+        <p14:creationId xmlns:p14="http://schemas.microsoft.com/office/powerpoint/2010/main" val="3536914747"/>
       </p:ext>
     </p:extLst>
   </p:cSld>
@@ -2582,8 +5316,8 @@
 <p:sldMaster xmlns:a="http://schemas.openxmlformats.org/drawingml/2006/main" xmlns:r="http://schemas.openxmlformats.org/officeDocument/2006/relationships" xmlns:p="http://schemas.openxmlformats.org/presentationml/2006/main">
   <p:cSld>
     <p:bg>
-      <p:bgRef idx="1001">
-        <a:schemeClr val="bg1"/>
+      <p:bgRef idx="1003">
+        <a:schemeClr val="bg2"/>
       </p:bgRef>
     </p:bg>
     <p:spTree>
@@ -2600,6 +5334,316 @@
           <a:chExt cx="0" cy="0"/>
         </a:xfrm>
       </p:grpSpPr>
+      <p:grpSp>
+        <p:nvGrpSpPr>
+          <p:cNvPr id="14" name="Group 13"/>
+          <p:cNvGrpSpPr/>
+          <p:nvPr/>
+        </p:nvGrpSpPr>
+        <p:grpSpPr>
+          <a:xfrm>
+            <a:off x="0" y="0"/>
+            <a:ext cx="2132013" cy="6858001"/>
+            <a:chOff x="0" y="0"/>
+            <a:chExt cx="2132013" cy="6858001"/>
+          </a:xfrm>
+        </p:grpSpPr>
+        <p:sp>
+          <p:nvSpPr>
+            <p:cNvPr id="15" name="Freeform 6"/>
+            <p:cNvSpPr/>
+            <p:nvPr/>
+          </p:nvSpPr>
+          <p:spPr bwMode="auto">
+            <a:xfrm>
+              <a:off x="0" y="0"/>
+              <a:ext cx="1073150" cy="5291138"/>
+            </a:xfrm>
+            <a:custGeom>
+              <a:avLst/>
+              <a:gdLst/>
+              <a:ahLst/>
+              <a:cxnLst/>
+              <a:rect l="0" t="0" r="r" b="b"/>
+              <a:pathLst>
+                <a:path w="676" h="3333">
+                  <a:moveTo>
+                    <a:pt x="0" y="3132"/>
+                  </a:moveTo>
+                  <a:lnTo>
+                    <a:pt x="0" y="3312"/>
+                  </a:lnTo>
+                  <a:lnTo>
+                    <a:pt x="126" y="3333"/>
+                  </a:lnTo>
+                  <a:lnTo>
+                    <a:pt x="676" y="0"/>
+                  </a:lnTo>
+                  <a:lnTo>
+                    <a:pt x="514" y="0"/>
+                  </a:lnTo>
+                  <a:lnTo>
+                    <a:pt x="0" y="3132"/>
+                  </a:lnTo>
+                  <a:close/>
+                </a:path>
+              </a:pathLst>
+            </a:custGeom>
+            <a:solidFill>
+              <a:schemeClr val="accent1"/>
+            </a:solidFill>
+            <a:ln>
+              <a:noFill/>
+            </a:ln>
+          </p:spPr>
+        </p:sp>
+        <p:sp>
+          <p:nvSpPr>
+            <p:cNvPr id="16" name="Freeform 7"/>
+            <p:cNvSpPr/>
+            <p:nvPr/>
+          </p:nvSpPr>
+          <p:spPr bwMode="auto">
+            <a:xfrm>
+              <a:off x="0" y="0"/>
+              <a:ext cx="758825" cy="4624388"/>
+            </a:xfrm>
+            <a:custGeom>
+              <a:avLst/>
+              <a:gdLst/>
+              <a:ahLst/>
+              <a:cxnLst/>
+              <a:rect l="0" t="0" r="r" b="b"/>
+              <a:pathLst>
+                <a:path w="478" h="2913">
+                  <a:moveTo>
+                    <a:pt x="478" y="0"/>
+                  </a:moveTo>
+                  <a:lnTo>
+                    <a:pt x="318" y="0"/>
+                  </a:lnTo>
+                  <a:lnTo>
+                    <a:pt x="0" y="1938"/>
+                  </a:lnTo>
+                  <a:lnTo>
+                    <a:pt x="0" y="2913"/>
+                  </a:lnTo>
+                  <a:lnTo>
+                    <a:pt x="478" y="0"/>
+                  </a:lnTo>
+                  <a:close/>
+                </a:path>
+              </a:pathLst>
+            </a:custGeom>
+            <a:solidFill>
+              <a:schemeClr val="tx1">
+                <a:lumMod val="65000"/>
+                <a:lumOff val="35000"/>
+              </a:schemeClr>
+            </a:solidFill>
+            <a:ln>
+              <a:noFill/>
+            </a:ln>
+          </p:spPr>
+        </p:sp>
+        <p:sp>
+          <p:nvSpPr>
+            <p:cNvPr id="17" name="Freeform 8"/>
+            <p:cNvSpPr/>
+            <p:nvPr/>
+          </p:nvSpPr>
+          <p:spPr bwMode="auto">
+            <a:xfrm>
+              <a:off x="0" y="5662613"/>
+              <a:ext cx="906463" cy="1195388"/>
+            </a:xfrm>
+            <a:custGeom>
+              <a:avLst/>
+              <a:gdLst/>
+              <a:ahLst/>
+              <a:cxnLst/>
+              <a:rect l="0" t="0" r="r" b="b"/>
+              <a:pathLst>
+                <a:path w="571" h="753">
+                  <a:moveTo>
+                    <a:pt x="0" y="0"/>
+                  </a:moveTo>
+                  <a:lnTo>
+                    <a:pt x="0" y="12"/>
+                  </a:lnTo>
+                  <a:lnTo>
+                    <a:pt x="538" y="753"/>
+                  </a:lnTo>
+                  <a:lnTo>
+                    <a:pt x="571" y="753"/>
+                  </a:lnTo>
+                  <a:lnTo>
+                    <a:pt x="0" y="0"/>
+                  </a:lnTo>
+                  <a:close/>
+                </a:path>
+              </a:pathLst>
+            </a:custGeom>
+            <a:solidFill>
+              <a:schemeClr val="tx1">
+                <a:lumMod val="85000"/>
+                <a:lumOff val="15000"/>
+              </a:schemeClr>
+            </a:solidFill>
+            <a:ln>
+              <a:noFill/>
+            </a:ln>
+          </p:spPr>
+        </p:sp>
+        <p:sp>
+          <p:nvSpPr>
+            <p:cNvPr id="18" name="Freeform 9"/>
+            <p:cNvSpPr/>
+            <p:nvPr/>
+          </p:nvSpPr>
+          <p:spPr bwMode="auto">
+            <a:xfrm>
+              <a:off x="0" y="5295900"/>
+              <a:ext cx="1487488" cy="1562100"/>
+            </a:xfrm>
+            <a:custGeom>
+              <a:avLst/>
+              <a:gdLst/>
+              <a:ahLst/>
+              <a:cxnLst/>
+              <a:rect l="0" t="0" r="r" b="b"/>
+              <a:pathLst>
+                <a:path w="937" h="984">
+                  <a:moveTo>
+                    <a:pt x="0" y="0"/>
+                  </a:moveTo>
+                  <a:lnTo>
+                    <a:pt x="0" y="3"/>
+                  </a:lnTo>
+                  <a:lnTo>
+                    <a:pt x="901" y="984"/>
+                  </a:lnTo>
+                  <a:lnTo>
+                    <a:pt x="937" y="984"/>
+                  </a:lnTo>
+                  <a:lnTo>
+                    <a:pt x="0" y="0"/>
+                  </a:lnTo>
+                  <a:close/>
+                </a:path>
+              </a:pathLst>
+            </a:custGeom>
+            <a:solidFill>
+              <a:schemeClr val="accent1">
+                <a:lumMod val="50000"/>
+              </a:schemeClr>
+            </a:solidFill>
+            <a:ln>
+              <a:noFill/>
+            </a:ln>
+          </p:spPr>
+        </p:sp>
+        <p:sp>
+          <p:nvSpPr>
+            <p:cNvPr id="19" name="Freeform 10"/>
+            <p:cNvSpPr/>
+            <p:nvPr/>
+          </p:nvSpPr>
+          <p:spPr bwMode="auto">
+            <a:xfrm>
+              <a:off x="0" y="5257800"/>
+              <a:ext cx="2132013" cy="1600200"/>
+            </a:xfrm>
+            <a:custGeom>
+              <a:avLst/>
+              <a:gdLst/>
+              <a:ahLst/>
+              <a:cxnLst/>
+              <a:rect l="0" t="0" r="r" b="b"/>
+              <a:pathLst>
+                <a:path w="1343" h="1008">
+                  <a:moveTo>
+                    <a:pt x="0" y="24"/>
+                  </a:moveTo>
+                  <a:lnTo>
+                    <a:pt x="937" y="1008"/>
+                  </a:lnTo>
+                  <a:lnTo>
+                    <a:pt x="1343" y="1008"/>
+                  </a:lnTo>
+                  <a:lnTo>
+                    <a:pt x="126" y="21"/>
+                  </a:lnTo>
+                  <a:lnTo>
+                    <a:pt x="0" y="0"/>
+                  </a:lnTo>
+                  <a:lnTo>
+                    <a:pt x="0" y="24"/>
+                  </a:lnTo>
+                  <a:close/>
+                </a:path>
+              </a:pathLst>
+            </a:custGeom>
+            <a:solidFill>
+              <a:schemeClr val="accent1">
+                <a:lumMod val="75000"/>
+              </a:schemeClr>
+            </a:solidFill>
+            <a:ln>
+              <a:noFill/>
+            </a:ln>
+          </p:spPr>
+        </p:sp>
+        <p:sp>
+          <p:nvSpPr>
+            <p:cNvPr id="20" name="Freeform 11"/>
+            <p:cNvSpPr/>
+            <p:nvPr/>
+          </p:nvSpPr>
+          <p:spPr bwMode="auto">
+            <a:xfrm>
+              <a:off x="0" y="5357813"/>
+              <a:ext cx="1377950" cy="1500188"/>
+            </a:xfrm>
+            <a:custGeom>
+              <a:avLst/>
+              <a:gdLst/>
+              <a:ahLst/>
+              <a:cxnLst/>
+              <a:rect l="0" t="0" r="r" b="b"/>
+              <a:pathLst>
+                <a:path w="868" h="945">
+                  <a:moveTo>
+                    <a:pt x="0" y="192"/>
+                  </a:moveTo>
+                  <a:lnTo>
+                    <a:pt x="571" y="945"/>
+                  </a:lnTo>
+                  <a:lnTo>
+                    <a:pt x="868" y="945"/>
+                  </a:lnTo>
+                  <a:lnTo>
+                    <a:pt x="0" y="0"/>
+                  </a:lnTo>
+                  <a:lnTo>
+                    <a:pt x="0" y="192"/>
+                  </a:lnTo>
+                  <a:close/>
+                </a:path>
+              </a:pathLst>
+            </a:custGeom>
+            <a:solidFill>
+              <a:schemeClr val="tx1">
+                <a:lumMod val="75000"/>
+                <a:lumOff val="25000"/>
+              </a:schemeClr>
+            </a:solidFill>
+            <a:ln>
+              <a:noFill/>
+            </a:ln>
+          </p:spPr>
+        </p:sp>
+      </p:grpSp>
       <p:sp>
         <p:nvSpPr>
           <p:cNvPr id="2" name="Title Placeholder 1"/>
@@ -2612,8 +5656,42 @@
         </p:nvSpPr>
         <p:spPr>
           <a:xfrm>
-            <a:off x="457200" y="274638"/>
-            <a:ext cx="8229600" cy="1143000"/>
+            <a:off x="982133" y="457201"/>
+            <a:ext cx="7704667" cy="1981200"/>
+          </a:xfrm>
+          <a:prstGeom prst="rect">
+            <a:avLst/>
+          </a:prstGeom>
+          <a:effectLst/>
+        </p:spPr>
+        <p:txBody>
+          <a:bodyPr vert="horz" lIns="91440" tIns="45720" rIns="91440" bIns="45720" rtlCol="0" anchor="ctr">
+            <a:normAutofit/>
+          </a:bodyPr>
+          <a:lstStyle/>
+          <a:p>
+            <a:r>
+              <a:rPr lang="en-US"/>
+              <a:t>Click to edit Master title style</a:t>
+            </a:r>
+            <a:endParaRPr lang="en-US" dirty="0"/>
+          </a:p>
+        </p:txBody>
+      </p:sp>
+      <p:sp>
+        <p:nvSpPr>
+          <p:cNvPr id="3" name="Text Placeholder 2"/>
+          <p:cNvSpPr>
+            <a:spLocks noGrp="1"/>
+          </p:cNvSpPr>
+          <p:nvPr>
+            <p:ph type="body" idx="1"/>
+          </p:nvPr>
+        </p:nvSpPr>
+        <p:spPr>
+          <a:xfrm>
+            <a:off x="982134" y="2667000"/>
+            <a:ext cx="7704666" cy="3356995"/>
           </a:xfrm>
           <a:prstGeom prst="rect">
             <a:avLst/>
@@ -2625,90 +5703,98 @@
           </a:bodyPr>
           <a:lstStyle/>
           <a:p>
-            <a:r>
-              <a:rPr lang="en-US" smtClean="0"/>
-              <a:t>Click to edit Master title style</a:t>
-            </a:r>
-            <a:endParaRPr lang="en-US"/>
-          </a:p>
-        </p:txBody>
-      </p:sp>
-      <p:sp>
-        <p:nvSpPr>
-          <p:cNvPr id="3" name="Text Placeholder 2"/>
-          <p:cNvSpPr>
-            <a:spLocks noGrp="1"/>
-          </p:cNvSpPr>
-          <p:nvPr>
-            <p:ph type="body" idx="1"/>
+            <a:pPr lvl="0"/>
+            <a:r>
+              <a:rPr lang="en-US"/>
+              <a:t>Click to edit Master text styles</a:t>
+            </a:r>
+          </a:p>
+          <a:p>
+            <a:pPr lvl="1"/>
+            <a:r>
+              <a:rPr lang="en-US"/>
+              <a:t>Second level</a:t>
+            </a:r>
+          </a:p>
+          <a:p>
+            <a:pPr lvl="2"/>
+            <a:r>
+              <a:rPr lang="en-US"/>
+              <a:t>Third level</a:t>
+            </a:r>
+          </a:p>
+          <a:p>
+            <a:pPr lvl="3"/>
+            <a:r>
+              <a:rPr lang="en-US"/>
+              <a:t>Fourth level</a:t>
+            </a:r>
+          </a:p>
+          <a:p>
+            <a:pPr lvl="4"/>
+            <a:r>
+              <a:rPr lang="en-US"/>
+              <a:t>Fifth level</a:t>
+            </a:r>
+            <a:endParaRPr lang="en-US" dirty="0"/>
+          </a:p>
+        </p:txBody>
+      </p:sp>
+      <p:sp>
+        <p:nvSpPr>
+          <p:cNvPr id="4" name="Date Placeholder 3"/>
+          <p:cNvSpPr>
+            <a:spLocks noGrp="1"/>
+          </p:cNvSpPr>
+          <p:nvPr>
+            <p:ph type="dt" sz="half" idx="2"/>
           </p:nvPr>
         </p:nvSpPr>
         <p:spPr>
           <a:xfrm>
-            <a:off x="457200" y="1600200"/>
-            <a:ext cx="8229600" cy="4525963"/>
+            <a:off x="7358679" y="6116070"/>
+            <a:ext cx="857473" cy="365125"/>
           </a:xfrm>
           <a:prstGeom prst="rect">
             <a:avLst/>
           </a:prstGeom>
         </p:spPr>
         <p:txBody>
-          <a:bodyPr vert="horz" lIns="91440" tIns="45720" rIns="91440" bIns="45720" rtlCol="0">
-            <a:normAutofit/>
-          </a:bodyPr>
-          <a:lstStyle/>
-          <a:p>
-            <a:pPr lvl="0"/>
-            <a:r>
+          <a:bodyPr vert="horz" lIns="91440" tIns="45720" rIns="91440" bIns="45720" rtlCol="0" anchor="ctr"/>
+          <a:lstStyle>
+            <a:lvl1pPr algn="r">
+              <a:defRPr sz="1000" b="0" i="0">
+                <a:solidFill>
+                  <a:schemeClr val="tx1"/>
+                </a:solidFill>
+                <a:effectLst/>
+                <a:latin typeface="+mn-lt"/>
+              </a:defRPr>
+            </a:lvl1pPr>
+          </a:lstStyle>
+          <a:p>
+            <a:fld id="{5BCAD085-E8A6-8845-BD4E-CB4CCA059FC4}" type="datetimeFigureOut">
               <a:rPr lang="en-US" smtClean="0"/>
-              <a:t>Click to edit Master text styles</a:t>
-            </a:r>
-          </a:p>
-          <a:p>
-            <a:pPr lvl="1"/>
-            <a:r>
-              <a:rPr lang="en-US" smtClean="0"/>
-              <a:t>Second level</a:t>
-            </a:r>
-          </a:p>
-          <a:p>
-            <a:pPr lvl="2"/>
-            <a:r>
-              <a:rPr lang="en-US" smtClean="0"/>
-              <a:t>Third level</a:t>
-            </a:r>
-          </a:p>
-          <a:p>
-            <a:pPr lvl="3"/>
-            <a:r>
-              <a:rPr lang="en-US" smtClean="0"/>
-              <a:t>Fourth level</a:t>
-            </a:r>
-          </a:p>
-          <a:p>
-            <a:pPr lvl="4"/>
-            <a:r>
-              <a:rPr lang="en-US" smtClean="0"/>
-              <a:t>Fifth level</a:t>
-            </a:r>
+              <a:t>6/13/2025</a:t>
+            </a:fld>
             <a:endParaRPr lang="en-US"/>
           </a:p>
         </p:txBody>
       </p:sp>
       <p:sp>
         <p:nvSpPr>
-          <p:cNvPr id="4" name="Date Placeholder 3"/>
-          <p:cNvSpPr>
-            <a:spLocks noGrp="1"/>
-          </p:cNvSpPr>
-          <p:nvPr>
-            <p:ph type="dt" sz="half" idx="2"/>
+          <p:cNvPr id="5" name="Footer Placeholder 4"/>
+          <p:cNvSpPr>
+            <a:spLocks noGrp="1"/>
+          </p:cNvSpPr>
+          <p:nvPr>
+            <p:ph type="ftr" sz="quarter" idx="3"/>
           </p:nvPr>
         </p:nvSpPr>
         <p:spPr>
           <a:xfrm>
-            <a:off x="457200" y="6356350"/>
-            <a:ext cx="2133600" cy="365125"/>
+            <a:off x="1986997" y="6116070"/>
+            <a:ext cx="5314517" cy="365125"/>
           </a:xfrm>
           <a:prstGeom prst="rect">
             <a:avLst/>
@@ -2718,38 +5804,34 @@
           <a:bodyPr vert="horz" lIns="91440" tIns="45720" rIns="91440" bIns="45720" rtlCol="0" anchor="ctr"/>
           <a:lstStyle>
             <a:lvl1pPr algn="l">
-              <a:defRPr sz="1200">
-                <a:solidFill>
-                  <a:schemeClr val="tx1">
-                    <a:tint val="75000"/>
-                  </a:schemeClr>
-                </a:solidFill>
+              <a:defRPr sz="1000" b="0" i="0">
+                <a:solidFill>
+                  <a:schemeClr val="tx1"/>
+                </a:solidFill>
+                <a:effectLst/>
+                <a:latin typeface="+mn-lt"/>
               </a:defRPr>
             </a:lvl1pPr>
           </a:lstStyle>
           <a:p>
-            <a:fld id="{5BCAD085-E8A6-8845-BD4E-CB4CCA059FC4}" type="datetimeFigureOut">
-              <a:rPr lang="en-US" smtClean="0"/>
-              <a:t>1/27/13</a:t>
-            </a:fld>
             <a:endParaRPr lang="en-US"/>
           </a:p>
         </p:txBody>
       </p:sp>
       <p:sp>
         <p:nvSpPr>
-          <p:cNvPr id="5" name="Footer Placeholder 4"/>
-          <p:cNvSpPr>
-            <a:spLocks noGrp="1"/>
-          </p:cNvSpPr>
-          <p:nvPr>
-            <p:ph type="ftr" sz="quarter" idx="3"/>
+          <p:cNvPr id="6" name="Slide Number Placeholder 5"/>
+          <p:cNvSpPr>
+            <a:spLocks noGrp="1"/>
+          </p:cNvSpPr>
+          <p:nvPr>
+            <p:ph type="sldNum" sz="quarter" idx="4"/>
           </p:nvPr>
         </p:nvSpPr>
         <p:spPr>
           <a:xfrm>
-            <a:off x="3124200" y="6356350"/>
-            <a:ext cx="2895600" cy="365125"/>
+            <a:off x="8273317" y="6116070"/>
+            <a:ext cx="413483" cy="365125"/>
           </a:xfrm>
           <a:prstGeom prst="rect">
             <a:avLst/>
@@ -2758,50 +5840,13 @@
         <p:txBody>
           <a:bodyPr vert="horz" lIns="91440" tIns="45720" rIns="91440" bIns="45720" rtlCol="0" anchor="ctr"/>
           <a:lstStyle>
-            <a:lvl1pPr algn="ctr">
-              <a:defRPr sz="1200">
-                <a:solidFill>
-                  <a:schemeClr val="tx1">
-                    <a:tint val="75000"/>
-                  </a:schemeClr>
-                </a:solidFill>
-              </a:defRPr>
-            </a:lvl1pPr>
-          </a:lstStyle>
-          <a:p>
-            <a:endParaRPr lang="en-US"/>
-          </a:p>
-        </p:txBody>
-      </p:sp>
-      <p:sp>
-        <p:nvSpPr>
-          <p:cNvPr id="6" name="Slide Number Placeholder 5"/>
-          <p:cNvSpPr>
-            <a:spLocks noGrp="1"/>
-          </p:cNvSpPr>
-          <p:nvPr>
-            <p:ph type="sldNum" sz="quarter" idx="4"/>
-          </p:nvPr>
-        </p:nvSpPr>
-        <p:spPr>
-          <a:xfrm>
-            <a:off x="6553200" y="6356350"/>
-            <a:ext cx="2133600" cy="365125"/>
-          </a:xfrm>
-          <a:prstGeom prst="rect">
-            <a:avLst/>
-          </a:prstGeom>
-        </p:spPr>
-        <p:txBody>
-          <a:bodyPr vert="horz" lIns="91440" tIns="45720" rIns="91440" bIns="45720" rtlCol="0" anchor="ctr"/>
-          <a:lstStyle>
             <a:lvl1pPr algn="r">
-              <a:defRPr sz="1200">
-                <a:solidFill>
-                  <a:schemeClr val="tx1">
-                    <a:tint val="75000"/>
-                  </a:schemeClr>
-                </a:solidFill>
+              <a:defRPr sz="1000" b="0" i="0">
+                <a:solidFill>
+                  <a:schemeClr val="tx1"/>
+                </a:solidFill>
+                <a:effectLst/>
+                <a:latin typeface="+mn-lt"/>
               </a:defRPr>
             </a:lvl1pPr>
           </a:lstStyle>
@@ -2817,23 +5862,29 @@
     </p:spTree>
     <p:extLst>
       <p:ext uri="{BB962C8B-B14F-4D97-AF65-F5344CB8AC3E}">
-        <p14:creationId xmlns:p14="http://schemas.microsoft.com/office/powerpoint/2010/main" val="2209977519"/>
+        <p14:creationId xmlns:p14="http://schemas.microsoft.com/office/powerpoint/2010/main" val="193223258"/>
       </p:ext>
     </p:extLst>
   </p:cSld>
   <p:clrMap bg1="lt1" tx1="dk1" bg2="lt2" tx2="dk2" accent1="accent1" accent2="accent2" accent3="accent3" accent4="accent4" accent5="accent5" accent6="accent6" hlink="hlink" folHlink="folHlink"/>
   <p:sldLayoutIdLst>
-    <p:sldLayoutId id="2147483649" r:id="rId1"/>
-    <p:sldLayoutId id="2147483650" r:id="rId2"/>
-    <p:sldLayoutId id="2147483651" r:id="rId3"/>
-    <p:sldLayoutId id="2147483652" r:id="rId4"/>
-    <p:sldLayoutId id="2147483653" r:id="rId5"/>
-    <p:sldLayoutId id="2147483654" r:id="rId6"/>
-    <p:sldLayoutId id="2147483655" r:id="rId7"/>
-    <p:sldLayoutId id="2147483656" r:id="rId8"/>
-    <p:sldLayoutId id="2147483657" r:id="rId9"/>
-    <p:sldLayoutId id="2147483658" r:id="rId10"/>
-    <p:sldLayoutId id="2147483659" r:id="rId11"/>
+    <p:sldLayoutId id="2147483727" r:id="rId1"/>
+    <p:sldLayoutId id="2147483728" r:id="rId2"/>
+    <p:sldLayoutId id="2147483729" r:id="rId3"/>
+    <p:sldLayoutId id="2147483730" r:id="rId4"/>
+    <p:sldLayoutId id="2147483731" r:id="rId5"/>
+    <p:sldLayoutId id="2147483732" r:id="rId6"/>
+    <p:sldLayoutId id="2147483733" r:id="rId7"/>
+    <p:sldLayoutId id="2147483734" r:id="rId8"/>
+    <p:sldLayoutId id="2147483735" r:id="rId9"/>
+    <p:sldLayoutId id="2147483736" r:id="rId10"/>
+    <p:sldLayoutId id="2147483737" r:id="rId11"/>
+    <p:sldLayoutId id="2147483738" r:id="rId12"/>
+    <p:sldLayoutId id="2147483739" r:id="rId13"/>
+    <p:sldLayoutId id="2147483740" r:id="rId14"/>
+    <p:sldLayoutId id="2147483741" r:id="rId15"/>
+    <p:sldLayoutId id="2147483742" r:id="rId16"/>
+    <p:sldLayoutId id="2147483743" r:id="rId17"/>
   </p:sldLayoutIdLst>
   <p:txStyles>
     <p:titleStyle>
@@ -2842,27 +5893,97 @@
           <a:spcPct val="0"/>
         </a:spcBef>
         <a:buNone/>
-        <a:defRPr sz="4400" kern="1200">
+        <a:defRPr sz="4000" kern="1200" cap="none">
+          <a:ln w="3175" cmpd="sng">
+            <a:noFill/>
+          </a:ln>
           <a:solidFill>
             <a:schemeClr val="tx1"/>
           </a:solidFill>
+          <a:effectLst/>
           <a:latin typeface="+mj-lt"/>
           <a:ea typeface="+mj-ea"/>
           <a:cs typeface="+mj-cs"/>
         </a:defRPr>
       </a:lvl1pPr>
+      <a:lvl2pPr eaLnBrk="1" hangingPunct="1">
+        <a:defRPr>
+          <a:solidFill>
+            <a:schemeClr val="tx2"/>
+          </a:solidFill>
+        </a:defRPr>
+      </a:lvl2pPr>
+      <a:lvl3pPr eaLnBrk="1" hangingPunct="1">
+        <a:defRPr>
+          <a:solidFill>
+            <a:schemeClr val="tx2"/>
+          </a:solidFill>
+        </a:defRPr>
+      </a:lvl3pPr>
+      <a:lvl4pPr eaLnBrk="1" hangingPunct="1">
+        <a:defRPr>
+          <a:solidFill>
+            <a:schemeClr val="tx2"/>
+          </a:solidFill>
+        </a:defRPr>
+      </a:lvl4pPr>
+      <a:lvl5pPr eaLnBrk="1" hangingPunct="1">
+        <a:defRPr>
+          <a:solidFill>
+            <a:schemeClr val="tx2"/>
+          </a:solidFill>
+        </a:defRPr>
+      </a:lvl5pPr>
+      <a:lvl6pPr eaLnBrk="1" hangingPunct="1">
+        <a:defRPr>
+          <a:solidFill>
+            <a:schemeClr val="tx2"/>
+          </a:solidFill>
+        </a:defRPr>
+      </a:lvl6pPr>
+      <a:lvl7pPr eaLnBrk="1" hangingPunct="1">
+        <a:defRPr>
+          <a:solidFill>
+            <a:schemeClr val="tx2"/>
+          </a:solidFill>
+        </a:defRPr>
+      </a:lvl7pPr>
+      <a:lvl8pPr eaLnBrk="1" hangingPunct="1">
+        <a:defRPr>
+          <a:solidFill>
+            <a:schemeClr val="tx2"/>
+          </a:solidFill>
+        </a:defRPr>
+      </a:lvl8pPr>
+      <a:lvl9pPr eaLnBrk="1" hangingPunct="1">
+        <a:defRPr>
+          <a:solidFill>
+            <a:schemeClr val="tx2"/>
+          </a:solidFill>
+        </a:defRPr>
+      </a:lvl9pPr>
     </p:titleStyle>
     <p:bodyStyle>
-      <a:lvl1pPr marL="342900" indent="-342900" algn="l" defTabSz="457200" rtl="0" eaLnBrk="1" latinLnBrk="0" hangingPunct="1">
+      <a:lvl1pPr marL="285750" indent="-285750" algn="l" defTabSz="457200" rtl="0" eaLnBrk="1" latinLnBrk="0" hangingPunct="1">
         <a:spcBef>
           <a:spcPct val="20000"/>
         </a:spcBef>
+        <a:spcAft>
+          <a:spcPts val="600"/>
+        </a:spcAft>
+        <a:buClr>
+          <a:schemeClr val="accent1">
+            <a:lumMod val="75000"/>
+          </a:schemeClr>
+        </a:buClr>
+        <a:buSzPct val="145000"/>
         <a:buFont typeface="Arial"/>
         <a:buChar char="•"/>
-        <a:defRPr sz="3200" kern="1200">
+        <a:defRPr sz="2400" kern="1200" cap="none">
           <a:solidFill>
             <a:schemeClr val="tx1"/>
           </a:solidFill>
+          <a:effectLst/>
           <a:latin typeface="+mn-lt"/>
           <a:ea typeface="+mn-ea"/>
           <a:cs typeface="+mn-cs"/>
@@ -2872,57 +5993,97 @@
         <a:spcBef>
           <a:spcPct val="20000"/>
         </a:spcBef>
+        <a:spcAft>
+          <a:spcPts val="600"/>
+        </a:spcAft>
+        <a:buClr>
+          <a:schemeClr val="accent1">
+            <a:lumMod val="75000"/>
+          </a:schemeClr>
+        </a:buClr>
+        <a:buSzPct val="145000"/>
         <a:buFont typeface="Arial"/>
-        <a:buChar char="–"/>
-        <a:defRPr sz="2800" kern="1200">
+        <a:buChar char="•"/>
+        <a:defRPr sz="2000" kern="1200" cap="none">
           <a:solidFill>
             <a:schemeClr val="tx1"/>
           </a:solidFill>
+          <a:effectLst/>
           <a:latin typeface="+mn-lt"/>
           <a:ea typeface="+mn-ea"/>
           <a:cs typeface="+mn-cs"/>
         </a:defRPr>
       </a:lvl2pPr>
-      <a:lvl3pPr marL="1143000" indent="-228600" algn="l" defTabSz="457200" rtl="0" eaLnBrk="1" latinLnBrk="0" hangingPunct="1">
+      <a:lvl3pPr marL="1200150" indent="-285750" algn="l" defTabSz="457200" rtl="0" eaLnBrk="1" latinLnBrk="0" hangingPunct="1">
         <a:spcBef>
           <a:spcPct val="20000"/>
         </a:spcBef>
+        <a:spcAft>
+          <a:spcPts val="600"/>
+        </a:spcAft>
+        <a:buClr>
+          <a:schemeClr val="accent1">
+            <a:lumMod val="75000"/>
+          </a:schemeClr>
+        </a:buClr>
+        <a:buSzPct val="145000"/>
         <a:buFont typeface="Arial"/>
         <a:buChar char="•"/>
-        <a:defRPr sz="2400" kern="1200">
+        <a:defRPr sz="1800" kern="1200" cap="none">
           <a:solidFill>
             <a:schemeClr val="tx1"/>
           </a:solidFill>
+          <a:effectLst/>
           <a:latin typeface="+mn-lt"/>
           <a:ea typeface="+mn-ea"/>
           <a:cs typeface="+mn-cs"/>
         </a:defRPr>
       </a:lvl3pPr>
-      <a:lvl4pPr marL="1600200" indent="-228600" algn="l" defTabSz="457200" rtl="0" eaLnBrk="1" latinLnBrk="0" hangingPunct="1">
+      <a:lvl4pPr marL="1543050" indent="-171450" algn="l" defTabSz="457200" rtl="0" eaLnBrk="1" latinLnBrk="0" hangingPunct="1">
         <a:spcBef>
           <a:spcPct val="20000"/>
         </a:spcBef>
+        <a:spcAft>
+          <a:spcPts val="600"/>
+        </a:spcAft>
+        <a:buClr>
+          <a:schemeClr val="accent1">
+            <a:lumMod val="75000"/>
+          </a:schemeClr>
+        </a:buClr>
+        <a:buSzPct val="145000"/>
         <a:buFont typeface="Arial"/>
-        <a:buChar char="–"/>
-        <a:defRPr sz="2000" kern="1200">
+        <a:buChar char="•"/>
+        <a:defRPr sz="1600" kern="1200" cap="none">
           <a:solidFill>
             <a:schemeClr val="tx1"/>
           </a:solidFill>
+          <a:effectLst/>
           <a:latin typeface="+mn-lt"/>
           <a:ea typeface="+mn-ea"/>
           <a:cs typeface="+mn-cs"/>
         </a:defRPr>
       </a:lvl4pPr>
-      <a:lvl5pPr marL="2057400" indent="-228600" algn="l" defTabSz="457200" rtl="0" eaLnBrk="1" latinLnBrk="0" hangingPunct="1">
+      <a:lvl5pPr marL="2000250" indent="-171450" algn="l" defTabSz="457200" rtl="0" eaLnBrk="1" latinLnBrk="0" hangingPunct="1">
         <a:spcBef>
           <a:spcPct val="20000"/>
         </a:spcBef>
+        <a:spcAft>
+          <a:spcPts val="600"/>
+        </a:spcAft>
+        <a:buClr>
+          <a:schemeClr val="accent1">
+            <a:lumMod val="75000"/>
+          </a:schemeClr>
+        </a:buClr>
+        <a:buSzPct val="145000"/>
         <a:buFont typeface="Arial"/>
-        <a:buChar char="»"/>
-        <a:defRPr sz="2000" kern="1200">
+        <a:buChar char="•"/>
+        <a:defRPr sz="1400" kern="1200" cap="none">
           <a:solidFill>
             <a:schemeClr val="tx1"/>
           </a:solidFill>
+          <a:effectLst/>
           <a:latin typeface="+mn-lt"/>
           <a:ea typeface="+mn-ea"/>
           <a:cs typeface="+mn-cs"/>
@@ -2932,12 +6093,22 @@
         <a:spcBef>
           <a:spcPct val="20000"/>
         </a:spcBef>
+        <a:spcAft>
+          <a:spcPts val="600"/>
+        </a:spcAft>
+        <a:buClr>
+          <a:schemeClr val="accent1">
+            <a:lumMod val="75000"/>
+          </a:schemeClr>
+        </a:buClr>
+        <a:buSzPct val="145000"/>
         <a:buFont typeface="Arial"/>
         <a:buChar char="•"/>
-        <a:defRPr sz="2000" kern="1200">
+        <a:defRPr sz="1400" kern="1200" cap="none">
           <a:solidFill>
             <a:schemeClr val="tx1"/>
           </a:solidFill>
+          <a:effectLst/>
           <a:latin typeface="+mn-lt"/>
           <a:ea typeface="+mn-ea"/>
           <a:cs typeface="+mn-cs"/>
@@ -2947,12 +6118,22 @@
         <a:spcBef>
           <a:spcPct val="20000"/>
         </a:spcBef>
+        <a:spcAft>
+          <a:spcPts val="600"/>
+        </a:spcAft>
+        <a:buClr>
+          <a:schemeClr val="accent1">
+            <a:lumMod val="75000"/>
+          </a:schemeClr>
+        </a:buClr>
+        <a:buSzPct val="145000"/>
         <a:buFont typeface="Arial"/>
         <a:buChar char="•"/>
-        <a:defRPr sz="2000" kern="1200">
+        <a:defRPr sz="1400" kern="1200" cap="none">
           <a:solidFill>
             <a:schemeClr val="tx1"/>
           </a:solidFill>
+          <a:effectLst/>
           <a:latin typeface="+mn-lt"/>
           <a:ea typeface="+mn-ea"/>
           <a:cs typeface="+mn-cs"/>
@@ -2962,12 +6143,22 @@
         <a:spcBef>
           <a:spcPct val="20000"/>
         </a:spcBef>
+        <a:spcAft>
+          <a:spcPts val="600"/>
+        </a:spcAft>
+        <a:buClr>
+          <a:schemeClr val="accent1">
+            <a:lumMod val="75000"/>
+          </a:schemeClr>
+        </a:buClr>
+        <a:buSzPct val="145000"/>
         <a:buFont typeface="Arial"/>
         <a:buChar char="•"/>
-        <a:defRPr sz="2000" kern="1200">
+        <a:defRPr sz="1400" kern="1200" cap="none">
           <a:solidFill>
             <a:schemeClr val="tx1"/>
           </a:solidFill>
+          <a:effectLst/>
           <a:latin typeface="+mn-lt"/>
           <a:ea typeface="+mn-ea"/>
           <a:cs typeface="+mn-cs"/>
@@ -2977,12 +6168,22 @@
         <a:spcBef>
           <a:spcPct val="20000"/>
         </a:spcBef>
+        <a:spcAft>
+          <a:spcPts val="600"/>
+        </a:spcAft>
+        <a:buClr>
+          <a:schemeClr val="accent1">
+            <a:lumMod val="75000"/>
+          </a:schemeClr>
+        </a:buClr>
+        <a:buSzPct val="145000"/>
         <a:buFont typeface="Arial"/>
         <a:buChar char="•"/>
-        <a:defRPr sz="2000" kern="1200">
+        <a:defRPr sz="1400" kern="1200" cap="none">
           <a:solidFill>
             <a:schemeClr val="tx1"/>
           </a:solidFill>
+          <a:effectLst/>
           <a:latin typeface="+mn-lt"/>
           <a:ea typeface="+mn-ea"/>
           <a:cs typeface="+mn-cs"/>
@@ -3089,7 +6290,7 @@
 </file>
 
 <file path=ppt/slides/slide1.xml><?xml version="1.0" encoding="utf-8"?>
-<p:sld xmlns:a="http://schemas.openxmlformats.org/drawingml/2006/main" xmlns:p="http://schemas.openxmlformats.org/presentationml/2006/main" xmlns:r="http://schemas.openxmlformats.org/officeDocument/2006/relationships">
+<p:sld xmlns:a="http://schemas.openxmlformats.org/drawingml/2006/main" xmlns:r="http://schemas.openxmlformats.org/officeDocument/2006/relationships" xmlns:p="http://schemas.openxmlformats.org/presentationml/2006/main">
   <p:cSld>
     <p:spTree>
       <p:nvGrpSpPr>
@@ -3097,7 +6298,14 @@
         <p:cNvGrpSpPr/>
         <p:nvPr/>
       </p:nvGrpSpPr>
-      <p:grpSpPr/>
+      <p:grpSpPr>
+        <a:xfrm>
+          <a:off x="0" y="0"/>
+          <a:ext cx="0" cy="0"/>
+          <a:chOff x="0" y="0"/>
+          <a:chExt cx="0" cy="0"/>
+        </a:xfrm>
+      </p:grpSpPr>
       <p:sp>
         <p:nvSpPr>
           <p:cNvPr id="2" name="Title 1"/>
@@ -3110,10 +6318,13 @@
         </p:nvSpPr>
         <p:spPr/>
         <p:txBody>
-          <a:bodyPr/>
-          <a:lstStyle/>
-          <a:p>
-            <a:r>
+          <a:bodyPr>
+            <a:normAutofit/>
+          </a:bodyPr>
+          <a:lstStyle/>
+          <a:p>
+            <a:r>
+              <a:rPr dirty="0"/>
               <a:t>🔋 Electric Vehicle Population Data Analysis</a:t>
             </a:r>
           </a:p>
@@ -3131,16 +6342,28 @@
         </p:nvSpPr>
         <p:spPr/>
         <p:txBody>
-          <a:bodyPr/>
-          <a:lstStyle/>
-          <a:p>
-            <a:r>
+          <a:bodyPr>
+            <a:normAutofit/>
+          </a:bodyPr>
+          <a:lstStyle/>
+          <a:p>
+            <a:r>
+              <a:rPr dirty="0"/>
               <a:t>Exploring EV Trends in Washington State</a:t>
             </a:r>
           </a:p>
           <a:p>
             <a:r>
-              <a:t>Presented by: [Your Name]</a:t>
+              <a:rPr dirty="0"/>
+              <a:t>Presented by: [</a:t>
+            </a:r>
+            <a:r>
+              <a:rPr lang="en-US" dirty="0"/>
+              <a:t>Ahmed Nabil</a:t>
+            </a:r>
+            <a:r>
+              <a:rPr dirty="0"/>
+              <a:t>]</a:t>
             </a:r>
           </a:p>
         </p:txBody>
@@ -3150,11 +6373,23 @@
   <p:clrMapOvr>
     <a:masterClrMapping/>
   </p:clrMapOvr>
+  <mc:AlternateContent xmlns:mc="http://schemas.openxmlformats.org/markup-compatibility/2006">
+    <mc:Choice xmlns:p14="http://schemas.microsoft.com/office/powerpoint/2010/main" Requires="p14">
+      <p:transition spd="slow" p14:dur="1500">
+        <p:split orient="vert"/>
+      </p:transition>
+    </mc:Choice>
+    <mc:Fallback>
+      <p:transition spd="slow">
+        <p:split orient="vert"/>
+      </p:transition>
+    </mc:Fallback>
+  </mc:AlternateContent>
 </p:sld>
 </file>
 
 <file path=ppt/slides/slide10.xml><?xml version="1.0" encoding="utf-8"?>
-<p:sld xmlns:a="http://schemas.openxmlformats.org/drawingml/2006/main" xmlns:p="http://schemas.openxmlformats.org/presentationml/2006/main" xmlns:r="http://schemas.openxmlformats.org/officeDocument/2006/relationships">
+<p:sld xmlns:a="http://schemas.openxmlformats.org/drawingml/2006/main" xmlns:r="http://schemas.openxmlformats.org/officeDocument/2006/relationships" xmlns:p="http://schemas.openxmlformats.org/presentationml/2006/main">
   <p:cSld>
     <p:spTree>
       <p:nvGrpSpPr>
@@ -3162,7 +6397,14 @@
         <p:cNvGrpSpPr/>
         <p:nvPr/>
       </p:nvGrpSpPr>
-      <p:grpSpPr/>
+      <p:grpSpPr>
+        <a:xfrm>
+          <a:off x="0" y="0"/>
+          <a:ext cx="0" cy="0"/>
+          <a:chOff x="0" y="0"/>
+          <a:chExt cx="0" cy="0"/>
+        </a:xfrm>
+      </p:grpSpPr>
       <p:sp>
         <p:nvSpPr>
           <p:cNvPr id="2" name="Title 1"/>
@@ -3234,7 +6476,7 @@
 </file>
 
 <file path=ppt/slides/slide11.xml><?xml version="1.0" encoding="utf-8"?>
-<p:sld xmlns:a="http://schemas.openxmlformats.org/drawingml/2006/main" xmlns:p="http://schemas.openxmlformats.org/presentationml/2006/main" xmlns:r="http://schemas.openxmlformats.org/officeDocument/2006/relationships">
+<p:sld xmlns:a="http://schemas.openxmlformats.org/drawingml/2006/main" xmlns:r="http://schemas.openxmlformats.org/officeDocument/2006/relationships" xmlns:p="http://schemas.openxmlformats.org/presentationml/2006/main">
   <p:cSld>
     <p:spTree>
       <p:nvGrpSpPr>
@@ -3242,7 +6484,14 @@
         <p:cNvGrpSpPr/>
         <p:nvPr/>
       </p:nvGrpSpPr>
-      <p:grpSpPr/>
+      <p:grpSpPr>
+        <a:xfrm>
+          <a:off x="0" y="0"/>
+          <a:ext cx="0" cy="0"/>
+          <a:chOff x="0" y="0"/>
+          <a:chExt cx="0" cy="0"/>
+        </a:xfrm>
+      </p:grpSpPr>
       <p:sp>
         <p:nvSpPr>
           <p:cNvPr id="2" name="Title 1"/>
@@ -3253,44 +6502,19 @@
             <p:ph type="title"/>
           </p:nvPr>
         </p:nvSpPr>
-        <p:spPr/>
+        <p:spPr>
+          <a:xfrm>
+            <a:off x="2656725" y="2517656"/>
+            <a:ext cx="7429499" cy="1478570"/>
+          </a:xfrm>
+        </p:spPr>
         <p:txBody>
           <a:bodyPr/>
           <a:lstStyle/>
           <a:p>
             <a:r>
+              <a:rPr dirty="0"/>
               <a:t>🎬 Thank You!</a:t>
-            </a:r>
-          </a:p>
-        </p:txBody>
-      </p:sp>
-      <p:sp>
-        <p:nvSpPr>
-          <p:cNvPr id="3" name="Content Placeholder 2"/>
-          <p:cNvSpPr>
-            <a:spLocks noGrp="1"/>
-          </p:cNvSpPr>
-          <p:nvPr>
-            <p:ph idx="1"/>
-          </p:nvPr>
-        </p:nvSpPr>
-        <p:spPr/>
-        <p:txBody>
-          <a:bodyPr/>
-          <a:lstStyle/>
-          <a:p>
-            <a:r>
-              <a:t>Any Questions?</a:t>
-            </a:r>
-          </a:p>
-          <a:p>
-            <a:r>
-              <a:t>Presented by: [Your Name]</a:t>
-            </a:r>
-          </a:p>
-          <a:p>
-            <a:r>
-              <a:t>Email: [you@example.com]</a:t>
             </a:r>
           </a:p>
         </p:txBody>
@@ -3304,7 +6528,7 @@
 </file>
 
 <file path=ppt/slides/slide2.xml><?xml version="1.0" encoding="utf-8"?>
-<p:sld xmlns:a="http://schemas.openxmlformats.org/drawingml/2006/main" xmlns:p="http://schemas.openxmlformats.org/presentationml/2006/main" xmlns:r="http://schemas.openxmlformats.org/officeDocument/2006/relationships">
+<p:sld xmlns:a="http://schemas.openxmlformats.org/drawingml/2006/main" xmlns:r="http://schemas.openxmlformats.org/officeDocument/2006/relationships" xmlns:p="http://schemas.openxmlformats.org/presentationml/2006/main">
   <p:cSld>
     <p:spTree>
       <p:nvGrpSpPr>
@@ -3312,7 +6536,14 @@
         <p:cNvGrpSpPr/>
         <p:nvPr/>
       </p:nvGrpSpPr>
-      <p:grpSpPr/>
+      <p:grpSpPr>
+        <a:xfrm>
+          <a:off x="0" y="0"/>
+          <a:ext cx="0" cy="0"/>
+          <a:chOff x="0" y="0"/>
+          <a:chExt cx="0" cy="0"/>
+        </a:xfrm>
+      </p:grpSpPr>
       <p:sp>
         <p:nvSpPr>
           <p:cNvPr id="2" name="Title 1"/>
@@ -3346,7 +6577,9 @@
         </p:nvSpPr>
         <p:spPr/>
         <p:txBody>
-          <a:bodyPr/>
+          <a:bodyPr>
+            <a:normAutofit/>
+          </a:bodyPr>
           <a:lstStyle/>
           <a:p>
             <a:r>
@@ -3384,7 +6617,7 @@
 </file>
 
 <file path=ppt/slides/slide3.xml><?xml version="1.0" encoding="utf-8"?>
-<p:sld xmlns:a="http://schemas.openxmlformats.org/drawingml/2006/main" xmlns:p="http://schemas.openxmlformats.org/presentationml/2006/main" xmlns:r="http://schemas.openxmlformats.org/officeDocument/2006/relationships">
+<p:sld xmlns:a="http://schemas.openxmlformats.org/drawingml/2006/main" xmlns:r="http://schemas.openxmlformats.org/officeDocument/2006/relationships" xmlns:p="http://schemas.openxmlformats.org/presentationml/2006/main">
   <p:cSld>
     <p:spTree>
       <p:nvGrpSpPr>
@@ -3392,7 +6625,14 @@
         <p:cNvGrpSpPr/>
         <p:nvPr/>
       </p:nvGrpSpPr>
-      <p:grpSpPr/>
+      <p:grpSpPr>
+        <a:xfrm>
+          <a:off x="0" y="0"/>
+          <a:ext cx="0" cy="0"/>
+          <a:chOff x="0" y="0"/>
+          <a:chExt cx="0" cy="0"/>
+        </a:xfrm>
+      </p:grpSpPr>
       <p:sp>
         <p:nvSpPr>
           <p:cNvPr id="2" name="Title 1"/>
@@ -3464,7 +6704,7 @@
 </file>
 
 <file path=ppt/slides/slide4.xml><?xml version="1.0" encoding="utf-8"?>
-<p:sld xmlns:a="http://schemas.openxmlformats.org/drawingml/2006/main" xmlns:p="http://schemas.openxmlformats.org/presentationml/2006/main" xmlns:r="http://schemas.openxmlformats.org/officeDocument/2006/relationships">
+<p:sld xmlns:a="http://schemas.openxmlformats.org/drawingml/2006/main" xmlns:r="http://schemas.openxmlformats.org/officeDocument/2006/relationships" xmlns:p="http://schemas.openxmlformats.org/presentationml/2006/main">
   <p:cSld>
     <p:spTree>
       <p:nvGrpSpPr>
@@ -3472,7 +6712,14 @@
         <p:cNvGrpSpPr/>
         <p:nvPr/>
       </p:nvGrpSpPr>
-      <p:grpSpPr/>
+      <p:grpSpPr>
+        <a:xfrm>
+          <a:off x="0" y="0"/>
+          <a:ext cx="0" cy="0"/>
+          <a:chOff x="0" y="0"/>
+          <a:chExt cx="0" cy="0"/>
+        </a:xfrm>
+      </p:grpSpPr>
       <p:sp>
         <p:nvSpPr>
           <p:cNvPr id="2" name="Title 1"/>
@@ -3539,7 +6786,7 @@
 </file>
 
 <file path=ppt/slides/slide5.xml><?xml version="1.0" encoding="utf-8"?>
-<p:sld xmlns:a="http://schemas.openxmlformats.org/drawingml/2006/main" xmlns:p="http://schemas.openxmlformats.org/presentationml/2006/main" xmlns:r="http://schemas.openxmlformats.org/officeDocument/2006/relationships">
+<p:sld xmlns:a="http://schemas.openxmlformats.org/drawingml/2006/main" xmlns:r="http://schemas.openxmlformats.org/officeDocument/2006/relationships" xmlns:p="http://schemas.openxmlformats.org/presentationml/2006/main">
   <p:cSld>
     <p:spTree>
       <p:nvGrpSpPr>
@@ -3547,7 +6794,14 @@
         <p:cNvGrpSpPr/>
         <p:nvPr/>
       </p:nvGrpSpPr>
-      <p:grpSpPr/>
+      <p:grpSpPr>
+        <a:xfrm>
+          <a:off x="0" y="0"/>
+          <a:ext cx="0" cy="0"/>
+          <a:chOff x="0" y="0"/>
+          <a:chExt cx="0" cy="0"/>
+        </a:xfrm>
+      </p:grpSpPr>
       <p:sp>
         <p:nvSpPr>
           <p:cNvPr id="2" name="Title 1"/>
@@ -3609,7 +6863,7 @@
 </file>
 
 <file path=ppt/slides/slide6.xml><?xml version="1.0" encoding="utf-8"?>
-<p:sld xmlns:a="http://schemas.openxmlformats.org/drawingml/2006/main" xmlns:p="http://schemas.openxmlformats.org/presentationml/2006/main" xmlns:r="http://schemas.openxmlformats.org/officeDocument/2006/relationships">
+<p:sld xmlns:a="http://schemas.openxmlformats.org/drawingml/2006/main" xmlns:r="http://schemas.openxmlformats.org/officeDocument/2006/relationships" xmlns:p="http://schemas.openxmlformats.org/presentationml/2006/main">
   <p:cSld>
     <p:spTree>
       <p:nvGrpSpPr>
@@ -3617,7 +6871,14 @@
         <p:cNvGrpSpPr/>
         <p:nvPr/>
       </p:nvGrpSpPr>
-      <p:grpSpPr/>
+      <p:grpSpPr>
+        <a:xfrm>
+          <a:off x="0" y="0"/>
+          <a:ext cx="0" cy="0"/>
+          <a:chOff x="0" y="0"/>
+          <a:chExt cx="0" cy="0"/>
+        </a:xfrm>
+      </p:grpSpPr>
       <p:sp>
         <p:nvSpPr>
           <p:cNvPr id="2" name="Title 1"/>
@@ -3679,7 +6940,7 @@
 </file>
 
 <file path=ppt/slides/slide7.xml><?xml version="1.0" encoding="utf-8"?>
-<p:sld xmlns:a="http://schemas.openxmlformats.org/drawingml/2006/main" xmlns:p="http://schemas.openxmlformats.org/presentationml/2006/main" xmlns:r="http://schemas.openxmlformats.org/officeDocument/2006/relationships">
+<p:sld xmlns:a="http://schemas.openxmlformats.org/drawingml/2006/main" xmlns:r="http://schemas.openxmlformats.org/officeDocument/2006/relationships" xmlns:p="http://schemas.openxmlformats.org/presentationml/2006/main">
   <p:cSld>
     <p:spTree>
       <p:nvGrpSpPr>
@@ -3687,7 +6948,14 @@
         <p:cNvGrpSpPr/>
         <p:nvPr/>
       </p:nvGrpSpPr>
-      <p:grpSpPr/>
+      <p:grpSpPr>
+        <a:xfrm>
+          <a:off x="0" y="0"/>
+          <a:ext cx="0" cy="0"/>
+          <a:chOff x="0" y="0"/>
+          <a:chExt cx="0" cy="0"/>
+        </a:xfrm>
+      </p:grpSpPr>
       <p:sp>
         <p:nvSpPr>
           <p:cNvPr id="2" name="Title 1"/>
@@ -3749,7 +7017,7 @@
 </file>
 
 <file path=ppt/slides/slide8.xml><?xml version="1.0" encoding="utf-8"?>
-<p:sld xmlns:a="http://schemas.openxmlformats.org/drawingml/2006/main" xmlns:p="http://schemas.openxmlformats.org/presentationml/2006/main" xmlns:r="http://schemas.openxmlformats.org/officeDocument/2006/relationships">
+<p:sld xmlns:a="http://schemas.openxmlformats.org/drawingml/2006/main" xmlns:r="http://schemas.openxmlformats.org/officeDocument/2006/relationships" xmlns:p="http://schemas.openxmlformats.org/presentationml/2006/main">
   <p:cSld>
     <p:spTree>
       <p:nvGrpSpPr>
@@ -3757,7 +7025,14 @@
         <p:cNvGrpSpPr/>
         <p:nvPr/>
       </p:nvGrpSpPr>
-      <p:grpSpPr/>
+      <p:grpSpPr>
+        <a:xfrm>
+          <a:off x="0" y="0"/>
+          <a:ext cx="0" cy="0"/>
+          <a:chOff x="0" y="0"/>
+          <a:chExt cx="0" cy="0"/>
+        </a:xfrm>
+      </p:grpSpPr>
       <p:sp>
         <p:nvSpPr>
           <p:cNvPr id="2" name="Title 1"/>
@@ -3824,7 +7099,7 @@
 </file>
 
 <file path=ppt/slides/slide9.xml><?xml version="1.0" encoding="utf-8"?>
-<p:sld xmlns:a="http://schemas.openxmlformats.org/drawingml/2006/main" xmlns:p="http://schemas.openxmlformats.org/presentationml/2006/main" xmlns:r="http://schemas.openxmlformats.org/officeDocument/2006/relationships">
+<p:sld xmlns:a="http://schemas.openxmlformats.org/drawingml/2006/main" xmlns:r="http://schemas.openxmlformats.org/officeDocument/2006/relationships" xmlns:p="http://schemas.openxmlformats.org/presentationml/2006/main">
   <p:cSld>
     <p:spTree>
       <p:nvGrpSpPr>
@@ -3832,7 +7107,14 @@
         <p:cNvGrpSpPr/>
         <p:nvPr/>
       </p:nvGrpSpPr>
-      <p:grpSpPr/>
+      <p:grpSpPr>
+        <a:xfrm>
+          <a:off x="0" y="0"/>
+          <a:ext cx="0" cy="0"/>
+          <a:chOff x="0" y="0"/>
+          <a:chExt cx="0" cy="0"/>
+        </a:xfrm>
+      </p:grpSpPr>
       <p:sp>
         <p:nvSpPr>
           <p:cNvPr id="2" name="Title 1"/>
@@ -3899,9 +7181,9 @@
 </file>
 
 <file path=ppt/theme/theme1.xml><?xml version="1.0" encoding="utf-8"?>
-<a:theme xmlns:a="http://schemas.openxmlformats.org/drawingml/2006/main" name="Office Theme">
+<a:theme xmlns:a="http://schemas.openxmlformats.org/drawingml/2006/main" name="Parallax">
   <a:themeElements>
-    <a:clrScheme name="Office">
+    <a:clrScheme name="Parallax">
       <a:dk1>
         <a:sysClr val="windowText" lastClr="000000"/>
       </a:dk1>
@@ -3909,52 +7191,52 @@
         <a:sysClr val="window" lastClr="FFFFFF"/>
       </a:lt1>
       <a:dk2>
-        <a:srgbClr val="1F497D"/>
+        <a:srgbClr val="212121"/>
       </a:dk2>
       <a:lt2>
-        <a:srgbClr val="EEECE1"/>
+        <a:srgbClr val="EBEBEB"/>
       </a:lt2>
       <a:accent1>
-        <a:srgbClr val="4F81BD"/>
+        <a:srgbClr val="30ACEC"/>
       </a:accent1>
       <a:accent2>
-        <a:srgbClr val="C0504D"/>
+        <a:srgbClr val="80C34F"/>
       </a:accent2>
       <a:accent3>
-        <a:srgbClr val="9BBB59"/>
+        <a:srgbClr val="E29D3E"/>
       </a:accent3>
       <a:accent4>
-        <a:srgbClr val="8064A2"/>
+        <a:srgbClr val="D64A3B"/>
       </a:accent4>
       <a:accent5>
-        <a:srgbClr val="4BACC6"/>
+        <a:srgbClr val="D64787"/>
       </a:accent5>
       <a:accent6>
-        <a:srgbClr val="F79646"/>
+        <a:srgbClr val="A666E1"/>
       </a:accent6>
       <a:hlink>
-        <a:srgbClr val="0000FF"/>
+        <a:srgbClr val="3085ED"/>
       </a:hlink>
       <a:folHlink>
-        <a:srgbClr val="800080"/>
+        <a:srgbClr val="82B6F4"/>
       </a:folHlink>
     </a:clrScheme>
-    <a:fontScheme name="Office">
+    <a:fontScheme name="Parallax">
       <a:majorFont>
-        <a:latin typeface="Calibri"/>
+        <a:latin typeface="Corbel" panose="020B0503020204020204"/>
         <a:ea typeface=""/>
         <a:cs typeface=""/>
-        <a:font script="Jpan" typeface="ＭＳ Ｐゴシック"/>
-        <a:font script="Hang" typeface="맑은 고딕"/>
-        <a:font script="Hans" typeface="宋体"/>
+        <a:font script="Jpan" typeface="HGｺﾞｼｯｸM"/>
+        <a:font script="Hang" typeface="HY엽서L"/>
+        <a:font script="Hans" typeface="华文楷体"/>
         <a:font script="Hant" typeface="新細明體"/>
-        <a:font script="Arab" typeface="Times New Roman"/>
-        <a:font script="Hebr" typeface="Times New Roman"/>
-        <a:font script="Thai" typeface="Angsana New"/>
+        <a:font script="Arab" typeface="Tahoma"/>
+        <a:font script="Hebr" typeface="Miriam"/>
+        <a:font script="Thai" typeface="DilleniaUPC"/>
         <a:font script="Ethi" typeface="Nyala"/>
         <a:font script="Beng" typeface="Vrinda"/>
         <a:font script="Gujr" typeface="Shruti"/>
-        <a:font script="Khmr" typeface="MoolBoran"/>
+        <a:font script="Khmr" typeface="DaunPenh"/>
         <a:font script="Knda" typeface="Tunga"/>
         <a:font script="Guru" typeface="Raavi"/>
         <a:font script="Cans" typeface="Euphemia"/>
@@ -3971,21 +7253,21 @@
         <a:font script="Laoo" typeface="DokChampa"/>
         <a:font script="Sinh" typeface="Iskoola Pota"/>
         <a:font script="Mong" typeface="Mongolian Baiti"/>
-        <a:font script="Viet" typeface="Times New Roman"/>
+        <a:font script="Viet" typeface="Arial"/>
         <a:font script="Uigh" typeface="Microsoft Uighur"/>
         <a:font script="Geor" typeface="Sylfaen"/>
       </a:majorFont>
       <a:minorFont>
-        <a:latin typeface="Calibri"/>
+        <a:latin typeface="Corbel" panose="020B0503020204020204"/>
         <a:ea typeface=""/>
         <a:cs typeface=""/>
-        <a:font script="Jpan" typeface="ＭＳ Ｐゴシック"/>
-        <a:font script="Hang" typeface="맑은 고딕"/>
-        <a:font script="Hans" typeface="宋体"/>
+        <a:font script="Jpan" typeface="HGｺﾞｼｯｸM"/>
+        <a:font script="Hang" typeface="HY엽서L"/>
+        <a:font script="Hans" typeface="华文楷体"/>
         <a:font script="Hant" typeface="新細明體"/>
-        <a:font script="Arab" typeface="Arial"/>
-        <a:font script="Hebr" typeface="Arial"/>
-        <a:font script="Thai" typeface="Cordia New"/>
+        <a:font script="Arab" typeface="Tahoma"/>
+        <a:font script="Hebr" typeface="Miriam"/>
+        <a:font script="Thai" typeface="DilleniaUPC"/>
         <a:font script="Ethi" typeface="Nyala"/>
         <a:font script="Beng" typeface="Vrinda"/>
         <a:font script="Gujr" typeface="Shruti"/>
@@ -4011,7 +7293,7 @@
         <a:font script="Geor" typeface="Sylfaen"/>
       </a:minorFont>
     </a:fontScheme>
-    <a:fmtScheme name="Office">
+    <a:fmtScheme name="Parallax">
       <a:fillStyleLst>
         <a:solidFill>
           <a:schemeClr val="phClr"/>
@@ -4020,62 +7302,54 @@
           <a:gsLst>
             <a:gs pos="0">
               <a:schemeClr val="phClr">
-                <a:tint val="50000"/>
-                <a:satMod val="300000"/>
-              </a:schemeClr>
-            </a:gs>
-            <a:gs pos="35000">
-              <a:schemeClr val="phClr">
-                <a:tint val="37000"/>
-                <a:satMod val="300000"/>
+                <a:tint val="60000"/>
+                <a:lumMod val="104000"/>
               </a:schemeClr>
             </a:gs>
             <a:gs pos="100000">
               <a:schemeClr val="phClr">
-                <a:tint val="15000"/>
-                <a:satMod val="350000"/>
+                <a:tint val="84000"/>
               </a:schemeClr>
             </a:gs>
           </a:gsLst>
-          <a:lin ang="16200000" scaled="1"/>
+          <a:lin ang="5400000" scaled="0"/>
         </a:gradFill>
         <a:gradFill rotWithShape="1">
           <a:gsLst>
             <a:gs pos="0">
               <a:schemeClr val="phClr">
-                <a:tint val="100000"/>
-                <a:shade val="100000"/>
-                <a:satMod val="130000"/>
+                <a:tint val="96000"/>
+                <a:lumMod val="102000"/>
               </a:schemeClr>
             </a:gs>
             <a:gs pos="100000">
               <a:schemeClr val="phClr">
-                <a:tint val="50000"/>
-                <a:shade val="100000"/>
-                <a:satMod val="350000"/>
+                <a:shade val="88000"/>
+                <a:lumMod val="94000"/>
               </a:schemeClr>
             </a:gs>
           </a:gsLst>
-          <a:lin ang="16200000" scaled="0"/>
+          <a:path path="circle">
+            <a:fillToRect l="50000" t="100000" r="100000" b="50000"/>
+          </a:path>
         </a:gradFill>
       </a:fillStyleLst>
       <a:lnStyleLst>
-        <a:ln w="9525" cap="flat" cmpd="sng" algn="ctr">
+        <a:ln w="9525" cap="rnd" cmpd="sng" algn="ctr">
           <a:solidFill>
             <a:schemeClr val="phClr">
-              <a:shade val="95000"/>
-              <a:satMod val="105000"/>
+              <a:tint val="60000"/>
             </a:schemeClr>
           </a:solidFill>
           <a:prstDash val="solid"/>
         </a:ln>
-        <a:ln w="25400" cap="flat" cmpd="sng" algn="ctr">
+        <a:ln w="15875" cap="rnd" cmpd="sng" algn="ctr">
           <a:solidFill>
             <a:schemeClr val="phClr"/>
           </a:solidFill>
           <a:prstDash val="solid"/>
         </a:ln>
-        <a:ln w="38100" cap="flat" cmpd="sng" algn="ctr">
+        <a:ln w="22225" cap="rnd" cmpd="sng" algn="ctr">
           <a:solidFill>
             <a:schemeClr val="phClr"/>
           </a:solidFill>
@@ -4084,28 +7358,18 @@
       </a:lnStyleLst>
       <a:effectStyleLst>
         <a:effectStyle>
+          <a:effectLst/>
+        </a:effectStyle>
+        <a:effectStyle>
           <a:effectLst>
-            <a:outerShdw blurRad="40000" dist="20000" dir="5400000" rotWithShape="0">
-              <a:srgbClr val="000000">
-                <a:alpha val="38000"/>
-              </a:srgbClr>
-            </a:outerShdw>
+            <a:reflection blurRad="12700" stA="26000" endPos="32000" dist="12700" dir="5400000" sy="-100000" rotWithShape="0"/>
           </a:effectLst>
         </a:effectStyle>
         <a:effectStyle>
           <a:effectLst>
-            <a:outerShdw blurRad="40000" dist="23000" dir="5400000" rotWithShape="0">
+            <a:outerShdw blurRad="38100" dist="25400" dir="5400000" rotWithShape="0">
               <a:srgbClr val="000000">
-                <a:alpha val="35000"/>
-              </a:srgbClr>
-            </a:outerShdw>
-          </a:effectLst>
-        </a:effectStyle>
-        <a:effectStyle>
-          <a:effectLst>
-            <a:outerShdw blurRad="40000" dist="23000" dir="5400000" rotWithShape="0">
-              <a:srgbClr val="000000">
-                <a:alpha val="35000"/>
+                <a:alpha val="64000"/>
               </a:srgbClr>
             </a:outerShdw>
           </a:effectLst>
@@ -4113,12 +7377,12 @@
             <a:camera prst="orthographicFront">
               <a:rot lat="0" lon="0" rev="0"/>
             </a:camera>
-            <a:lightRig rig="threePt" dir="t">
+            <a:lightRig rig="threePt" dir="tl">
               <a:rot lat="0" lon="0" rev="1200000"/>
             </a:lightRig>
           </a:scene3d>
           <a:sp3d>
-            <a:bevelT w="63500" h="25400"/>
+            <a:bevelT w="25400" h="12700"/>
           </a:sp3d>
         </a:effectStyle>
       </a:effectStyleLst>
@@ -4130,90 +7394,44 @@
           <a:gsLst>
             <a:gs pos="0">
               <a:schemeClr val="phClr">
-                <a:tint val="40000"/>
-                <a:satMod val="350000"/>
-              </a:schemeClr>
-            </a:gs>
-            <a:gs pos="40000">
-              <a:schemeClr val="phClr">
-                <a:tint val="45000"/>
-                <a:shade val="99000"/>
-                <a:satMod val="350000"/>
+                <a:tint val="90000"/>
+                <a:lumMod val="110000"/>
               </a:schemeClr>
             </a:gs>
             <a:gs pos="100000">
               <a:schemeClr val="phClr">
-                <a:shade val="20000"/>
-                <a:satMod val="255000"/>
+                <a:shade val="64000"/>
+                <a:lumMod val="98000"/>
               </a:schemeClr>
             </a:gs>
           </a:gsLst>
-          <a:path path="circle">
-            <a:fillToRect l="50000" t="-80000" r="50000" b="180000"/>
-          </a:path>
+          <a:lin ang="5400000" scaled="0"/>
         </a:gradFill>
-        <a:gradFill rotWithShape="1">
-          <a:gsLst>
-            <a:gs pos="0">
+        <a:blipFill rotWithShape="1">
+          <a:blip xmlns:r="http://schemas.openxmlformats.org/officeDocument/2006/relationships" r:embed="rId1">
+            <a:duotone>
+              <a:schemeClr val="phClr">
+                <a:shade val="76000"/>
+                <a:satMod val="180000"/>
+              </a:schemeClr>
               <a:schemeClr val="phClr">
                 <a:tint val="80000"/>
-                <a:satMod val="300000"/>
+                <a:satMod val="120000"/>
+                <a:lumMod val="180000"/>
               </a:schemeClr>
-            </a:gs>
-            <a:gs pos="100000">
-              <a:schemeClr val="phClr">
-                <a:shade val="30000"/>
-                <a:satMod val="200000"/>
-              </a:schemeClr>
-            </a:gs>
-          </a:gsLst>
-          <a:path path="circle">
-            <a:fillToRect l="50000" t="50000" r="50000" b="50000"/>
-          </a:path>
-        </a:gradFill>
+            </a:duotone>
+          </a:blip>
+          <a:stretch/>
+        </a:blipFill>
       </a:bgFillStyleLst>
     </a:fmtScheme>
   </a:themeElements>
-  <a:objectDefaults>
-    <a:spDef>
-      <a:spPr/>
-      <a:bodyPr/>
-      <a:lstStyle/>
-      <a:style>
-        <a:lnRef idx="1">
-          <a:schemeClr val="accent1"/>
-        </a:lnRef>
-        <a:fillRef idx="3">
-          <a:schemeClr val="accent1"/>
-        </a:fillRef>
-        <a:effectRef idx="2">
-          <a:schemeClr val="accent1"/>
-        </a:effectRef>
-        <a:fontRef idx="minor">
-          <a:schemeClr val="lt1"/>
-        </a:fontRef>
-      </a:style>
-    </a:spDef>
-    <a:lnDef>
-      <a:spPr/>
-      <a:bodyPr/>
-      <a:lstStyle/>
-      <a:style>
-        <a:lnRef idx="2">
-          <a:schemeClr val="accent1"/>
-        </a:lnRef>
-        <a:fillRef idx="0">
-          <a:schemeClr val="accent1"/>
-        </a:fillRef>
-        <a:effectRef idx="1">
-          <a:schemeClr val="accent1"/>
-        </a:effectRef>
-        <a:fontRef idx="minor">
-          <a:schemeClr val="tx1"/>
-        </a:fontRef>
-      </a:style>
-    </a:lnDef>
-  </a:objectDefaults>
+  <a:objectDefaults/>
   <a:extraClrSchemeLst/>
+  <a:extLst>
+    <a:ext uri="{05A4C25C-085E-4340-85A3-A5531E510DB2}">
+      <thm15:themeFamily xmlns:thm15="http://schemas.microsoft.com/office/thememl/2012/main" name="Parallax" id="{3388167B-A2EB-4685-9635-1831D9AEF8C4}" vid="{4F7A876A-7598-49CA-AFC8-8EDA2551E4A7}"/>
+    </a:ext>
+  </a:extLst>
 </a:theme>
 </file>